--- a/firstPresentationWithDigitalFlowchart.pptx
+++ b/firstPresentationWithDigitalFlowchart.pptx
@@ -6,8 +6,12 @@
   </p:sldMasterIdLst>
   <p:sldIdLst>
     <p:sldId id="256" r:id="rId2"/>
-    <p:sldId id="258" r:id="rId3"/>
+    <p:sldId id="260" r:id="rId3"/>
     <p:sldId id="257" r:id="rId4"/>
+    <p:sldId id="261" r:id="rId5"/>
+    <p:sldId id="262" r:id="rId6"/>
+    <p:sldId id="258" r:id="rId7"/>
+    <p:sldId id="259" r:id="rId8"/>
   </p:sldIdLst>
   <p:sldSz cx="12192000" cy="6858000"/>
   <p:notesSz cx="6858000" cy="9144000"/>
@@ -106,6 +110,11 @@
       </a:defRPr>
     </a:lvl9pPr>
   </p:defaultTextStyle>
+  <p:extLst>
+    <p:ext uri="{EFAFB233-063F-42B5-8137-9DF3F51BA10A}">
+      <p15:sldGuideLst xmlns:p15="http://schemas.microsoft.com/office/powerpoint/2012/main"/>
+    </p:ext>
+  </p:extLst>
 </p:presentation>
 </file>
 
@@ -159,7 +168,7 @@
           <a:noFill/>
           <a:extLst>
             <a:ext uri="{909E8E84-426E-40dd-AFC4-6F175D3DCCD1}">
-              <a14:hiddenFill xmlns:a14="http://schemas.microsoft.com/office/drawing/2010/main" xmlns="">
+              <a14:hiddenFill xmlns="" xmlns:a14="http://schemas.microsoft.com/office/drawing/2010/main">
                 <a:solidFill>
                   <a:srgbClr val="FFFFFF"/>
                 </a:solidFill>
@@ -219,7 +228,7 @@
             </a:ln>
             <a:extLst>
               <a:ext uri="{91240B29-F687-4f45-9708-019B960494DF}">
-                <a14:hiddenLine xmlns:a14="http://schemas.microsoft.com/office/drawing/2010/main" xmlns="" w="9525">
+                <a14:hiddenLine xmlns="" xmlns:a14="http://schemas.microsoft.com/office/drawing/2010/main" w="9525">
                   <a:solidFill>
                     <a:srgbClr val="000000"/>
                   </a:solidFill>
@@ -309,7 +318,7 @@
             </a:ln>
             <a:extLst>
               <a:ext uri="{91240B29-F687-4f45-9708-019B960494DF}">
-                <a14:hiddenLine xmlns:a14="http://schemas.microsoft.com/office/drawing/2010/main" xmlns="" w="9525">
+                <a14:hiddenLine xmlns="" xmlns:a14="http://schemas.microsoft.com/office/drawing/2010/main" w="9525">
                   <a:solidFill>
                     <a:srgbClr val="000000"/>
                   </a:solidFill>
@@ -399,7 +408,7 @@
             </a:ln>
             <a:extLst>
               <a:ext uri="{91240B29-F687-4f45-9708-019B960494DF}">
-                <a14:hiddenLine xmlns:a14="http://schemas.microsoft.com/office/drawing/2010/main" xmlns="" w="9525">
+                <a14:hiddenLine xmlns="" xmlns:a14="http://schemas.microsoft.com/office/drawing/2010/main" w="9525">
                   <a:solidFill>
                     <a:srgbClr val="000000"/>
                   </a:solidFill>
@@ -433,7 +442,7 @@
             </a:ln>
             <a:extLst>
               <a:ext uri="{91240B29-F687-4f45-9708-019B960494DF}">
-                <a14:hiddenLine xmlns:a14="http://schemas.microsoft.com/office/drawing/2010/main" xmlns="" w="9525">
+                <a14:hiddenLine xmlns="" xmlns:a14="http://schemas.microsoft.com/office/drawing/2010/main" w="9525">
                   <a:solidFill>
                     <a:srgbClr val="000000"/>
                   </a:solidFill>
@@ -523,7 +532,7 @@
             </a:ln>
             <a:extLst>
               <a:ext uri="{91240B29-F687-4f45-9708-019B960494DF}">
-                <a14:hiddenLine xmlns:a14="http://schemas.microsoft.com/office/drawing/2010/main" xmlns="" w="9525">
+                <a14:hiddenLine xmlns="" xmlns:a14="http://schemas.microsoft.com/office/drawing/2010/main" w="9525">
                   <a:solidFill>
                     <a:srgbClr val="000000"/>
                   </a:solidFill>
@@ -585,7 +594,7 @@
             </a:ln>
             <a:extLst>
               <a:ext uri="{91240B29-F687-4f45-9708-019B960494DF}">
-                <a14:hiddenLine xmlns:a14="http://schemas.microsoft.com/office/drawing/2010/main" xmlns="" w="9525">
+                <a14:hiddenLine xmlns="" xmlns:a14="http://schemas.microsoft.com/office/drawing/2010/main" w="9525">
                   <a:solidFill>
                     <a:srgbClr val="000000"/>
                   </a:solidFill>
@@ -647,7 +656,7 @@
             </a:ln>
             <a:extLst>
               <a:ext uri="{91240B29-F687-4f45-9708-019B960494DF}">
-                <a14:hiddenLine xmlns:a14="http://schemas.microsoft.com/office/drawing/2010/main" xmlns="" w="9525">
+                <a14:hiddenLine xmlns="" xmlns:a14="http://schemas.microsoft.com/office/drawing/2010/main" w="9525">
                   <a:solidFill>
                     <a:srgbClr val="000000"/>
                   </a:solidFill>
@@ -737,7 +746,7 @@
             </a:ln>
             <a:extLst>
               <a:ext uri="{91240B29-F687-4f45-9708-019B960494DF}">
-                <a14:hiddenLine xmlns:a14="http://schemas.microsoft.com/office/drawing/2010/main" xmlns="" w="9525">
+                <a14:hiddenLine xmlns="" xmlns:a14="http://schemas.microsoft.com/office/drawing/2010/main" w="9525">
                   <a:solidFill>
                     <a:srgbClr val="000000"/>
                   </a:solidFill>
@@ -799,7 +808,7 @@
             </a:ln>
             <a:extLst>
               <a:ext uri="{91240B29-F687-4f45-9708-019B960494DF}">
-                <a14:hiddenLine xmlns:a14="http://schemas.microsoft.com/office/drawing/2010/main" xmlns="" w="9525">
+                <a14:hiddenLine xmlns="" xmlns:a14="http://schemas.microsoft.com/office/drawing/2010/main" w="9525">
                   <a:solidFill>
                     <a:srgbClr val="000000"/>
                   </a:solidFill>
@@ -861,7 +870,7 @@
             </a:ln>
             <a:extLst>
               <a:ext uri="{91240B29-F687-4f45-9708-019B960494DF}">
-                <a14:hiddenLine xmlns:a14="http://schemas.microsoft.com/office/drawing/2010/main" xmlns="" w="9525">
+                <a14:hiddenLine xmlns="" xmlns:a14="http://schemas.microsoft.com/office/drawing/2010/main" w="9525">
                   <a:solidFill>
                     <a:srgbClr val="000000"/>
                   </a:solidFill>
@@ -951,7 +960,7 @@
             </a:ln>
             <a:extLst>
               <a:ext uri="{91240B29-F687-4f45-9708-019B960494DF}">
-                <a14:hiddenLine xmlns:a14="http://schemas.microsoft.com/office/drawing/2010/main" xmlns="" w="9525">
+                <a14:hiddenLine xmlns="" xmlns:a14="http://schemas.microsoft.com/office/drawing/2010/main" w="9525">
                   <a:solidFill>
                     <a:srgbClr val="000000"/>
                   </a:solidFill>
@@ -1041,7 +1050,7 @@
             </a:ln>
             <a:extLst>
               <a:ext uri="{91240B29-F687-4f45-9708-019B960494DF}">
-                <a14:hiddenLine xmlns:a14="http://schemas.microsoft.com/office/drawing/2010/main" xmlns="" w="9525">
+                <a14:hiddenLine xmlns="" xmlns:a14="http://schemas.microsoft.com/office/drawing/2010/main" w="9525">
                   <a:solidFill>
                     <a:srgbClr val="000000"/>
                   </a:solidFill>
@@ -1103,7 +1112,7 @@
             </a:ln>
             <a:extLst>
               <a:ext uri="{91240B29-F687-4f45-9708-019B960494DF}">
-                <a14:hiddenLine xmlns:a14="http://schemas.microsoft.com/office/drawing/2010/main" xmlns="" w="9525">
+                <a14:hiddenLine xmlns="" xmlns:a14="http://schemas.microsoft.com/office/drawing/2010/main" w="9525">
                   <a:solidFill>
                     <a:srgbClr val="000000"/>
                   </a:solidFill>
@@ -1213,7 +1222,7 @@
             </a:ln>
             <a:extLst>
               <a:ext uri="{91240B29-F687-4f45-9708-019B960494DF}">
-                <a14:hiddenLine xmlns:a14="http://schemas.microsoft.com/office/drawing/2010/main" xmlns="" w="9525">
+                <a14:hiddenLine xmlns="" xmlns:a14="http://schemas.microsoft.com/office/drawing/2010/main" w="9525">
                   <a:solidFill>
                     <a:srgbClr val="000000"/>
                   </a:solidFill>
@@ -1275,7 +1284,7 @@
             </a:ln>
             <a:extLst>
               <a:ext uri="{91240B29-F687-4f45-9708-019B960494DF}">
-                <a14:hiddenLine xmlns:a14="http://schemas.microsoft.com/office/drawing/2010/main" xmlns="" w="9525">
+                <a14:hiddenLine xmlns="" xmlns:a14="http://schemas.microsoft.com/office/drawing/2010/main" w="9525">
                   <a:solidFill>
                     <a:srgbClr val="000000"/>
                   </a:solidFill>
@@ -1365,7 +1374,7 @@
             </a:ln>
             <a:extLst>
               <a:ext uri="{91240B29-F687-4f45-9708-019B960494DF}">
-                <a14:hiddenLine xmlns:a14="http://schemas.microsoft.com/office/drawing/2010/main" xmlns="" w="9525">
+                <a14:hiddenLine xmlns="" xmlns:a14="http://schemas.microsoft.com/office/drawing/2010/main" w="9525">
                   <a:solidFill>
                     <a:srgbClr val="000000"/>
                   </a:solidFill>
@@ -1455,7 +1464,7 @@
             </a:ln>
             <a:extLst>
               <a:ext uri="{91240B29-F687-4f45-9708-019B960494DF}">
-                <a14:hiddenLine xmlns:a14="http://schemas.microsoft.com/office/drawing/2010/main" xmlns="" w="9525">
+                <a14:hiddenLine xmlns="" xmlns:a14="http://schemas.microsoft.com/office/drawing/2010/main" w="9525">
                   <a:solidFill>
                     <a:srgbClr val="000000"/>
                   </a:solidFill>
@@ -1517,7 +1526,7 @@
             </a:ln>
             <a:extLst>
               <a:ext uri="{91240B29-F687-4f45-9708-019B960494DF}">
-                <a14:hiddenLine xmlns:a14="http://schemas.microsoft.com/office/drawing/2010/main" xmlns="" w="9525">
+                <a14:hiddenLine xmlns="" xmlns:a14="http://schemas.microsoft.com/office/drawing/2010/main" w="9525">
                   <a:solidFill>
                     <a:srgbClr val="000000"/>
                   </a:solidFill>
@@ -1607,7 +1616,7 @@
             </a:ln>
             <a:extLst>
               <a:ext uri="{91240B29-F687-4f45-9708-019B960494DF}">
-                <a14:hiddenLine xmlns:a14="http://schemas.microsoft.com/office/drawing/2010/main" xmlns="" w="9525">
+                <a14:hiddenLine xmlns="" xmlns:a14="http://schemas.microsoft.com/office/drawing/2010/main" w="9525">
                   <a:solidFill>
                     <a:srgbClr val="000000"/>
                   </a:solidFill>
@@ -1697,7 +1706,7 @@
             </a:ln>
             <a:extLst>
               <a:ext uri="{91240B29-F687-4f45-9708-019B960494DF}">
-                <a14:hiddenLine xmlns:a14="http://schemas.microsoft.com/office/drawing/2010/main" xmlns="" w="9525">
+                <a14:hiddenLine xmlns="" xmlns:a14="http://schemas.microsoft.com/office/drawing/2010/main" w="9525">
                   <a:solidFill>
                     <a:srgbClr val="000000"/>
                   </a:solidFill>
@@ -1753,7 +1762,7 @@
             </a:ln>
             <a:extLst>
               <a:ext uri="{91240B29-F687-4f45-9708-019B960494DF}">
-                <a14:hiddenLine xmlns:a14="http://schemas.microsoft.com/office/drawing/2010/main" xmlns="" w="9525">
+                <a14:hiddenLine xmlns="" xmlns:a14="http://schemas.microsoft.com/office/drawing/2010/main" w="9525">
                   <a:solidFill>
                     <a:srgbClr val="000000"/>
                   </a:solidFill>
@@ -1843,7 +1852,7 @@
             </a:ln>
             <a:extLst>
               <a:ext uri="{91240B29-F687-4f45-9708-019B960494DF}">
-                <a14:hiddenLine xmlns:a14="http://schemas.microsoft.com/office/drawing/2010/main" xmlns="" w="9525">
+                <a14:hiddenLine xmlns="" xmlns:a14="http://schemas.microsoft.com/office/drawing/2010/main" w="9525">
                   <a:solidFill>
                     <a:srgbClr val="000000"/>
                   </a:solidFill>
@@ -1899,7 +1908,7 @@
             </a:ln>
             <a:extLst>
               <a:ext uri="{91240B29-F687-4f45-9708-019B960494DF}">
-                <a14:hiddenLine xmlns:a14="http://schemas.microsoft.com/office/drawing/2010/main" xmlns="" w="9525">
+                <a14:hiddenLine xmlns="" xmlns:a14="http://schemas.microsoft.com/office/drawing/2010/main" w="9525">
                   <a:solidFill>
                     <a:srgbClr val="000000"/>
                   </a:solidFill>
@@ -1989,7 +1998,7 @@
             </a:ln>
             <a:extLst>
               <a:ext uri="{91240B29-F687-4f45-9708-019B960494DF}">
-                <a14:hiddenLine xmlns:a14="http://schemas.microsoft.com/office/drawing/2010/main" xmlns="" w="9525">
+                <a14:hiddenLine xmlns="" xmlns:a14="http://schemas.microsoft.com/office/drawing/2010/main" w="9525">
                   <a:solidFill>
                     <a:srgbClr val="000000"/>
                   </a:solidFill>
@@ -2057,7 +2066,7 @@
             </a:ln>
             <a:extLst>
               <a:ext uri="{91240B29-F687-4f45-9708-019B960494DF}">
-                <a14:hiddenLine xmlns:a14="http://schemas.microsoft.com/office/drawing/2010/main" xmlns="" w="9525">
+                <a14:hiddenLine xmlns="" xmlns:a14="http://schemas.microsoft.com/office/drawing/2010/main" w="9525">
                   <a:solidFill>
                     <a:srgbClr val="000000"/>
                   </a:solidFill>
@@ -2147,7 +2156,7 @@
             </a:ln>
             <a:extLst>
               <a:ext uri="{91240B29-F687-4f45-9708-019B960494DF}">
-                <a14:hiddenLine xmlns:a14="http://schemas.microsoft.com/office/drawing/2010/main" xmlns="" w="9525">
+                <a14:hiddenLine xmlns="" xmlns:a14="http://schemas.microsoft.com/office/drawing/2010/main" w="9525">
                   <a:solidFill>
                     <a:srgbClr val="000000"/>
                   </a:solidFill>
@@ -2215,7 +2224,7 @@
             </a:ln>
             <a:extLst>
               <a:ext uri="{91240B29-F687-4f45-9708-019B960494DF}">
-                <a14:hiddenLine xmlns:a14="http://schemas.microsoft.com/office/drawing/2010/main" xmlns="" w="9525">
+                <a14:hiddenLine xmlns="" xmlns:a14="http://schemas.microsoft.com/office/drawing/2010/main" w="9525">
                   <a:solidFill>
                     <a:srgbClr val="000000"/>
                   </a:solidFill>
@@ -2305,7 +2314,7 @@
             </a:ln>
             <a:extLst>
               <a:ext uri="{91240B29-F687-4f45-9708-019B960494DF}">
-                <a14:hiddenLine xmlns:a14="http://schemas.microsoft.com/office/drawing/2010/main" xmlns="" w="9525">
+                <a14:hiddenLine xmlns="" xmlns:a14="http://schemas.microsoft.com/office/drawing/2010/main" w="9525">
                   <a:solidFill>
                     <a:srgbClr val="000000"/>
                   </a:solidFill>
@@ -2339,7 +2348,7 @@
             </a:ln>
             <a:extLst>
               <a:ext uri="{91240B29-F687-4f45-9708-019B960494DF}">
-                <a14:hiddenLine xmlns:a14="http://schemas.microsoft.com/office/drawing/2010/main" xmlns="" w="9525">
+                <a14:hiddenLine xmlns="" xmlns:a14="http://schemas.microsoft.com/office/drawing/2010/main" w="9525">
                   <a:solidFill>
                     <a:srgbClr val="000000"/>
                   </a:solidFill>
@@ -2429,7 +2438,7 @@
             </a:ln>
             <a:extLst>
               <a:ext uri="{91240B29-F687-4f45-9708-019B960494DF}">
-                <a14:hiddenLine xmlns:a14="http://schemas.microsoft.com/office/drawing/2010/main" xmlns="" w="9525">
+                <a14:hiddenLine xmlns="" xmlns:a14="http://schemas.microsoft.com/office/drawing/2010/main" w="9525">
                   <a:solidFill>
                     <a:srgbClr val="000000"/>
                   </a:solidFill>
@@ -2491,7 +2500,7 @@
             </a:ln>
             <a:extLst>
               <a:ext uri="{91240B29-F687-4f45-9708-019B960494DF}">
-                <a14:hiddenLine xmlns:a14="http://schemas.microsoft.com/office/drawing/2010/main" xmlns="" w="9525">
+                <a14:hiddenLine xmlns="" xmlns:a14="http://schemas.microsoft.com/office/drawing/2010/main" w="9525">
                   <a:solidFill>
                     <a:srgbClr val="000000"/>
                   </a:solidFill>
@@ -2553,7 +2562,7 @@
             </a:ln>
             <a:extLst>
               <a:ext uri="{91240B29-F687-4f45-9708-019B960494DF}">
-                <a14:hiddenLine xmlns:a14="http://schemas.microsoft.com/office/drawing/2010/main" xmlns="" w="9525">
+                <a14:hiddenLine xmlns="" xmlns:a14="http://schemas.microsoft.com/office/drawing/2010/main" w="9525">
                   <a:solidFill>
                     <a:srgbClr val="000000"/>
                   </a:solidFill>
@@ -2643,7 +2652,7 @@
             </a:ln>
             <a:extLst>
               <a:ext uri="{91240B29-F687-4f45-9708-019B960494DF}">
-                <a14:hiddenLine xmlns:a14="http://schemas.microsoft.com/office/drawing/2010/main" xmlns="" w="9525">
+                <a14:hiddenLine xmlns="" xmlns:a14="http://schemas.microsoft.com/office/drawing/2010/main" w="9525">
                   <a:solidFill>
                     <a:srgbClr val="000000"/>
                   </a:solidFill>
@@ -2711,7 +2720,7 @@
             </a:ln>
             <a:extLst>
               <a:ext uri="{91240B29-F687-4f45-9708-019B960494DF}">
-                <a14:hiddenLine xmlns:a14="http://schemas.microsoft.com/office/drawing/2010/main" xmlns="" w="9525">
+                <a14:hiddenLine xmlns="" xmlns:a14="http://schemas.microsoft.com/office/drawing/2010/main" w="9525">
                   <a:solidFill>
                     <a:srgbClr val="000000"/>
                   </a:solidFill>
@@ -2773,7 +2782,7 @@
             </a:ln>
             <a:extLst>
               <a:ext uri="{91240B29-F687-4f45-9708-019B960494DF}">
-                <a14:hiddenLine xmlns:a14="http://schemas.microsoft.com/office/drawing/2010/main" xmlns="" w="9525">
+                <a14:hiddenLine xmlns="" xmlns:a14="http://schemas.microsoft.com/office/drawing/2010/main" w="9525">
                   <a:solidFill>
                     <a:srgbClr val="000000"/>
                   </a:solidFill>
@@ -2863,7 +2872,7 @@
             </a:ln>
             <a:extLst>
               <a:ext uri="{91240B29-F687-4f45-9708-019B960494DF}">
-                <a14:hiddenLine xmlns:a14="http://schemas.microsoft.com/office/drawing/2010/main" xmlns="" w="9525">
+                <a14:hiddenLine xmlns="" xmlns:a14="http://schemas.microsoft.com/office/drawing/2010/main" w="9525">
                   <a:solidFill>
                     <a:srgbClr val="000000"/>
                   </a:solidFill>
@@ -2925,7 +2934,7 @@
             </a:ln>
             <a:extLst>
               <a:ext uri="{91240B29-F687-4f45-9708-019B960494DF}">
-                <a14:hiddenLine xmlns:a14="http://schemas.microsoft.com/office/drawing/2010/main" xmlns="" w="9525">
+                <a14:hiddenLine xmlns="" xmlns:a14="http://schemas.microsoft.com/office/drawing/2010/main" w="9525">
                   <a:solidFill>
                     <a:srgbClr val="000000"/>
                   </a:solidFill>
@@ -3015,7 +3024,7 @@
             </a:ln>
             <a:extLst>
               <a:ext uri="{91240B29-F687-4f45-9708-019B960494DF}">
-                <a14:hiddenLine xmlns:a14="http://schemas.microsoft.com/office/drawing/2010/main" xmlns="" w="9525">
+                <a14:hiddenLine xmlns="" xmlns:a14="http://schemas.microsoft.com/office/drawing/2010/main" w="9525">
                   <a:solidFill>
                     <a:srgbClr val="000000"/>
                   </a:solidFill>
@@ -3077,7 +3086,7 @@
             </a:ln>
             <a:extLst>
               <a:ext uri="{91240B29-F687-4f45-9708-019B960494DF}">
-                <a14:hiddenLine xmlns:a14="http://schemas.microsoft.com/office/drawing/2010/main" xmlns="" w="9525">
+                <a14:hiddenLine xmlns="" xmlns:a14="http://schemas.microsoft.com/office/drawing/2010/main" w="9525">
                   <a:solidFill>
                     <a:srgbClr val="000000"/>
                   </a:solidFill>
@@ -3167,7 +3176,7 @@
             </a:ln>
             <a:extLst>
               <a:ext uri="{91240B29-F687-4f45-9708-019B960494DF}">
-                <a14:hiddenLine xmlns:a14="http://schemas.microsoft.com/office/drawing/2010/main" xmlns="" w="9525">
+                <a14:hiddenLine xmlns="" xmlns:a14="http://schemas.microsoft.com/office/drawing/2010/main" w="9525">
                   <a:solidFill>
                     <a:srgbClr val="000000"/>
                   </a:solidFill>
@@ -3201,7 +3210,7 @@
             </a:ln>
             <a:extLst>
               <a:ext uri="{91240B29-F687-4f45-9708-019B960494DF}">
-                <a14:hiddenLine xmlns:a14="http://schemas.microsoft.com/office/drawing/2010/main" xmlns="" w="9525">
+                <a14:hiddenLine xmlns="" xmlns:a14="http://schemas.microsoft.com/office/drawing/2010/main" w="9525">
                   <a:solidFill>
                     <a:srgbClr val="000000"/>
                   </a:solidFill>
@@ -3266,7 +3275,7 @@
             </a:ln>
             <a:extLst>
               <a:ext uri="{91240B29-F687-4f45-9708-019B960494DF}">
-                <a14:hiddenLine xmlns:a14="http://schemas.microsoft.com/office/drawing/2010/main" xmlns="" w="9525">
+                <a14:hiddenLine xmlns="" xmlns:a14="http://schemas.microsoft.com/office/drawing/2010/main" w="9525">
                   <a:solidFill>
                     <a:srgbClr val="000000"/>
                   </a:solidFill>
@@ -3356,7 +3365,7 @@
             </a:ln>
             <a:extLst>
               <a:ext uri="{91240B29-F687-4f45-9708-019B960494DF}">
-                <a14:hiddenLine xmlns:a14="http://schemas.microsoft.com/office/drawing/2010/main" xmlns="" w="9525">
+                <a14:hiddenLine xmlns="" xmlns:a14="http://schemas.microsoft.com/office/drawing/2010/main" w="9525">
                   <a:solidFill>
                     <a:srgbClr val="000000"/>
                   </a:solidFill>
@@ -3418,7 +3427,7 @@
             </a:ln>
             <a:extLst>
               <a:ext uri="{91240B29-F687-4f45-9708-019B960494DF}">
-                <a14:hiddenLine xmlns:a14="http://schemas.microsoft.com/office/drawing/2010/main" xmlns="" w="9525">
+                <a14:hiddenLine xmlns="" xmlns:a14="http://schemas.microsoft.com/office/drawing/2010/main" w="9525">
                   <a:solidFill>
                     <a:srgbClr val="000000"/>
                   </a:solidFill>
@@ -3508,7 +3517,7 @@
             </a:ln>
             <a:extLst>
               <a:ext uri="{91240B29-F687-4f45-9708-019B960494DF}">
-                <a14:hiddenLine xmlns:a14="http://schemas.microsoft.com/office/drawing/2010/main" xmlns="" w="9525">
+                <a14:hiddenLine xmlns="" xmlns:a14="http://schemas.microsoft.com/office/drawing/2010/main" w="9525">
                   <a:solidFill>
                     <a:srgbClr val="000000"/>
                   </a:solidFill>
@@ -3598,7 +3607,7 @@
             </a:ln>
             <a:extLst>
               <a:ext uri="{91240B29-F687-4f45-9708-019B960494DF}">
-                <a14:hiddenLine xmlns:a14="http://schemas.microsoft.com/office/drawing/2010/main" xmlns="" w="9525">
+                <a14:hiddenLine xmlns="" xmlns:a14="http://schemas.microsoft.com/office/drawing/2010/main" w="9525">
                   <a:solidFill>
                     <a:srgbClr val="000000"/>
                   </a:solidFill>
@@ -3663,7 +3672,7 @@
             </a:ln>
             <a:extLst>
               <a:ext uri="{91240B29-F687-4f45-9708-019B960494DF}">
-                <a14:hiddenLine xmlns:a14="http://schemas.microsoft.com/office/drawing/2010/main" xmlns="" w="9525">
+                <a14:hiddenLine xmlns="" xmlns:a14="http://schemas.microsoft.com/office/drawing/2010/main" w="9525">
                   <a:solidFill>
                     <a:srgbClr val="000000"/>
                   </a:solidFill>
@@ -3725,7 +3734,7 @@
             </a:ln>
             <a:extLst>
               <a:ext uri="{91240B29-F687-4f45-9708-019B960494DF}">
-                <a14:hiddenLine xmlns:a14="http://schemas.microsoft.com/office/drawing/2010/main" xmlns="" w="9525">
+                <a14:hiddenLine xmlns="" xmlns:a14="http://schemas.microsoft.com/office/drawing/2010/main" w="9525">
                   <a:solidFill>
                     <a:srgbClr val="000000"/>
                   </a:solidFill>
@@ -3815,7 +3824,7 @@
             </a:ln>
             <a:extLst>
               <a:ext uri="{91240B29-F687-4f45-9708-019B960494DF}">
-                <a14:hiddenLine xmlns:a14="http://schemas.microsoft.com/office/drawing/2010/main" xmlns="" w="9525">
+                <a14:hiddenLine xmlns="" xmlns:a14="http://schemas.microsoft.com/office/drawing/2010/main" w="9525">
                   <a:solidFill>
                     <a:srgbClr val="000000"/>
                   </a:solidFill>
@@ -3905,7 +3914,7 @@
             </a:ln>
             <a:extLst>
               <a:ext uri="{91240B29-F687-4f45-9708-019B960494DF}">
-                <a14:hiddenLine xmlns:a14="http://schemas.microsoft.com/office/drawing/2010/main" xmlns="" w="9525">
+                <a14:hiddenLine xmlns="" xmlns:a14="http://schemas.microsoft.com/office/drawing/2010/main" w="9525">
                   <a:solidFill>
                     <a:srgbClr val="000000"/>
                   </a:solidFill>
@@ -3967,7 +3976,7 @@
             </a:ln>
             <a:extLst>
               <a:ext uri="{91240B29-F687-4f45-9708-019B960494DF}">
-                <a14:hiddenLine xmlns:a14="http://schemas.microsoft.com/office/drawing/2010/main" xmlns="" w="9525">
+                <a14:hiddenLine xmlns="" xmlns:a14="http://schemas.microsoft.com/office/drawing/2010/main" w="9525">
                   <a:solidFill>
                     <a:srgbClr val="000000"/>
                   </a:solidFill>
@@ -4087,7 +4096,7 @@
             </a:ln>
             <a:extLst>
               <a:ext uri="{91240B29-F687-4f45-9708-019B960494DF}">
-                <a14:hiddenLine xmlns:a14="http://schemas.microsoft.com/office/drawing/2010/main" xmlns="" w="9525">
+                <a14:hiddenLine xmlns="" xmlns:a14="http://schemas.microsoft.com/office/drawing/2010/main" w="9525">
                   <a:solidFill>
                     <a:srgbClr val="000000"/>
                   </a:solidFill>
@@ -4155,7 +4164,7 @@
             </a:ln>
             <a:extLst>
               <a:ext uri="{91240B29-F687-4f45-9708-019B960494DF}">
-                <a14:hiddenLine xmlns:a14="http://schemas.microsoft.com/office/drawing/2010/main" xmlns="" w="9525">
+                <a14:hiddenLine xmlns="" xmlns:a14="http://schemas.microsoft.com/office/drawing/2010/main" w="9525">
                   <a:solidFill>
                     <a:srgbClr val="000000"/>
                   </a:solidFill>
@@ -4245,7 +4254,7 @@
             </a:ln>
             <a:extLst>
               <a:ext uri="{91240B29-F687-4f45-9708-019B960494DF}">
-                <a14:hiddenLine xmlns:a14="http://schemas.microsoft.com/office/drawing/2010/main" xmlns="" w="9525">
+                <a14:hiddenLine xmlns="" xmlns:a14="http://schemas.microsoft.com/office/drawing/2010/main" w="9525">
                   <a:solidFill>
                     <a:srgbClr val="000000"/>
                   </a:solidFill>
@@ -4385,7 +4394,7 @@
           <a:p>
             <a:fld id="{48A87A34-81AB-432B-8DAE-1953F412C126}" type="datetimeFigureOut">
               <a:rPr lang="en-US" dirty="0"/>
-              <a:t>4/24/18</a:t>
+              <a:t>4/25/2018</a:t>
             </a:fld>
             <a:endParaRPr lang="en-US" dirty="0"/>
           </a:p>
@@ -4647,7 +4656,7 @@
           <a:p>
             <a:fld id="{48A87A34-81AB-432B-8DAE-1953F412C126}" type="datetimeFigureOut">
               <a:rPr lang="en-US" dirty="0"/>
-              <a:t>4/24/18</a:t>
+              <a:t>4/25/2018</a:t>
             </a:fld>
             <a:endParaRPr lang="en-US" dirty="0"/>
           </a:p>
@@ -4838,7 +4847,7 @@
           <a:p>
             <a:fld id="{48A87A34-81AB-432B-8DAE-1953F412C126}" type="datetimeFigureOut">
               <a:rPr lang="en-US" dirty="0"/>
-              <a:t>4/24/18</a:t>
+              <a:t>4/25/2018</a:t>
             </a:fld>
             <a:endParaRPr lang="en-US" dirty="0"/>
           </a:p>
@@ -5096,7 +5105,7 @@
           <a:p>
             <a:fld id="{48A87A34-81AB-432B-8DAE-1953F412C126}" type="datetimeFigureOut">
               <a:rPr lang="en-US" dirty="0"/>
-              <a:t>4/24/18</a:t>
+              <a:t>4/25/2018</a:t>
             </a:fld>
             <a:endParaRPr lang="en-US" dirty="0"/>
           </a:p>
@@ -5525,7 +5534,7 @@
           <a:p>
             <a:fld id="{48A87A34-81AB-432B-8DAE-1953F412C126}" type="datetimeFigureOut">
               <a:rPr lang="en-US" dirty="0"/>
-              <a:t>4/24/18</a:t>
+              <a:t>4/25/2018</a:t>
             </a:fld>
             <a:endParaRPr lang="en-US" dirty="0"/>
           </a:p>
@@ -6066,7 +6075,7 @@
           <a:p>
             <a:fld id="{48A87A34-81AB-432B-8DAE-1953F412C126}" type="datetimeFigureOut">
               <a:rPr lang="en-US" dirty="0"/>
-              <a:t>4/24/18</a:t>
+              <a:t>4/25/2018</a:t>
             </a:fld>
             <a:endParaRPr lang="en-US" dirty="0"/>
           </a:p>
@@ -6781,7 +6790,7 @@
           <a:p>
             <a:fld id="{48A87A34-81AB-432B-8DAE-1953F412C126}" type="datetimeFigureOut">
               <a:rPr lang="en-US" dirty="0"/>
-              <a:t>4/24/18</a:t>
+              <a:t>4/25/2018</a:t>
             </a:fld>
             <a:endParaRPr lang="en-US" dirty="0"/>
           </a:p>
@@ -6946,7 +6955,7 @@
           <a:p>
             <a:fld id="{48A87A34-81AB-432B-8DAE-1953F412C126}" type="datetimeFigureOut">
               <a:rPr lang="en-US" dirty="0"/>
-              <a:t>4/24/18</a:t>
+              <a:t>4/25/2018</a:t>
             </a:fld>
             <a:endParaRPr lang="en-US" dirty="0"/>
           </a:p>
@@ -7121,7 +7130,7 @@
           <a:p>
             <a:fld id="{48A87A34-81AB-432B-8DAE-1953F412C126}" type="datetimeFigureOut">
               <a:rPr lang="en-US" dirty="0"/>
-              <a:t>4/24/18</a:t>
+              <a:t>4/25/2018</a:t>
             </a:fld>
             <a:endParaRPr lang="en-US" dirty="0"/>
           </a:p>
@@ -7286,7 +7295,7 @@
           <a:p>
             <a:fld id="{48A87A34-81AB-432B-8DAE-1953F412C126}" type="datetimeFigureOut">
               <a:rPr lang="en-US" dirty="0"/>
-              <a:t>4/24/18</a:t>
+              <a:t>4/25/2018</a:t>
             </a:fld>
             <a:endParaRPr lang="en-US" dirty="0"/>
           </a:p>
@@ -7531,7 +7540,7 @@
           <a:p>
             <a:fld id="{48A87A34-81AB-432B-8DAE-1953F412C126}" type="datetimeFigureOut">
               <a:rPr lang="en-US" dirty="0"/>
-              <a:t>4/24/18</a:t>
+              <a:t>4/25/2018</a:t>
             </a:fld>
             <a:endParaRPr lang="en-US" dirty="0"/>
           </a:p>
@@ -7758,7 +7767,7 @@
           <a:p>
             <a:fld id="{48A87A34-81AB-432B-8DAE-1953F412C126}" type="datetimeFigureOut">
               <a:rPr lang="en-US" dirty="0"/>
-              <a:t>4/24/18</a:t>
+              <a:t>4/25/2018</a:t>
             </a:fld>
             <a:endParaRPr lang="en-US" dirty="0"/>
           </a:p>
@@ -8134,7 +8143,7 @@
           <a:p>
             <a:fld id="{48A87A34-81AB-432B-8DAE-1953F412C126}" type="datetimeFigureOut">
               <a:rPr lang="en-US" dirty="0"/>
-              <a:t>4/24/18</a:t>
+              <a:t>4/25/2018</a:t>
             </a:fld>
             <a:endParaRPr lang="en-US" dirty="0"/>
           </a:p>
@@ -8247,7 +8256,7 @@
           <a:p>
             <a:fld id="{48A87A34-81AB-432B-8DAE-1953F412C126}" type="datetimeFigureOut">
               <a:rPr lang="en-US" dirty="0"/>
-              <a:t>4/24/18</a:t>
+              <a:t>4/25/2018</a:t>
             </a:fld>
             <a:endParaRPr lang="en-US" dirty="0"/>
           </a:p>
@@ -8337,7 +8346,7 @@
           <a:p>
             <a:fld id="{48A87A34-81AB-432B-8DAE-1953F412C126}" type="datetimeFigureOut">
               <a:rPr lang="en-US" dirty="0"/>
-              <a:t>4/24/18</a:t>
+              <a:t>4/25/2018</a:t>
             </a:fld>
             <a:endParaRPr lang="en-US" dirty="0"/>
           </a:p>
@@ -8581,7 +8590,7 @@
           <a:p>
             <a:fld id="{48A87A34-81AB-432B-8DAE-1953F412C126}" type="datetimeFigureOut">
               <a:rPr lang="en-US" dirty="0"/>
-              <a:t>4/24/18</a:t>
+              <a:t>4/25/2018</a:t>
             </a:fld>
             <a:endParaRPr lang="en-US" dirty="0"/>
           </a:p>
@@ -8856,7 +8865,7 @@
           <a:p>
             <a:fld id="{48A87A34-81AB-432B-8DAE-1953F412C126}" type="datetimeFigureOut">
               <a:rPr lang="en-US" dirty="0"/>
-              <a:t>4/24/18</a:t>
+              <a:t>4/25/2018</a:t>
             </a:fld>
             <a:endParaRPr lang="en-US" dirty="0"/>
           </a:p>
@@ -8967,7 +8976,7 @@
           <a:noFill/>
           <a:extLst>
             <a:ext uri="{909E8E84-426E-40dd-AFC4-6F175D3DCCD1}">
-              <a14:hiddenFill xmlns:a14="http://schemas.microsoft.com/office/drawing/2010/main" xmlns="">
+              <a14:hiddenFill xmlns="" xmlns:a14="http://schemas.microsoft.com/office/drawing/2010/main">
                 <a:solidFill>
                   <a:srgbClr val="FFFFFF"/>
                 </a:solidFill>
@@ -9041,7 +9050,7 @@
               </a:ln>
               <a:extLst>
                 <a:ext uri="{91240B29-F687-4f45-9708-019B960494DF}">
-                  <a14:hiddenLine xmlns:a14="http://schemas.microsoft.com/office/drawing/2010/main" xmlns="" w="9525">
+                  <a14:hiddenLine xmlns="" xmlns:a14="http://schemas.microsoft.com/office/drawing/2010/main" w="9525">
                     <a:solidFill>
                       <a:srgbClr val="000000"/>
                     </a:solidFill>
@@ -9131,7 +9140,7 @@
               </a:ln>
               <a:extLst>
                 <a:ext uri="{91240B29-F687-4f45-9708-019B960494DF}">
-                  <a14:hiddenLine xmlns:a14="http://schemas.microsoft.com/office/drawing/2010/main" xmlns="" w="9525">
+                  <a14:hiddenLine xmlns="" xmlns:a14="http://schemas.microsoft.com/office/drawing/2010/main" w="9525">
                     <a:solidFill>
                       <a:srgbClr val="000000"/>
                     </a:solidFill>
@@ -9221,7 +9230,7 @@
               </a:ln>
               <a:extLst>
                 <a:ext uri="{91240B29-F687-4f45-9708-019B960494DF}">
-                  <a14:hiddenLine xmlns:a14="http://schemas.microsoft.com/office/drawing/2010/main" xmlns="" w="9525">
+                  <a14:hiddenLine xmlns="" xmlns:a14="http://schemas.microsoft.com/office/drawing/2010/main" w="9525">
                     <a:solidFill>
                       <a:srgbClr val="000000"/>
                     </a:solidFill>
@@ -9283,7 +9292,7 @@
               </a:ln>
               <a:extLst>
                 <a:ext uri="{91240B29-F687-4f45-9708-019B960494DF}">
-                  <a14:hiddenLine xmlns:a14="http://schemas.microsoft.com/office/drawing/2010/main" xmlns="" w="9525">
+                  <a14:hiddenLine xmlns="" xmlns:a14="http://schemas.microsoft.com/office/drawing/2010/main" w="9525">
                     <a:solidFill>
                       <a:srgbClr val="000000"/>
                     </a:solidFill>
@@ -9373,7 +9382,7 @@
               </a:ln>
               <a:extLst>
                 <a:ext uri="{91240B29-F687-4f45-9708-019B960494DF}">
-                  <a14:hiddenLine xmlns:a14="http://schemas.microsoft.com/office/drawing/2010/main" xmlns="" w="9525">
+                  <a14:hiddenLine xmlns="" xmlns:a14="http://schemas.microsoft.com/office/drawing/2010/main" w="9525">
                     <a:solidFill>
                       <a:srgbClr val="000000"/>
                     </a:solidFill>
@@ -9435,7 +9444,7 @@
               </a:ln>
               <a:extLst>
                 <a:ext uri="{91240B29-F687-4f45-9708-019B960494DF}">
-                  <a14:hiddenLine xmlns:a14="http://schemas.microsoft.com/office/drawing/2010/main" xmlns="" w="9525">
+                  <a14:hiddenLine xmlns="" xmlns:a14="http://schemas.microsoft.com/office/drawing/2010/main" w="9525">
                     <a:solidFill>
                       <a:srgbClr val="000000"/>
                     </a:solidFill>
@@ -9497,7 +9506,7 @@
               </a:ln>
               <a:extLst>
                 <a:ext uri="{91240B29-F687-4f45-9708-019B960494DF}">
-                  <a14:hiddenLine xmlns:a14="http://schemas.microsoft.com/office/drawing/2010/main" xmlns="" w="9525">
+                  <a14:hiddenLine xmlns="" xmlns:a14="http://schemas.microsoft.com/office/drawing/2010/main" w="9525">
                     <a:solidFill>
                       <a:srgbClr val="000000"/>
                     </a:solidFill>
@@ -9587,7 +9596,7 @@
               </a:ln>
               <a:extLst>
                 <a:ext uri="{91240B29-F687-4f45-9708-019B960494DF}">
-                  <a14:hiddenLine xmlns:a14="http://schemas.microsoft.com/office/drawing/2010/main" xmlns="" w="9525">
+                  <a14:hiddenLine xmlns="" xmlns:a14="http://schemas.microsoft.com/office/drawing/2010/main" w="9525">
                     <a:solidFill>
                       <a:srgbClr val="000000"/>
                     </a:solidFill>
@@ -9677,7 +9686,7 @@
               </a:ln>
               <a:extLst>
                 <a:ext uri="{91240B29-F687-4f45-9708-019B960494DF}">
-                  <a14:hiddenLine xmlns:a14="http://schemas.microsoft.com/office/drawing/2010/main" xmlns="" w="9525">
+                  <a14:hiddenLine xmlns="" xmlns:a14="http://schemas.microsoft.com/office/drawing/2010/main" w="9525">
                     <a:solidFill>
                       <a:srgbClr val="000000"/>
                     </a:solidFill>
@@ -9739,7 +9748,7 @@
               </a:ln>
               <a:extLst>
                 <a:ext uri="{91240B29-F687-4f45-9708-019B960494DF}">
-                  <a14:hiddenLine xmlns:a14="http://schemas.microsoft.com/office/drawing/2010/main" xmlns="" w="9525">
+                  <a14:hiddenLine xmlns="" xmlns:a14="http://schemas.microsoft.com/office/drawing/2010/main" w="9525">
                     <a:solidFill>
                       <a:srgbClr val="000000"/>
                     </a:solidFill>
@@ -9849,7 +9858,7 @@
               </a:ln>
               <a:extLst>
                 <a:ext uri="{91240B29-F687-4f45-9708-019B960494DF}">
-                  <a14:hiddenLine xmlns:a14="http://schemas.microsoft.com/office/drawing/2010/main" xmlns="" w="9525">
+                  <a14:hiddenLine xmlns="" xmlns:a14="http://schemas.microsoft.com/office/drawing/2010/main" w="9525">
                     <a:solidFill>
                       <a:srgbClr val="000000"/>
                     </a:solidFill>
@@ -9933,7 +9942,7 @@
               </a:ln>
               <a:extLst>
                 <a:ext uri="{91240B29-F687-4f45-9708-019B960494DF}">
-                  <a14:hiddenLine xmlns:a14="http://schemas.microsoft.com/office/drawing/2010/main" xmlns="" w="9525">
+                  <a14:hiddenLine xmlns="" xmlns:a14="http://schemas.microsoft.com/office/drawing/2010/main" w="9525">
                     <a:solidFill>
                       <a:srgbClr val="000000"/>
                     </a:solidFill>
@@ -9995,7 +10004,7 @@
               </a:ln>
               <a:extLst>
                 <a:ext uri="{91240B29-F687-4f45-9708-019B960494DF}">
-                  <a14:hiddenLine xmlns:a14="http://schemas.microsoft.com/office/drawing/2010/main" xmlns="" w="9525">
+                  <a14:hiddenLine xmlns="" xmlns:a14="http://schemas.microsoft.com/office/drawing/2010/main" w="9525">
                     <a:solidFill>
                       <a:srgbClr val="000000"/>
                     </a:solidFill>
@@ -10057,7 +10066,7 @@
               </a:ln>
               <a:extLst>
                 <a:ext uri="{91240B29-F687-4f45-9708-019B960494DF}">
-                  <a14:hiddenLine xmlns:a14="http://schemas.microsoft.com/office/drawing/2010/main" xmlns="" w="9525">
+                  <a14:hiddenLine xmlns="" xmlns:a14="http://schemas.microsoft.com/office/drawing/2010/main" w="9525">
                     <a:solidFill>
                       <a:srgbClr val="000000"/>
                     </a:solidFill>
@@ -10147,7 +10156,7 @@
               </a:ln>
               <a:extLst>
                 <a:ext uri="{91240B29-F687-4f45-9708-019B960494DF}">
-                  <a14:hiddenLine xmlns:a14="http://schemas.microsoft.com/office/drawing/2010/main" xmlns="" w="9525">
+                  <a14:hiddenLine xmlns="" xmlns:a14="http://schemas.microsoft.com/office/drawing/2010/main" w="9525">
                     <a:solidFill>
                       <a:srgbClr val="000000"/>
                     </a:solidFill>
@@ -10181,7 +10190,7 @@
               </a:ln>
               <a:extLst>
                 <a:ext uri="{91240B29-F687-4f45-9708-019B960494DF}">
-                  <a14:hiddenLine xmlns:a14="http://schemas.microsoft.com/office/drawing/2010/main" xmlns="" w="9525">
+                  <a14:hiddenLine xmlns="" xmlns:a14="http://schemas.microsoft.com/office/drawing/2010/main" w="9525">
                     <a:solidFill>
                       <a:srgbClr val="000000"/>
                     </a:solidFill>
@@ -10246,7 +10255,7 @@
               </a:ln>
               <a:extLst>
                 <a:ext uri="{91240B29-F687-4f45-9708-019B960494DF}">
-                  <a14:hiddenLine xmlns:a14="http://schemas.microsoft.com/office/drawing/2010/main" xmlns="" w="9525">
+                  <a14:hiddenLine xmlns="" xmlns:a14="http://schemas.microsoft.com/office/drawing/2010/main" w="9525">
                     <a:solidFill>
                       <a:srgbClr val="000000"/>
                     </a:solidFill>
@@ -10336,7 +10345,7 @@
               </a:ln>
               <a:extLst>
                 <a:ext uri="{91240B29-F687-4f45-9708-019B960494DF}">
-                  <a14:hiddenLine xmlns:a14="http://schemas.microsoft.com/office/drawing/2010/main" xmlns="" w="9525">
+                  <a14:hiddenLine xmlns="" xmlns:a14="http://schemas.microsoft.com/office/drawing/2010/main" w="9525">
                     <a:solidFill>
                       <a:srgbClr val="000000"/>
                     </a:solidFill>
@@ -10398,7 +10407,7 @@
               </a:ln>
               <a:extLst>
                 <a:ext uri="{91240B29-F687-4f45-9708-019B960494DF}">
-                  <a14:hiddenLine xmlns:a14="http://schemas.microsoft.com/office/drawing/2010/main" xmlns="" w="9525">
+                  <a14:hiddenLine xmlns="" xmlns:a14="http://schemas.microsoft.com/office/drawing/2010/main" w="9525">
                     <a:solidFill>
                       <a:srgbClr val="000000"/>
                     </a:solidFill>
@@ -10488,7 +10497,7 @@
               </a:ln>
               <a:extLst>
                 <a:ext uri="{91240B29-F687-4f45-9708-019B960494DF}">
-                  <a14:hiddenLine xmlns:a14="http://schemas.microsoft.com/office/drawing/2010/main" xmlns="" w="9525">
+                  <a14:hiddenLine xmlns="" xmlns:a14="http://schemas.microsoft.com/office/drawing/2010/main" w="9525">
                     <a:solidFill>
                       <a:srgbClr val="000000"/>
                     </a:solidFill>
@@ -10553,7 +10562,7 @@
               </a:ln>
               <a:extLst>
                 <a:ext uri="{91240B29-F687-4f45-9708-019B960494DF}">
-                  <a14:hiddenLine xmlns:a14="http://schemas.microsoft.com/office/drawing/2010/main" xmlns="" w="9525">
+                  <a14:hiddenLine xmlns="" xmlns:a14="http://schemas.microsoft.com/office/drawing/2010/main" w="9525">
                     <a:solidFill>
                       <a:srgbClr val="000000"/>
                     </a:solidFill>
@@ -10615,7 +10624,7 @@
               </a:ln>
               <a:extLst>
                 <a:ext uri="{91240B29-F687-4f45-9708-019B960494DF}">
-                  <a14:hiddenLine xmlns:a14="http://schemas.microsoft.com/office/drawing/2010/main" xmlns="" w="9525">
+                  <a14:hiddenLine xmlns="" xmlns:a14="http://schemas.microsoft.com/office/drawing/2010/main" w="9525">
                     <a:solidFill>
                       <a:srgbClr val="000000"/>
                     </a:solidFill>
@@ -10705,7 +10714,7 @@
               </a:ln>
               <a:extLst>
                 <a:ext uri="{91240B29-F687-4f45-9708-019B960494DF}">
-                  <a14:hiddenLine xmlns:a14="http://schemas.microsoft.com/office/drawing/2010/main" xmlns="" w="9525">
+                  <a14:hiddenLine xmlns="" xmlns:a14="http://schemas.microsoft.com/office/drawing/2010/main" w="9525">
                     <a:solidFill>
                       <a:srgbClr val="000000"/>
                     </a:solidFill>
@@ -10795,7 +10804,7 @@
               </a:ln>
               <a:extLst>
                 <a:ext uri="{91240B29-F687-4f45-9708-019B960494DF}">
-                  <a14:hiddenLine xmlns:a14="http://schemas.microsoft.com/office/drawing/2010/main" xmlns="" w="9525">
+                  <a14:hiddenLine xmlns="" xmlns:a14="http://schemas.microsoft.com/office/drawing/2010/main" w="9525">
                     <a:solidFill>
                       <a:srgbClr val="000000"/>
                     </a:solidFill>
@@ -10860,7 +10869,7 @@
               </a:ln>
               <a:extLst>
                 <a:ext uri="{91240B29-F687-4f45-9708-019B960494DF}">
-                  <a14:hiddenLine xmlns:a14="http://schemas.microsoft.com/office/drawing/2010/main" xmlns="" w="9525">
+                  <a14:hiddenLine xmlns="" xmlns:a14="http://schemas.microsoft.com/office/drawing/2010/main" w="9525">
                     <a:solidFill>
                       <a:srgbClr val="000000"/>
                     </a:solidFill>
@@ -10980,7 +10989,7 @@
               </a:ln>
               <a:extLst>
                 <a:ext uri="{91240B29-F687-4f45-9708-019B960494DF}">
-                  <a14:hiddenLine xmlns:a14="http://schemas.microsoft.com/office/drawing/2010/main" xmlns="" w="9525">
+                  <a14:hiddenLine xmlns="" xmlns:a14="http://schemas.microsoft.com/office/drawing/2010/main" w="9525">
                     <a:solidFill>
                       <a:srgbClr val="000000"/>
                     </a:solidFill>
@@ -11078,7 +11087,7 @@
               </a:ln>
               <a:extLst>
                 <a:ext uri="{91240B29-F687-4f45-9708-019B960494DF}">
-                  <a14:hiddenLine xmlns:a14="http://schemas.microsoft.com/office/drawing/2010/main" xmlns="" w="9525">
+                  <a14:hiddenLine xmlns="" xmlns:a14="http://schemas.microsoft.com/office/drawing/2010/main" w="9525">
                     <a:solidFill>
                       <a:srgbClr val="000000"/>
                     </a:solidFill>
@@ -11193,7 +11202,7 @@
               </a:ln>
               <a:extLst>
                 <a:ext uri="{91240B29-F687-4f45-9708-019B960494DF}">
-                  <a14:hiddenLine xmlns:a14="http://schemas.microsoft.com/office/drawing/2010/main" xmlns="" w="9525">
+                  <a14:hiddenLine xmlns="" xmlns:a14="http://schemas.microsoft.com/office/drawing/2010/main" w="9525">
                     <a:solidFill>
                       <a:srgbClr val="000000"/>
                     </a:solidFill>
@@ -11283,7 +11292,7 @@
               </a:ln>
               <a:extLst>
                 <a:ext uri="{91240B29-F687-4f45-9708-019B960494DF}">
-                  <a14:hiddenLine xmlns:a14="http://schemas.microsoft.com/office/drawing/2010/main" xmlns="" w="9525">
+                  <a14:hiddenLine xmlns="" xmlns:a14="http://schemas.microsoft.com/office/drawing/2010/main" w="9525">
                     <a:solidFill>
                       <a:srgbClr val="000000"/>
                     </a:solidFill>
@@ -11348,7 +11357,7 @@
               </a:ln>
               <a:extLst>
                 <a:ext uri="{91240B29-F687-4f45-9708-019B960494DF}">
-                  <a14:hiddenLine xmlns:a14="http://schemas.microsoft.com/office/drawing/2010/main" xmlns="" w="9525">
+                  <a14:hiddenLine xmlns="" xmlns:a14="http://schemas.microsoft.com/office/drawing/2010/main" w="9525">
                     <a:solidFill>
                       <a:srgbClr val="000000"/>
                     </a:solidFill>
@@ -11438,7 +11447,7 @@
               </a:ln>
               <a:extLst>
                 <a:ext uri="{91240B29-F687-4f45-9708-019B960494DF}">
-                  <a14:hiddenLine xmlns:a14="http://schemas.microsoft.com/office/drawing/2010/main" xmlns="" w="9525">
+                  <a14:hiddenLine xmlns="" xmlns:a14="http://schemas.microsoft.com/office/drawing/2010/main" w="9525">
                     <a:solidFill>
                       <a:srgbClr val="000000"/>
                     </a:solidFill>
@@ -11506,7 +11515,7 @@
               </a:ln>
               <a:extLst>
                 <a:ext uri="{91240B29-F687-4f45-9708-019B960494DF}">
-                  <a14:hiddenLine xmlns:a14="http://schemas.microsoft.com/office/drawing/2010/main" xmlns="" w="9525">
+                  <a14:hiddenLine xmlns="" xmlns:a14="http://schemas.microsoft.com/office/drawing/2010/main" w="9525">
                     <a:solidFill>
                       <a:srgbClr val="000000"/>
                     </a:solidFill>
@@ -11596,7 +11605,7 @@
               </a:ln>
               <a:extLst>
                 <a:ext uri="{91240B29-F687-4f45-9708-019B960494DF}">
-                  <a14:hiddenLine xmlns:a14="http://schemas.microsoft.com/office/drawing/2010/main" xmlns="" w="9525">
+                  <a14:hiddenLine xmlns="" xmlns:a14="http://schemas.microsoft.com/office/drawing/2010/main" w="9525">
                     <a:solidFill>
                       <a:srgbClr val="000000"/>
                     </a:solidFill>
@@ -11664,7 +11673,7 @@
               </a:ln>
               <a:extLst>
                 <a:ext uri="{91240B29-F687-4f45-9708-019B960494DF}">
-                  <a14:hiddenLine xmlns:a14="http://schemas.microsoft.com/office/drawing/2010/main" xmlns="" w="9525">
+                  <a14:hiddenLine xmlns="" xmlns:a14="http://schemas.microsoft.com/office/drawing/2010/main" w="9525">
                     <a:solidFill>
                       <a:srgbClr val="000000"/>
                     </a:solidFill>
@@ -11754,7 +11763,7 @@
               </a:ln>
               <a:extLst>
                 <a:ext uri="{91240B29-F687-4f45-9708-019B960494DF}">
-                  <a14:hiddenLine xmlns:a14="http://schemas.microsoft.com/office/drawing/2010/main" xmlns="" w="9525">
+                  <a14:hiddenLine xmlns="" xmlns:a14="http://schemas.microsoft.com/office/drawing/2010/main" w="9525">
                     <a:solidFill>
                       <a:srgbClr val="000000"/>
                     </a:solidFill>
@@ -11788,7 +11797,7 @@
               </a:ln>
               <a:extLst>
                 <a:ext uri="{91240B29-F687-4f45-9708-019B960494DF}">
-                  <a14:hiddenLine xmlns:a14="http://schemas.microsoft.com/office/drawing/2010/main" xmlns="" w="9525">
+                  <a14:hiddenLine xmlns="" xmlns:a14="http://schemas.microsoft.com/office/drawing/2010/main" w="9525">
                     <a:solidFill>
                       <a:srgbClr val="000000"/>
                     </a:solidFill>
@@ -11929,7 +11938,7 @@
             <a:fld id="{48A87A34-81AB-432B-8DAE-1953F412C126}" type="datetimeFigureOut">
               <a:rPr lang="en-US" dirty="0"/>
               <a:pPr/>
-              <a:t>4/24/18</a:t>
+              <a:t>4/25/2018</a:t>
             </a:fld>
             <a:endParaRPr lang="en-US" dirty="0"/>
           </a:p>
@@ -12433,6 +12442,353 @@
       </p:grpSpPr>
       <p:sp>
         <p:nvSpPr>
+          <p:cNvPr id="2" name="Title 1"/>
+          <p:cNvSpPr>
+            <a:spLocks noGrp="1"/>
+          </p:cNvSpPr>
+          <p:nvPr>
+            <p:ph type="title"/>
+          </p:nvPr>
+        </p:nvSpPr>
+        <p:spPr/>
+        <p:txBody>
+          <a:bodyPr/>
+          <a:lstStyle/>
+          <a:p>
+            <a:r>
+              <a:rPr lang="en-US" dirty="0"/>
+              <a:t>Variables and Hypothesis</a:t>
+            </a:r>
+          </a:p>
+        </p:txBody>
+      </p:sp>
+      <p:sp>
+        <p:nvSpPr>
+          <p:cNvPr id="3" name="Content Placeholder 2"/>
+          <p:cNvSpPr>
+            <a:spLocks noGrp="1"/>
+          </p:cNvSpPr>
+          <p:nvPr>
+            <p:ph idx="1"/>
+          </p:nvPr>
+        </p:nvSpPr>
+        <p:spPr/>
+        <p:txBody>
+          <a:bodyPr/>
+          <a:lstStyle/>
+          <a:p>
+            <a:r>
+              <a:rPr lang="en-US" dirty="0"/>
+              <a:t>Independent variable: algorithm/network structure used</a:t>
+            </a:r>
+          </a:p>
+          <a:p>
+            <a:r>
+              <a:rPr lang="en-US" dirty="0"/>
+              <a:t>Dependent variable: plausibility of audio generated</a:t>
+            </a:r>
+          </a:p>
+          <a:p>
+            <a:r>
+              <a:rPr lang="en-US" dirty="0"/>
+              <a:t>Hypothesis: The algorithm will work similarly well to previous examples and can be expanded to chords, melodies, and/or combinations of instruments</a:t>
+            </a:r>
+          </a:p>
+        </p:txBody>
+      </p:sp>
+    </p:spTree>
+    <p:extLst>
+      <p:ext uri="{BB962C8B-B14F-4D97-AF65-F5344CB8AC3E}">
+        <p14:creationId xmlns:p14="http://schemas.microsoft.com/office/powerpoint/2010/main" val="1546157295"/>
+      </p:ext>
+    </p:extLst>
+  </p:cSld>
+  <p:clrMapOvr>
+    <a:masterClrMapping/>
+  </p:clrMapOvr>
+</p:sld>
+</file>
+
+<file path=ppt/slides/slide3.xml><?xml version="1.0" encoding="utf-8"?>
+<p:sld xmlns:a="http://schemas.openxmlformats.org/drawingml/2006/main" xmlns:r="http://schemas.openxmlformats.org/officeDocument/2006/relationships" xmlns:p="http://schemas.openxmlformats.org/presentationml/2006/main">
+  <p:cSld>
+    <p:spTree>
+      <p:nvGrpSpPr>
+        <p:cNvPr id="1" name=""/>
+        <p:cNvGrpSpPr/>
+        <p:nvPr/>
+      </p:nvGrpSpPr>
+      <p:grpSpPr>
+        <a:xfrm>
+          <a:off x="0" y="0"/>
+          <a:ext cx="0" cy="0"/>
+          <a:chOff x="0" y="0"/>
+          <a:chExt cx="0" cy="0"/>
+        </a:xfrm>
+      </p:grpSpPr>
+      <p:sp>
+        <p:nvSpPr>
+          <p:cNvPr id="2" name="Title 1">
+            <a:extLst>
+              <a:ext uri="{FF2B5EF4-FFF2-40B4-BE49-F238E27FC236}">
+                <a16:creationId xmlns:a16="http://schemas.microsoft.com/office/drawing/2014/main" id="{A35FB6F8-3A15-834A-9959-C57981FA2B6D}"/>
+              </a:ext>
+            </a:extLst>
+          </p:cNvPr>
+          <p:cNvSpPr>
+            <a:spLocks noGrp="1"/>
+          </p:cNvSpPr>
+          <p:nvPr>
+            <p:ph type="title"/>
+          </p:nvPr>
+        </p:nvSpPr>
+        <p:spPr/>
+        <p:txBody>
+          <a:bodyPr/>
+          <a:lstStyle/>
+          <a:p>
+            <a:r>
+              <a:rPr lang="en-US" dirty="0"/>
+              <a:t>Scope</a:t>
+            </a:r>
+          </a:p>
+        </p:txBody>
+      </p:sp>
+      <p:sp>
+        <p:nvSpPr>
+          <p:cNvPr id="3" name="Content Placeholder 2">
+            <a:extLst>
+              <a:ext uri="{FF2B5EF4-FFF2-40B4-BE49-F238E27FC236}">
+                <a16:creationId xmlns:a16="http://schemas.microsoft.com/office/drawing/2014/main" id="{FB4B569F-1BF2-6942-9F0E-767E805780C6}"/>
+              </a:ext>
+            </a:extLst>
+          </p:cNvPr>
+          <p:cNvSpPr>
+            <a:spLocks noGrp="1"/>
+          </p:cNvSpPr>
+          <p:nvPr>
+            <p:ph idx="1"/>
+          </p:nvPr>
+        </p:nvSpPr>
+        <p:spPr/>
+        <p:txBody>
+          <a:bodyPr/>
+          <a:lstStyle/>
+          <a:p>
+            <a:r>
+              <a:rPr lang="en-US" dirty="0"/>
+              <a:t>If successful, in the future, this could be applied to other instruments, chords with either one instrument or different instruments, melodies, etc.</a:t>
+            </a:r>
+          </a:p>
+          <a:p>
+            <a:r>
+              <a:rPr lang="en-US" dirty="0"/>
+              <a:t>If unsuccessful, different network architectures or different meta-</a:t>
+            </a:r>
+            <a:r>
+              <a:rPr lang="en-US" dirty="0" err="1"/>
+              <a:t>pararmeters</a:t>
+            </a:r>
+            <a:r>
+              <a:rPr lang="en-US" dirty="0"/>
+              <a:t> of the network could be used.</a:t>
+            </a:r>
+          </a:p>
+        </p:txBody>
+      </p:sp>
+    </p:spTree>
+    <p:extLst>
+      <p:ext uri="{BB962C8B-B14F-4D97-AF65-F5344CB8AC3E}">
+        <p14:creationId xmlns:p14="http://schemas.microsoft.com/office/powerpoint/2010/main" val="4202897084"/>
+      </p:ext>
+    </p:extLst>
+  </p:cSld>
+  <p:clrMapOvr>
+    <a:masterClrMapping/>
+  </p:clrMapOvr>
+</p:sld>
+</file>
+
+<file path=ppt/slides/slide4.xml><?xml version="1.0" encoding="utf-8"?>
+<p:sld xmlns:a="http://schemas.openxmlformats.org/drawingml/2006/main" xmlns:r="http://schemas.openxmlformats.org/officeDocument/2006/relationships" xmlns:p="http://schemas.openxmlformats.org/presentationml/2006/main">
+  <p:cSld>
+    <p:spTree>
+      <p:nvGrpSpPr>
+        <p:cNvPr id="1" name=""/>
+        <p:cNvGrpSpPr/>
+        <p:nvPr/>
+      </p:nvGrpSpPr>
+      <p:grpSpPr>
+        <a:xfrm>
+          <a:off x="0" y="0"/>
+          <a:ext cx="0" cy="0"/>
+          <a:chOff x="0" y="0"/>
+          <a:chExt cx="0" cy="0"/>
+        </a:xfrm>
+      </p:grpSpPr>
+      <p:sp>
+        <p:nvSpPr>
+          <p:cNvPr id="2" name="Title 1"/>
+          <p:cNvSpPr>
+            <a:spLocks noGrp="1"/>
+          </p:cNvSpPr>
+          <p:nvPr>
+            <p:ph type="title"/>
+          </p:nvPr>
+        </p:nvSpPr>
+        <p:spPr/>
+        <p:txBody>
+          <a:bodyPr/>
+          <a:lstStyle/>
+          <a:p>
+            <a:r>
+              <a:rPr lang="en-US" dirty="0"/>
+              <a:t>Difference from previous research</a:t>
+            </a:r>
+          </a:p>
+        </p:txBody>
+      </p:sp>
+      <p:sp>
+        <p:nvSpPr>
+          <p:cNvPr id="3" name="Content Placeholder 2"/>
+          <p:cNvSpPr>
+            <a:spLocks noGrp="1"/>
+          </p:cNvSpPr>
+          <p:nvPr>
+            <p:ph idx="1"/>
+          </p:nvPr>
+        </p:nvSpPr>
+        <p:spPr/>
+        <p:txBody>
+          <a:bodyPr/>
+          <a:lstStyle/>
+          <a:p>
+            <a:r>
+              <a:rPr lang="en-US" dirty="0"/>
+              <a:t>Previous research either generated MIDI melodies or used a different architectures</a:t>
+            </a:r>
+          </a:p>
+          <a:p>
+            <a:pPr lvl="1"/>
+            <a:r>
+              <a:rPr lang="en-US" dirty="0"/>
+              <a:t>Previous research also did not expand further from timbre analysis/creation</a:t>
+            </a:r>
+          </a:p>
+        </p:txBody>
+      </p:sp>
+    </p:spTree>
+    <p:extLst>
+      <p:ext uri="{BB962C8B-B14F-4D97-AF65-F5344CB8AC3E}">
+        <p14:creationId xmlns:p14="http://schemas.microsoft.com/office/powerpoint/2010/main" val="1823038153"/>
+      </p:ext>
+    </p:extLst>
+  </p:cSld>
+  <p:clrMapOvr>
+    <a:masterClrMapping/>
+  </p:clrMapOvr>
+</p:sld>
+</file>
+
+<file path=ppt/slides/slide5.xml><?xml version="1.0" encoding="utf-8"?>
+<p:sld xmlns:a="http://schemas.openxmlformats.org/drawingml/2006/main" xmlns:r="http://schemas.openxmlformats.org/officeDocument/2006/relationships" xmlns:p="http://schemas.openxmlformats.org/presentationml/2006/main">
+  <p:cSld>
+    <p:spTree>
+      <p:nvGrpSpPr>
+        <p:cNvPr id="1" name=""/>
+        <p:cNvGrpSpPr/>
+        <p:nvPr/>
+      </p:nvGrpSpPr>
+      <p:grpSpPr>
+        <a:xfrm>
+          <a:off x="0" y="0"/>
+          <a:ext cx="0" cy="0"/>
+          <a:chOff x="0" y="0"/>
+          <a:chExt cx="0" cy="0"/>
+        </a:xfrm>
+      </p:grpSpPr>
+      <p:sp>
+        <p:nvSpPr>
+          <p:cNvPr id="2" name="Title 1"/>
+          <p:cNvSpPr>
+            <a:spLocks noGrp="1"/>
+          </p:cNvSpPr>
+          <p:nvPr>
+            <p:ph type="title"/>
+          </p:nvPr>
+        </p:nvSpPr>
+        <p:spPr/>
+        <p:txBody>
+          <a:bodyPr/>
+          <a:lstStyle/>
+          <a:p>
+            <a:r>
+              <a:rPr lang="en-US" dirty="0"/>
+              <a:t>Generative adversarial networks (GAN)</a:t>
+            </a:r>
+          </a:p>
+        </p:txBody>
+      </p:sp>
+      <p:sp>
+        <p:nvSpPr>
+          <p:cNvPr id="3" name="Content Placeholder 2"/>
+          <p:cNvSpPr>
+            <a:spLocks noGrp="1"/>
+          </p:cNvSpPr>
+          <p:nvPr>
+            <p:ph idx="1"/>
+          </p:nvPr>
+        </p:nvSpPr>
+        <p:spPr/>
+        <p:txBody>
+          <a:bodyPr/>
+          <a:lstStyle/>
+          <a:p>
+            <a:r>
+              <a:rPr lang="en-US" dirty="0"/>
+              <a:t>GANs generate images given a set of correct or ideal images</a:t>
+            </a:r>
+          </a:p>
+          <a:p>
+            <a:r>
+              <a:rPr lang="en-US" dirty="0"/>
+              <a:t>Two networks compete against each other</a:t>
+            </a:r>
+          </a:p>
+        </p:txBody>
+      </p:sp>
+    </p:spTree>
+    <p:extLst>
+      <p:ext uri="{BB962C8B-B14F-4D97-AF65-F5344CB8AC3E}">
+        <p14:creationId xmlns:p14="http://schemas.microsoft.com/office/powerpoint/2010/main" val="3375790044"/>
+      </p:ext>
+    </p:extLst>
+  </p:cSld>
+  <p:clrMapOvr>
+    <a:masterClrMapping/>
+  </p:clrMapOvr>
+</p:sld>
+</file>
+
+<file path=ppt/slides/slide6.xml><?xml version="1.0" encoding="utf-8"?>
+<p:sld xmlns:a="http://schemas.openxmlformats.org/drawingml/2006/main" xmlns:r="http://schemas.openxmlformats.org/officeDocument/2006/relationships" xmlns:p="http://schemas.openxmlformats.org/presentationml/2006/main">
+  <p:cSld>
+    <p:spTree>
+      <p:nvGrpSpPr>
+        <p:cNvPr id="1" name=""/>
+        <p:cNvGrpSpPr/>
+        <p:nvPr/>
+      </p:nvGrpSpPr>
+      <p:grpSpPr>
+        <a:xfrm>
+          <a:off x="0" y="0"/>
+          <a:ext cx="0" cy="0"/>
+          <a:chOff x="0" y="0"/>
+          <a:chExt cx="0" cy="0"/>
+        </a:xfrm>
+      </p:grpSpPr>
+      <p:sp>
+        <p:nvSpPr>
           <p:cNvPr id="19" name="Alternate Process 18">
             <a:extLst>
               <a:ext uri="{FF2B5EF4-FFF2-40B4-BE49-F238E27FC236}">
@@ -12445,7 +12801,7 @@
         </p:nvSpPr>
         <p:spPr>
           <a:xfrm>
-            <a:off x="2603004" y="4356705"/>
+            <a:off x="2240687" y="4428445"/>
             <a:ext cx="956733" cy="956733"/>
           </a:xfrm>
           <a:prstGeom prst="flowChartAlternateProcess">
@@ -12501,7 +12857,7 @@
         </p:nvSpPr>
         <p:spPr>
           <a:xfrm>
-            <a:off x="2517679" y="4451653"/>
+            <a:off x="2155362" y="4523393"/>
             <a:ext cx="956733" cy="956733"/>
           </a:xfrm>
           <a:prstGeom prst="flowChartAlternateProcess">
@@ -12557,7 +12913,7 @@
         </p:nvSpPr>
         <p:spPr>
           <a:xfrm>
-            <a:off x="1944914" y="965200"/>
+            <a:off x="3255745" y="636198"/>
             <a:ext cx="1614823" cy="2068286"/>
           </a:xfrm>
           <a:prstGeom prst="rect">
@@ -12583,55 +12939,6 @@
       </p:sp>
       <p:sp>
         <p:nvSpPr>
-          <p:cNvPr id="3" name="Alternate Process 2">
-            <a:extLst>
-              <a:ext uri="{FF2B5EF4-FFF2-40B4-BE49-F238E27FC236}">
-                <a16:creationId xmlns:a16="http://schemas.microsoft.com/office/drawing/2014/main" id="{EBFF8113-C480-F742-8934-009C20DA8FD0}"/>
-              </a:ext>
-            </a:extLst>
-          </p:cNvPr>
-          <p:cNvSpPr/>
-          <p:nvPr/>
-        </p:nvSpPr>
-        <p:spPr>
-          <a:xfrm>
-            <a:off x="259496" y="650959"/>
-            <a:ext cx="1357086" cy="348345"/>
-          </a:xfrm>
-          <a:prstGeom prst="flowChartAlternateProcess">
-            <a:avLst/>
-          </a:prstGeom>
-        </p:spPr>
-        <p:style>
-          <a:lnRef idx="2">
-            <a:schemeClr val="accent1">
-              <a:shade val="50000"/>
-            </a:schemeClr>
-          </a:lnRef>
-          <a:fillRef idx="1">
-            <a:schemeClr val="accent1"/>
-          </a:fillRef>
-          <a:effectRef idx="0">
-            <a:schemeClr val="accent1"/>
-          </a:effectRef>
-          <a:fontRef idx="minor">
-            <a:schemeClr val="lt1"/>
-          </a:fontRef>
-        </p:style>
-        <p:txBody>
-          <a:bodyPr rtlCol="0" anchor="ctr"/>
-          <a:lstStyle/>
-          <a:p>
-            <a:pPr algn="ctr"/>
-            <a:r>
-              <a:rPr lang="en-US" sz="1400" dirty="0"/>
-              <a:t>Gather audio</a:t>
-            </a:r>
-          </a:p>
-        </p:txBody>
-      </p:sp>
-      <p:sp>
-        <p:nvSpPr>
           <p:cNvPr id="4" name="Alternate Process 3">
             <a:extLst>
               <a:ext uri="{FF2B5EF4-FFF2-40B4-BE49-F238E27FC236}">
@@ -12644,7 +12951,7 @@
         </p:nvSpPr>
         <p:spPr>
           <a:xfrm>
-            <a:off x="2032052" y="1117599"/>
+            <a:off x="3342883" y="788597"/>
             <a:ext cx="1440543" cy="754743"/>
           </a:xfrm>
           <a:prstGeom prst="flowChartAlternateProcess">
@@ -12707,7 +13014,7 @@
         </p:nvSpPr>
         <p:spPr>
           <a:xfrm>
-            <a:off x="3735669" y="1788884"/>
+            <a:off x="5046500" y="1459882"/>
             <a:ext cx="878113" cy="420917"/>
           </a:xfrm>
           <a:prstGeom prst="rightArrow">
@@ -12756,7 +13063,7 @@
         </p:nvSpPr>
         <p:spPr>
           <a:xfrm>
-            <a:off x="4465563" y="363467"/>
+            <a:off x="5872603" y="392394"/>
             <a:ext cx="3519713" cy="461665"/>
           </a:xfrm>
           <a:prstGeom prst="rect">
@@ -12791,7 +13098,7 @@
         </p:nvSpPr>
         <p:spPr>
           <a:xfrm>
-            <a:off x="4701449" y="1328082"/>
+            <a:off x="6012280" y="999080"/>
             <a:ext cx="2560505" cy="1487714"/>
           </a:xfrm>
           <a:prstGeom prst="flowChartProcess">
@@ -12862,7 +13169,7 @@
         </p:nvSpPr>
         <p:spPr>
           <a:xfrm>
-            <a:off x="2032053" y="2107096"/>
+            <a:off x="3342884" y="1778094"/>
             <a:ext cx="1440543" cy="754743"/>
           </a:xfrm>
           <a:prstGeom prst="flowChartAlternateProcess">
@@ -12923,66 +13230,6 @@
       </p:sp>
       <p:sp>
         <p:nvSpPr>
-          <p:cNvPr id="11" name="Bent Arrow 10">
-            <a:extLst>
-              <a:ext uri="{FF2B5EF4-FFF2-40B4-BE49-F238E27FC236}">
-                <a16:creationId xmlns:a16="http://schemas.microsoft.com/office/drawing/2014/main" id="{D8FCB827-0A9B-8B4F-9F52-FDEA9BF5BB4D}"/>
-              </a:ext>
-            </a:extLst>
-          </p:cNvPr>
-          <p:cNvSpPr/>
-          <p:nvPr/>
-        </p:nvSpPr>
-        <p:spPr>
-          <a:xfrm flipV="1">
-            <a:off x="609601" y="1117597"/>
-            <a:ext cx="1159382" cy="543075"/>
-          </a:xfrm>
-          <a:prstGeom prst="bentArrow">
-            <a:avLst/>
-          </a:prstGeom>
-        </p:spPr>
-        <p:style>
-          <a:lnRef idx="2">
-            <a:schemeClr val="accent1">
-              <a:shade val="50000"/>
-            </a:schemeClr>
-          </a:lnRef>
-          <a:fillRef idx="1">
-            <a:schemeClr val="accent1"/>
-          </a:fillRef>
-          <a:effectRef idx="0">
-            <a:schemeClr val="accent1"/>
-          </a:effectRef>
-          <a:fontRef idx="minor">
-            <a:schemeClr val="lt1"/>
-          </a:fontRef>
-        </p:style>
-        <p:txBody>
-          <a:bodyPr rtlCol="0" anchor="ctr">
-            <a:scene3d>
-              <a:camera prst="orthographicFront">
-                <a:rot lat="0" lon="0" rev="10800000"/>
-              </a:camera>
-              <a:lightRig rig="threePt" dir="t"/>
-            </a:scene3d>
-          </a:bodyPr>
-          <a:lstStyle/>
-          <a:p>
-            <a:pPr algn="ctr"/>
-            <a:r>
-              <a:rPr lang="en-US" dirty="0">
-                <a:solidFill>
-                  <a:schemeClr val="tx1"/>
-                </a:solidFill>
-              </a:rPr>
-              <a:t>Pre-process</a:t>
-            </a:r>
-          </a:p>
-        </p:txBody>
-      </p:sp>
-      <p:sp>
-        <p:nvSpPr>
           <p:cNvPr id="12" name="Right Arrow 11">
             <a:extLst>
               <a:ext uri="{FF2B5EF4-FFF2-40B4-BE49-F238E27FC236}">
@@ -12995,7 +13242,7 @@
         </p:nvSpPr>
         <p:spPr>
           <a:xfrm>
-            <a:off x="7437362" y="1814284"/>
+            <a:off x="8748193" y="1485282"/>
             <a:ext cx="880533" cy="405191"/>
           </a:xfrm>
           <a:prstGeom prst="rightArrow">
@@ -13044,7 +13291,7 @@
         </p:nvSpPr>
         <p:spPr>
           <a:xfrm>
-            <a:off x="8493303" y="1649813"/>
+            <a:off x="9804134" y="1320811"/>
             <a:ext cx="1244600" cy="695583"/>
           </a:xfrm>
           <a:prstGeom prst="flowChartAlternateProcess">
@@ -13107,7 +13354,7 @@
         </p:nvSpPr>
         <p:spPr>
           <a:xfrm>
-            <a:off x="4613782" y="3567617"/>
+            <a:off x="4281624" y="3682889"/>
             <a:ext cx="3519713" cy="461665"/>
           </a:xfrm>
           <a:prstGeom prst="rect">
@@ -13142,7 +13389,7 @@
         </p:nvSpPr>
         <p:spPr>
           <a:xfrm>
-            <a:off x="4553830" y="4145499"/>
+            <a:off x="4191513" y="4217239"/>
             <a:ext cx="2708124" cy="1487714"/>
           </a:xfrm>
           <a:prstGeom prst="flowChartProcess">
@@ -13208,7 +13455,7 @@
         </p:nvSpPr>
         <p:spPr>
           <a:xfrm>
-            <a:off x="2407612" y="4546601"/>
+            <a:off x="2045295" y="4618341"/>
             <a:ext cx="956733" cy="956733"/>
           </a:xfrm>
           <a:prstGeom prst="flowChartAlternateProcess">
@@ -13267,7 +13514,7 @@
         </p:nvSpPr>
         <p:spPr>
           <a:xfrm>
-            <a:off x="3683565" y="4678897"/>
+            <a:off x="3321248" y="4750637"/>
             <a:ext cx="674873" cy="420917"/>
           </a:xfrm>
           <a:prstGeom prst="rightArrow">
@@ -13326,7 +13573,7 @@
         </p:nvSpPr>
         <p:spPr>
           <a:xfrm>
-            <a:off x="8493303" y="4511983"/>
+            <a:off x="8130986" y="4583723"/>
             <a:ext cx="1440543" cy="754743"/>
           </a:xfrm>
           <a:prstGeom prst="flowChartAlternateProcess">
@@ -13399,7 +13646,7 @@
         </p:nvSpPr>
         <p:spPr>
           <a:xfrm>
-            <a:off x="7454296" y="4649409"/>
+            <a:off x="7091979" y="4721149"/>
             <a:ext cx="880533" cy="405191"/>
           </a:xfrm>
           <a:prstGeom prst="rightArrow">
@@ -13458,7 +13705,7 @@
         </p:nvSpPr>
         <p:spPr>
           <a:xfrm rot="5400000">
-            <a:off x="9612810" y="2253854"/>
+            <a:off x="10923641" y="1924852"/>
             <a:ext cx="1385927" cy="743857"/>
           </a:xfrm>
           <a:prstGeom prst="uturnArrow">
@@ -13514,8 +13761,8 @@
         </p:nvSpPr>
         <p:spPr>
           <a:xfrm>
-            <a:off x="7934503" y="2625782"/>
-            <a:ext cx="1803400" cy="1073305"/>
+            <a:off x="9245333" y="2296781"/>
+            <a:ext cx="1803401" cy="1067756"/>
           </a:xfrm>
           <a:prstGeom prst="flowChartAlternateProcess">
             <a:avLst/>
@@ -13551,7 +13798,14 @@
             <a:pPr algn="ctr"/>
             <a:r>
               <a:rPr lang="en-US" sz="1400" dirty="0"/>
-              <a:t>log(D(real)) + log(D(generated))</a:t>
+              <a:t>log(D(real)) + </a:t>
+            </a:r>
+          </a:p>
+          <a:p>
+            <a:pPr algn="ctr"/>
+            <a:r>
+              <a:rPr lang="en-US" sz="1400" dirty="0"/>
+              <a:t>log(1-D(generated))</a:t>
             </a:r>
           </a:p>
         </p:txBody>
@@ -13570,8 +13824,8 @@
         </p:nvSpPr>
         <p:spPr>
           <a:xfrm flipH="1">
-            <a:off x="4220620" y="2935063"/>
-            <a:ext cx="3374544" cy="383683"/>
+            <a:off x="5531451" y="2606061"/>
+            <a:ext cx="3517940" cy="639213"/>
           </a:xfrm>
           <a:prstGeom prst="rightArrow">
             <a:avLst/>
@@ -13597,18 +13851,26 @@
           <a:bodyPr rtlCol="0" anchor="ctr"/>
           <a:lstStyle/>
           <a:p>
-            <a:pPr algn="ctr"/>
+            <a:pPr algn="ctr">
+              <a:lnSpc>
+                <a:spcPct val="75000"/>
+              </a:lnSpc>
+            </a:pPr>
             <a:r>
               <a:rPr lang="en-US" sz="1400" dirty="0" err="1"/>
               <a:t>Backpropogation</a:t>
             </a:r>
             <a:r>
               <a:rPr lang="en-US" sz="1400" dirty="0"/>
-              <a:t>: </a:t>
-            </a:r>
-          </a:p>
-          <a:p>
-            <a:pPr algn="ctr"/>
+              <a:t> training: </a:t>
+            </a:r>
+          </a:p>
+          <a:p>
+            <a:pPr algn="ctr">
+              <a:lnSpc>
+                <a:spcPct val="75000"/>
+              </a:lnSpc>
+            </a:pPr>
             <a:r>
               <a:rPr lang="en-US" sz="1400" dirty="0"/>
               <a:t>maximize correctness using the gradient</a:t>
@@ -13630,24 +13892,24 @@
         </p:nvSpPr>
         <p:spPr>
           <a:xfrm rot="5400000">
-            <a:off x="9808752" y="5056749"/>
-            <a:ext cx="1385927" cy="743857"/>
+            <a:off x="9626717" y="4948206"/>
+            <a:ext cx="1598132" cy="1316627"/>
           </a:xfrm>
           <a:prstGeom prst="uturnArrow">
             <a:avLst>
-              <a:gd name="adj1" fmla="val 27276"/>
-              <a:gd name="adj2" fmla="val 25000"/>
-              <a:gd name="adj3" fmla="val 25000"/>
+              <a:gd name="adj1" fmla="val 14837"/>
+              <a:gd name="adj2" fmla="val 17226"/>
+              <a:gd name="adj3" fmla="val 23963"/>
               <a:gd name="adj4" fmla="val 43750"/>
               <a:gd name="adj5" fmla="val 100000"/>
             </a:avLst>
           </a:prstGeom>
           <a:solidFill>
-            <a:schemeClr val="accent5"/>
+            <a:schemeClr val="accent1"/>
           </a:solidFill>
           <a:ln>
             <a:solidFill>
-              <a:schemeClr val="accent5">
+              <a:schemeClr val="accent1">
                 <a:lumMod val="75000"/>
               </a:schemeClr>
             </a:solidFill>
@@ -13670,11 +13932,34 @@
           </a:fontRef>
         </p:style>
         <p:txBody>
-          <a:bodyPr rtlCol="0" anchor="ctr"/>
+          <a:bodyPr rtlCol="0" anchor="ctr">
+            <a:scene3d>
+              <a:camera prst="orthographicFront">
+                <a:rot lat="0" lon="0" rev="5400000"/>
+              </a:camera>
+              <a:lightRig rig="threePt" dir="t"/>
+            </a:scene3d>
+          </a:bodyPr>
           <a:lstStyle/>
           <a:p>
             <a:pPr algn="ctr"/>
-            <a:endParaRPr lang="en-US">
+            <a:r>
+              <a:rPr lang="en-US" dirty="0">
+                <a:solidFill>
+                  <a:schemeClr val="tx1"/>
+                </a:solidFill>
+              </a:rPr>
+              <a:t>Discriminator network </a:t>
+            </a:r>
+            <a:r>
+              <a:rPr lang="en-US" dirty="0" err="1">
+                <a:solidFill>
+                  <a:schemeClr val="tx1"/>
+                </a:solidFill>
+              </a:rPr>
+              <a:t>passthrough</a:t>
+            </a:r>
+            <a:endParaRPr lang="en-US" dirty="0">
               <a:solidFill>
                 <a:schemeClr val="tx1"/>
               </a:solidFill>
@@ -13696,7 +13981,7 @@
         </p:nvSpPr>
         <p:spPr>
           <a:xfrm>
-            <a:off x="7985276" y="5503334"/>
+            <a:off x="7719168" y="5575074"/>
             <a:ext cx="1803400" cy="1073305"/>
           </a:xfrm>
           <a:prstGeom prst="flowChartAlternateProcess">
@@ -13743,7 +14028,7 @@
             <a:pPr algn="ctr"/>
             <a:r>
               <a:rPr lang="en-US" sz="1400" dirty="0"/>
-              <a:t>log(D(generated))</a:t>
+              <a:t>log(1-D(generated))</a:t>
             </a:r>
           </a:p>
         </p:txBody>
@@ -13762,8 +14047,8 @@
         </p:nvSpPr>
         <p:spPr>
           <a:xfrm flipH="1">
-            <a:off x="4174725" y="5813080"/>
-            <a:ext cx="3374544" cy="383683"/>
+            <a:off x="3812407" y="5817866"/>
+            <a:ext cx="3661859" cy="587720"/>
           </a:xfrm>
           <a:prstGeom prst="rightArrow">
             <a:avLst/>
@@ -13799,18 +14084,26 @@
           <a:bodyPr rtlCol="0" anchor="ctr"/>
           <a:lstStyle/>
           <a:p>
-            <a:pPr algn="ctr"/>
+            <a:pPr algn="ctr">
+              <a:lnSpc>
+                <a:spcPct val="75000"/>
+              </a:lnSpc>
+            </a:pPr>
             <a:r>
               <a:rPr lang="en-US" sz="1400" dirty="0" err="1"/>
               <a:t>Backpropogation</a:t>
             </a:r>
             <a:r>
               <a:rPr lang="en-US" sz="1400" dirty="0"/>
-              <a:t>: </a:t>
-            </a:r>
-          </a:p>
-          <a:p>
-            <a:pPr algn="ctr"/>
+              <a:t> training: </a:t>
+            </a:r>
+          </a:p>
+          <a:p>
+            <a:pPr algn="ctr">
+              <a:lnSpc>
+                <a:spcPct val="75000"/>
+              </a:lnSpc>
+            </a:pPr>
             <a:r>
               <a:rPr lang="en-US" sz="1400" dirty="0"/>
               <a:t>minimize error using the negative gradient</a:t>
@@ -13832,7 +14125,7 @@
         </p:nvSpPr>
         <p:spPr>
           <a:xfrm flipH="1" flipV="1">
-            <a:off x="1805929" y="3255374"/>
+            <a:off x="3116760" y="2926372"/>
             <a:ext cx="1064529" cy="543075"/>
           </a:xfrm>
           <a:prstGeom prst="bentArrow">
@@ -13902,8 +14195,8 @@
         </p:nvSpPr>
         <p:spPr>
           <a:xfrm>
-            <a:off x="408366" y="3432840"/>
-            <a:ext cx="1227893" cy="532493"/>
+            <a:off x="1183826" y="2942816"/>
+            <a:ext cx="1697462" cy="860558"/>
           </a:xfrm>
           <a:prstGeom prst="flowChartAlternateProcess">
             <a:avLst/>
@@ -13941,8 +14234,290 @@
           <a:p>
             <a:pPr algn="ctr"/>
             <a:r>
+              <a:rPr lang="en-US" sz="2000" dirty="0"/>
+              <a:t>Generated audio</a:t>
+            </a:r>
+          </a:p>
+        </p:txBody>
+      </p:sp>
+      <p:sp>
+        <p:nvSpPr>
+          <p:cNvPr id="32" name="Alternate Process 2">
+            <a:extLst/>
+          </p:cNvPr>
+          <p:cNvSpPr/>
+          <p:nvPr/>
+        </p:nvSpPr>
+        <p:spPr>
+          <a:xfrm>
+            <a:off x="421188" y="454335"/>
+            <a:ext cx="1357086" cy="449165"/>
+          </a:xfrm>
+          <a:prstGeom prst="flowChartAlternateProcess">
+            <a:avLst/>
+          </a:prstGeom>
+        </p:spPr>
+        <p:style>
+          <a:lnRef idx="2">
+            <a:schemeClr val="accent1">
+              <a:shade val="50000"/>
+            </a:schemeClr>
+          </a:lnRef>
+          <a:fillRef idx="1">
+            <a:schemeClr val="accent1"/>
+          </a:fillRef>
+          <a:effectRef idx="0">
+            <a:schemeClr val="accent1"/>
+          </a:effectRef>
+          <a:fontRef idx="minor">
+            <a:schemeClr val="lt1"/>
+          </a:fontRef>
+        </p:style>
+        <p:txBody>
+          <a:bodyPr rtlCol="0" anchor="ctr"/>
+          <a:lstStyle/>
+          <a:p>
+            <a:pPr algn="ctr"/>
+            <a:r>
               <a:rPr lang="en-US" sz="1400" dirty="0"/>
-              <a:t>Generated audio</a:t>
+              <a:t>Record clarinet playing</a:t>
+            </a:r>
+          </a:p>
+        </p:txBody>
+      </p:sp>
+      <p:sp>
+        <p:nvSpPr>
+          <p:cNvPr id="33" name="Alternate Process 2">
+            <a:extLst/>
+          </p:cNvPr>
+          <p:cNvSpPr/>
+          <p:nvPr/>
+        </p:nvSpPr>
+        <p:spPr>
+          <a:xfrm>
+            <a:off x="423251" y="1251842"/>
+            <a:ext cx="1357086" cy="466880"/>
+          </a:xfrm>
+          <a:prstGeom prst="flowChartAlternateProcess">
+            <a:avLst/>
+          </a:prstGeom>
+        </p:spPr>
+        <p:style>
+          <a:lnRef idx="2">
+            <a:schemeClr val="accent1">
+              <a:shade val="50000"/>
+            </a:schemeClr>
+          </a:lnRef>
+          <a:fillRef idx="1">
+            <a:schemeClr val="accent1"/>
+          </a:fillRef>
+          <a:effectRef idx="0">
+            <a:schemeClr val="accent1"/>
+          </a:effectRef>
+          <a:fontRef idx="minor">
+            <a:schemeClr val="lt1"/>
+          </a:fontRef>
+        </p:style>
+        <p:txBody>
+          <a:bodyPr rtlCol="0" anchor="ctr"/>
+          <a:lstStyle/>
+          <a:p>
+            <a:pPr algn="ctr"/>
+            <a:r>
+              <a:rPr lang="en-US" sz="1400" dirty="0"/>
+              <a:t>Extract from database</a:t>
+            </a:r>
+          </a:p>
+        </p:txBody>
+      </p:sp>
+      <p:sp>
+        <p:nvSpPr>
+          <p:cNvPr id="34" name="TextBox 33">
+            <a:extLst/>
+          </p:cNvPr>
+          <p:cNvSpPr txBox="1"/>
+          <p:nvPr/>
+        </p:nvSpPr>
+        <p:spPr>
+          <a:xfrm>
+            <a:off x="964244" y="909662"/>
+            <a:ext cx="901168" cy="276999"/>
+          </a:xfrm>
+          <a:prstGeom prst="rect">
+            <a:avLst/>
+          </a:prstGeom>
+          <a:noFill/>
+        </p:spPr>
+        <p:txBody>
+          <a:bodyPr wrap="square" rtlCol="0">
+            <a:spAutoFit/>
+          </a:bodyPr>
+          <a:lstStyle/>
+          <a:p>
+            <a:r>
+              <a:rPr lang="en-US" sz="1200" dirty="0"/>
+              <a:t>or</a:t>
+            </a:r>
+          </a:p>
+        </p:txBody>
+      </p:sp>
+      <p:sp>
+        <p:nvSpPr>
+          <p:cNvPr id="35" name="TextBox 34">
+            <a:extLst/>
+          </p:cNvPr>
+          <p:cNvSpPr txBox="1"/>
+          <p:nvPr/>
+        </p:nvSpPr>
+        <p:spPr>
+          <a:xfrm>
+            <a:off x="294382" y="339430"/>
+            <a:ext cx="1651282" cy="1536799"/>
+          </a:xfrm>
+          <a:prstGeom prst="rect">
+            <a:avLst/>
+          </a:prstGeom>
+          <a:noFill/>
+          <a:ln w="38100">
+            <a:solidFill>
+              <a:schemeClr val="tx1"/>
+            </a:solidFill>
+            <a:prstDash val="dash"/>
+          </a:ln>
+        </p:spPr>
+        <p:txBody>
+          <a:bodyPr wrap="square" rtlCol="0">
+            <a:spAutoFit/>
+          </a:bodyPr>
+          <a:lstStyle/>
+          <a:p>
+            <a:endParaRPr lang="en-US" dirty="0"/>
+          </a:p>
+        </p:txBody>
+      </p:sp>
+      <p:sp>
+        <p:nvSpPr>
+          <p:cNvPr id="38" name="Right Arrow 5">
+            <a:extLst/>
+          </p:cNvPr>
+          <p:cNvSpPr/>
+          <p:nvPr/>
+        </p:nvSpPr>
+        <p:spPr>
+          <a:xfrm>
+            <a:off x="2141606" y="721988"/>
+            <a:ext cx="1026435" cy="821352"/>
+          </a:xfrm>
+          <a:prstGeom prst="rightArrow">
+            <a:avLst/>
+          </a:prstGeom>
+        </p:spPr>
+        <p:style>
+          <a:lnRef idx="2">
+            <a:schemeClr val="accent1">
+              <a:shade val="50000"/>
+            </a:schemeClr>
+          </a:lnRef>
+          <a:fillRef idx="1">
+            <a:schemeClr val="accent1"/>
+          </a:fillRef>
+          <a:effectRef idx="0">
+            <a:schemeClr val="accent1"/>
+          </a:effectRef>
+          <a:fontRef idx="minor">
+            <a:schemeClr val="lt1"/>
+          </a:fontRef>
+        </p:style>
+        <p:txBody>
+          <a:bodyPr rtlCol="0" anchor="ctr"/>
+          <a:lstStyle/>
+          <a:p>
+            <a:pPr algn="ctr"/>
+            <a:r>
+              <a:rPr lang="en-US" sz="1400" dirty="0"/>
+              <a:t>Pre-process</a:t>
+            </a:r>
+          </a:p>
+        </p:txBody>
+      </p:sp>
+      <p:sp>
+        <p:nvSpPr>
+          <p:cNvPr id="2" name="Arrow: Up-Down 1"/>
+          <p:cNvSpPr/>
+          <p:nvPr/>
+        </p:nvSpPr>
+        <p:spPr>
+          <a:xfrm>
+            <a:off x="7200428" y="3333339"/>
+            <a:ext cx="709358" cy="982579"/>
+          </a:xfrm>
+          <a:prstGeom prst="upDownArrow">
+            <a:avLst>
+              <a:gd name="adj1" fmla="val 35195"/>
+              <a:gd name="adj2" fmla="val 41043"/>
+            </a:avLst>
+          </a:prstGeom>
+          <a:solidFill>
+            <a:schemeClr val="accent6"/>
+          </a:solidFill>
+          <a:ln>
+            <a:solidFill>
+              <a:schemeClr val="accent6">
+                <a:lumMod val="75000"/>
+              </a:schemeClr>
+            </a:solidFill>
+          </a:ln>
+        </p:spPr>
+        <p:style>
+          <a:lnRef idx="2">
+            <a:schemeClr val="accent1">
+              <a:shade val="50000"/>
+            </a:schemeClr>
+          </a:lnRef>
+          <a:fillRef idx="1">
+            <a:schemeClr val="accent1"/>
+          </a:fillRef>
+          <a:effectRef idx="0">
+            <a:schemeClr val="accent1"/>
+          </a:effectRef>
+          <a:fontRef idx="minor">
+            <a:schemeClr val="lt1"/>
+          </a:fontRef>
+        </p:style>
+        <p:txBody>
+          <a:bodyPr rtlCol="0" anchor="ctr"/>
+          <a:lstStyle/>
+          <a:p>
+            <a:pPr algn="ctr"/>
+            <a:endParaRPr lang="en-US" dirty="0"/>
+          </a:p>
+        </p:txBody>
+      </p:sp>
+      <p:sp>
+        <p:nvSpPr>
+          <p:cNvPr id="3" name="TextBox 2"/>
+          <p:cNvSpPr txBox="1"/>
+          <p:nvPr/>
+        </p:nvSpPr>
+        <p:spPr>
+          <a:xfrm>
+            <a:off x="7742535" y="3618708"/>
+            <a:ext cx="4123198" cy="369332"/>
+          </a:xfrm>
+          <a:prstGeom prst="rect">
+            <a:avLst/>
+          </a:prstGeom>
+          <a:noFill/>
+        </p:spPr>
+        <p:txBody>
+          <a:bodyPr wrap="square" rtlCol="0">
+            <a:spAutoFit/>
+          </a:bodyPr>
+          <a:lstStyle/>
+          <a:p>
+            <a:r>
+              <a:rPr lang="en-US" dirty="0"/>
+              <a:t>Minimax adversarial competition/game</a:t>
             </a:r>
           </a:p>
         </p:txBody>
@@ -13960,7 +14535,7 @@
 </p:sld>
 </file>
 
-<file path=ppt/slides/slide3.xml><?xml version="1.0" encoding="utf-8"?>
+<file path=ppt/slides/slide7.xml><?xml version="1.0" encoding="utf-8"?>
 <p:sld xmlns:a="http://schemas.openxmlformats.org/drawingml/2006/main" xmlns:r="http://schemas.openxmlformats.org/officeDocument/2006/relationships" xmlns:p="http://schemas.openxmlformats.org/presentationml/2006/main">
   <p:cSld>
     <p:spTree>
@@ -13979,13 +14554,7 @@
       </p:grpSpPr>
       <p:sp>
         <p:nvSpPr>
-          <p:cNvPr id="2" name="Title 1">
-            <a:extLst>
-              <a:ext uri="{FF2B5EF4-FFF2-40B4-BE49-F238E27FC236}">
-                <a16:creationId xmlns:a16="http://schemas.microsoft.com/office/drawing/2014/main" id="{A35FB6F8-3A15-834A-9959-C57981FA2B6D}"/>
-              </a:ext>
-            </a:extLst>
-          </p:cNvPr>
+          <p:cNvPr id="2" name="Title 1"/>
           <p:cNvSpPr>
             <a:spLocks noGrp="1"/>
           </p:cNvSpPr>
@@ -14000,20 +14569,14 @@
           <a:p>
             <a:r>
               <a:rPr lang="en-US" dirty="0"/>
-              <a:t>Scope</a:t>
-            </a:r>
-          </a:p>
-        </p:txBody>
-      </p:sp>
-      <p:sp>
-        <p:nvSpPr>
-          <p:cNvPr id="3" name="Content Placeholder 2">
-            <a:extLst>
-              <a:ext uri="{FF2B5EF4-FFF2-40B4-BE49-F238E27FC236}">
-                <a16:creationId xmlns:a16="http://schemas.microsoft.com/office/drawing/2014/main" id="{FB4B569F-1BF2-6942-9F0E-767E805780C6}"/>
-              </a:ext>
-            </a:extLst>
-          </p:cNvPr>
+              <a:t>Training</a:t>
+            </a:r>
+          </a:p>
+        </p:txBody>
+      </p:sp>
+      <p:sp>
+        <p:nvSpPr>
+          <p:cNvPr id="3" name="Content Placeholder 2"/>
           <p:cNvSpPr>
             <a:spLocks noGrp="1"/>
           </p:cNvSpPr>
@@ -14028,21 +14591,20 @@
           <a:p>
             <a:r>
               <a:rPr lang="en-US" dirty="0"/>
-              <a:t>If successful, in the future, this could be applied to other instruments, chords with either one instrument or different instruments, melodies, etc.</a:t>
-            </a:r>
-          </a:p>
-          <a:p>
+              <a:t>For every time the generator is trained, the discriminator needs to be trained multiple times</a:t>
+            </a:r>
+          </a:p>
+          <a:p>
+            <a:pPr lvl="1"/>
             <a:r>
               <a:rPr lang="en-US" dirty="0"/>
-              <a:t>If unsuccessful, different network architectures or different meta-</a:t>
-            </a:r>
-            <a:r>
-              <a:rPr lang="en-US" dirty="0" err="1"/>
-              <a:t>pararmeters</a:t>
-            </a:r>
+              <a:t>The discriminator trains and converges more slowly than the generator</a:t>
+            </a:r>
+          </a:p>
+          <a:p>
             <a:r>
               <a:rPr lang="en-US" dirty="0"/>
-              <a:t> of the network could be used.</a:t>
+              <a:t>The gradient is of all of the parameters</a:t>
             </a:r>
           </a:p>
         </p:txBody>
@@ -14050,7 +14612,7 @@
     </p:spTree>
     <p:extLst>
       <p:ext uri="{BB962C8B-B14F-4D97-AF65-F5344CB8AC3E}">
-        <p14:creationId xmlns:p14="http://schemas.microsoft.com/office/powerpoint/2010/main" val="4202897084"/>
+        <p14:creationId xmlns:p14="http://schemas.microsoft.com/office/powerpoint/2010/main" val="1761552910"/>
       </p:ext>
     </p:extLst>
   </p:cSld>

--- a/firstPresentationWithDigitalFlowchart.pptx
+++ b/firstPresentationWithDigitalFlowchart.pptx
@@ -11,7 +11,8 @@
     <p:sldId id="261" r:id="rId5"/>
     <p:sldId id="262" r:id="rId6"/>
     <p:sldId id="258" r:id="rId7"/>
-    <p:sldId id="259" r:id="rId8"/>
+    <p:sldId id="263" r:id="rId8"/>
+    <p:sldId id="259" r:id="rId9"/>
   </p:sldIdLst>
   <p:sldSz cx="12192000" cy="6858000"/>
   <p:notesSz cx="6858000" cy="9144000"/>
@@ -168,7 +169,7 @@
           <a:noFill/>
           <a:extLst>
             <a:ext uri="{909E8E84-426E-40dd-AFC4-6F175D3DCCD1}">
-              <a14:hiddenFill xmlns="" xmlns:a14="http://schemas.microsoft.com/office/drawing/2010/main">
+              <a14:hiddenFill xmlns:a14="http://schemas.microsoft.com/office/drawing/2010/main" xmlns="">
                 <a:solidFill>
                   <a:srgbClr val="FFFFFF"/>
                 </a:solidFill>
@@ -228,7 +229,7 @@
             </a:ln>
             <a:extLst>
               <a:ext uri="{91240B29-F687-4f45-9708-019B960494DF}">
-                <a14:hiddenLine xmlns="" xmlns:a14="http://schemas.microsoft.com/office/drawing/2010/main" w="9525">
+                <a14:hiddenLine xmlns:a14="http://schemas.microsoft.com/office/drawing/2010/main" xmlns="" w="9525">
                   <a:solidFill>
                     <a:srgbClr val="000000"/>
                   </a:solidFill>
@@ -318,7 +319,7 @@
             </a:ln>
             <a:extLst>
               <a:ext uri="{91240B29-F687-4f45-9708-019B960494DF}">
-                <a14:hiddenLine xmlns="" xmlns:a14="http://schemas.microsoft.com/office/drawing/2010/main" w="9525">
+                <a14:hiddenLine xmlns:a14="http://schemas.microsoft.com/office/drawing/2010/main" xmlns="" w="9525">
                   <a:solidFill>
                     <a:srgbClr val="000000"/>
                   </a:solidFill>
@@ -408,7 +409,7 @@
             </a:ln>
             <a:extLst>
               <a:ext uri="{91240B29-F687-4f45-9708-019B960494DF}">
-                <a14:hiddenLine xmlns="" xmlns:a14="http://schemas.microsoft.com/office/drawing/2010/main" w="9525">
+                <a14:hiddenLine xmlns:a14="http://schemas.microsoft.com/office/drawing/2010/main" xmlns="" w="9525">
                   <a:solidFill>
                     <a:srgbClr val="000000"/>
                   </a:solidFill>
@@ -442,7 +443,7 @@
             </a:ln>
             <a:extLst>
               <a:ext uri="{91240B29-F687-4f45-9708-019B960494DF}">
-                <a14:hiddenLine xmlns="" xmlns:a14="http://schemas.microsoft.com/office/drawing/2010/main" w="9525">
+                <a14:hiddenLine xmlns:a14="http://schemas.microsoft.com/office/drawing/2010/main" xmlns="" w="9525">
                   <a:solidFill>
                     <a:srgbClr val="000000"/>
                   </a:solidFill>
@@ -532,7 +533,7 @@
             </a:ln>
             <a:extLst>
               <a:ext uri="{91240B29-F687-4f45-9708-019B960494DF}">
-                <a14:hiddenLine xmlns="" xmlns:a14="http://schemas.microsoft.com/office/drawing/2010/main" w="9525">
+                <a14:hiddenLine xmlns:a14="http://schemas.microsoft.com/office/drawing/2010/main" xmlns="" w="9525">
                   <a:solidFill>
                     <a:srgbClr val="000000"/>
                   </a:solidFill>
@@ -594,7 +595,7 @@
             </a:ln>
             <a:extLst>
               <a:ext uri="{91240B29-F687-4f45-9708-019B960494DF}">
-                <a14:hiddenLine xmlns="" xmlns:a14="http://schemas.microsoft.com/office/drawing/2010/main" w="9525">
+                <a14:hiddenLine xmlns:a14="http://schemas.microsoft.com/office/drawing/2010/main" xmlns="" w="9525">
                   <a:solidFill>
                     <a:srgbClr val="000000"/>
                   </a:solidFill>
@@ -656,7 +657,7 @@
             </a:ln>
             <a:extLst>
               <a:ext uri="{91240B29-F687-4f45-9708-019B960494DF}">
-                <a14:hiddenLine xmlns="" xmlns:a14="http://schemas.microsoft.com/office/drawing/2010/main" w="9525">
+                <a14:hiddenLine xmlns:a14="http://schemas.microsoft.com/office/drawing/2010/main" xmlns="" w="9525">
                   <a:solidFill>
                     <a:srgbClr val="000000"/>
                   </a:solidFill>
@@ -746,7 +747,7 @@
             </a:ln>
             <a:extLst>
               <a:ext uri="{91240B29-F687-4f45-9708-019B960494DF}">
-                <a14:hiddenLine xmlns="" xmlns:a14="http://schemas.microsoft.com/office/drawing/2010/main" w="9525">
+                <a14:hiddenLine xmlns:a14="http://schemas.microsoft.com/office/drawing/2010/main" xmlns="" w="9525">
                   <a:solidFill>
                     <a:srgbClr val="000000"/>
                   </a:solidFill>
@@ -808,7 +809,7 @@
             </a:ln>
             <a:extLst>
               <a:ext uri="{91240B29-F687-4f45-9708-019B960494DF}">
-                <a14:hiddenLine xmlns="" xmlns:a14="http://schemas.microsoft.com/office/drawing/2010/main" w="9525">
+                <a14:hiddenLine xmlns:a14="http://schemas.microsoft.com/office/drawing/2010/main" xmlns="" w="9525">
                   <a:solidFill>
                     <a:srgbClr val="000000"/>
                   </a:solidFill>
@@ -870,7 +871,7 @@
             </a:ln>
             <a:extLst>
               <a:ext uri="{91240B29-F687-4f45-9708-019B960494DF}">
-                <a14:hiddenLine xmlns="" xmlns:a14="http://schemas.microsoft.com/office/drawing/2010/main" w="9525">
+                <a14:hiddenLine xmlns:a14="http://schemas.microsoft.com/office/drawing/2010/main" xmlns="" w="9525">
                   <a:solidFill>
                     <a:srgbClr val="000000"/>
                   </a:solidFill>
@@ -960,7 +961,7 @@
             </a:ln>
             <a:extLst>
               <a:ext uri="{91240B29-F687-4f45-9708-019B960494DF}">
-                <a14:hiddenLine xmlns="" xmlns:a14="http://schemas.microsoft.com/office/drawing/2010/main" w="9525">
+                <a14:hiddenLine xmlns:a14="http://schemas.microsoft.com/office/drawing/2010/main" xmlns="" w="9525">
                   <a:solidFill>
                     <a:srgbClr val="000000"/>
                   </a:solidFill>
@@ -1050,7 +1051,7 @@
             </a:ln>
             <a:extLst>
               <a:ext uri="{91240B29-F687-4f45-9708-019B960494DF}">
-                <a14:hiddenLine xmlns="" xmlns:a14="http://schemas.microsoft.com/office/drawing/2010/main" w="9525">
+                <a14:hiddenLine xmlns:a14="http://schemas.microsoft.com/office/drawing/2010/main" xmlns="" w="9525">
                   <a:solidFill>
                     <a:srgbClr val="000000"/>
                   </a:solidFill>
@@ -1112,7 +1113,7 @@
             </a:ln>
             <a:extLst>
               <a:ext uri="{91240B29-F687-4f45-9708-019B960494DF}">
-                <a14:hiddenLine xmlns="" xmlns:a14="http://schemas.microsoft.com/office/drawing/2010/main" w="9525">
+                <a14:hiddenLine xmlns:a14="http://schemas.microsoft.com/office/drawing/2010/main" xmlns="" w="9525">
                   <a:solidFill>
                     <a:srgbClr val="000000"/>
                   </a:solidFill>
@@ -1222,7 +1223,7 @@
             </a:ln>
             <a:extLst>
               <a:ext uri="{91240B29-F687-4f45-9708-019B960494DF}">
-                <a14:hiddenLine xmlns="" xmlns:a14="http://schemas.microsoft.com/office/drawing/2010/main" w="9525">
+                <a14:hiddenLine xmlns:a14="http://schemas.microsoft.com/office/drawing/2010/main" xmlns="" w="9525">
                   <a:solidFill>
                     <a:srgbClr val="000000"/>
                   </a:solidFill>
@@ -1284,7 +1285,7 @@
             </a:ln>
             <a:extLst>
               <a:ext uri="{91240B29-F687-4f45-9708-019B960494DF}">
-                <a14:hiddenLine xmlns="" xmlns:a14="http://schemas.microsoft.com/office/drawing/2010/main" w="9525">
+                <a14:hiddenLine xmlns:a14="http://schemas.microsoft.com/office/drawing/2010/main" xmlns="" w="9525">
                   <a:solidFill>
                     <a:srgbClr val="000000"/>
                   </a:solidFill>
@@ -1374,7 +1375,7 @@
             </a:ln>
             <a:extLst>
               <a:ext uri="{91240B29-F687-4f45-9708-019B960494DF}">
-                <a14:hiddenLine xmlns="" xmlns:a14="http://schemas.microsoft.com/office/drawing/2010/main" w="9525">
+                <a14:hiddenLine xmlns:a14="http://schemas.microsoft.com/office/drawing/2010/main" xmlns="" w="9525">
                   <a:solidFill>
                     <a:srgbClr val="000000"/>
                   </a:solidFill>
@@ -1464,7 +1465,7 @@
             </a:ln>
             <a:extLst>
               <a:ext uri="{91240B29-F687-4f45-9708-019B960494DF}">
-                <a14:hiddenLine xmlns="" xmlns:a14="http://schemas.microsoft.com/office/drawing/2010/main" w="9525">
+                <a14:hiddenLine xmlns:a14="http://schemas.microsoft.com/office/drawing/2010/main" xmlns="" w="9525">
                   <a:solidFill>
                     <a:srgbClr val="000000"/>
                   </a:solidFill>
@@ -1526,7 +1527,7 @@
             </a:ln>
             <a:extLst>
               <a:ext uri="{91240B29-F687-4f45-9708-019B960494DF}">
-                <a14:hiddenLine xmlns="" xmlns:a14="http://schemas.microsoft.com/office/drawing/2010/main" w="9525">
+                <a14:hiddenLine xmlns:a14="http://schemas.microsoft.com/office/drawing/2010/main" xmlns="" w="9525">
                   <a:solidFill>
                     <a:srgbClr val="000000"/>
                   </a:solidFill>
@@ -1616,7 +1617,7 @@
             </a:ln>
             <a:extLst>
               <a:ext uri="{91240B29-F687-4f45-9708-019B960494DF}">
-                <a14:hiddenLine xmlns="" xmlns:a14="http://schemas.microsoft.com/office/drawing/2010/main" w="9525">
+                <a14:hiddenLine xmlns:a14="http://schemas.microsoft.com/office/drawing/2010/main" xmlns="" w="9525">
                   <a:solidFill>
                     <a:srgbClr val="000000"/>
                   </a:solidFill>
@@ -1706,7 +1707,7 @@
             </a:ln>
             <a:extLst>
               <a:ext uri="{91240B29-F687-4f45-9708-019B960494DF}">
-                <a14:hiddenLine xmlns="" xmlns:a14="http://schemas.microsoft.com/office/drawing/2010/main" w="9525">
+                <a14:hiddenLine xmlns:a14="http://schemas.microsoft.com/office/drawing/2010/main" xmlns="" w="9525">
                   <a:solidFill>
                     <a:srgbClr val="000000"/>
                   </a:solidFill>
@@ -1762,7 +1763,7 @@
             </a:ln>
             <a:extLst>
               <a:ext uri="{91240B29-F687-4f45-9708-019B960494DF}">
-                <a14:hiddenLine xmlns="" xmlns:a14="http://schemas.microsoft.com/office/drawing/2010/main" w="9525">
+                <a14:hiddenLine xmlns:a14="http://schemas.microsoft.com/office/drawing/2010/main" xmlns="" w="9525">
                   <a:solidFill>
                     <a:srgbClr val="000000"/>
                   </a:solidFill>
@@ -1852,7 +1853,7 @@
             </a:ln>
             <a:extLst>
               <a:ext uri="{91240B29-F687-4f45-9708-019B960494DF}">
-                <a14:hiddenLine xmlns="" xmlns:a14="http://schemas.microsoft.com/office/drawing/2010/main" w="9525">
+                <a14:hiddenLine xmlns:a14="http://schemas.microsoft.com/office/drawing/2010/main" xmlns="" w="9525">
                   <a:solidFill>
                     <a:srgbClr val="000000"/>
                   </a:solidFill>
@@ -1908,7 +1909,7 @@
             </a:ln>
             <a:extLst>
               <a:ext uri="{91240B29-F687-4f45-9708-019B960494DF}">
-                <a14:hiddenLine xmlns="" xmlns:a14="http://schemas.microsoft.com/office/drawing/2010/main" w="9525">
+                <a14:hiddenLine xmlns:a14="http://schemas.microsoft.com/office/drawing/2010/main" xmlns="" w="9525">
                   <a:solidFill>
                     <a:srgbClr val="000000"/>
                   </a:solidFill>
@@ -1998,7 +1999,7 @@
             </a:ln>
             <a:extLst>
               <a:ext uri="{91240B29-F687-4f45-9708-019B960494DF}">
-                <a14:hiddenLine xmlns="" xmlns:a14="http://schemas.microsoft.com/office/drawing/2010/main" w="9525">
+                <a14:hiddenLine xmlns:a14="http://schemas.microsoft.com/office/drawing/2010/main" xmlns="" w="9525">
                   <a:solidFill>
                     <a:srgbClr val="000000"/>
                   </a:solidFill>
@@ -2066,7 +2067,7 @@
             </a:ln>
             <a:extLst>
               <a:ext uri="{91240B29-F687-4f45-9708-019B960494DF}">
-                <a14:hiddenLine xmlns="" xmlns:a14="http://schemas.microsoft.com/office/drawing/2010/main" w="9525">
+                <a14:hiddenLine xmlns:a14="http://schemas.microsoft.com/office/drawing/2010/main" xmlns="" w="9525">
                   <a:solidFill>
                     <a:srgbClr val="000000"/>
                   </a:solidFill>
@@ -2156,7 +2157,7 @@
             </a:ln>
             <a:extLst>
               <a:ext uri="{91240B29-F687-4f45-9708-019B960494DF}">
-                <a14:hiddenLine xmlns="" xmlns:a14="http://schemas.microsoft.com/office/drawing/2010/main" w="9525">
+                <a14:hiddenLine xmlns:a14="http://schemas.microsoft.com/office/drawing/2010/main" xmlns="" w="9525">
                   <a:solidFill>
                     <a:srgbClr val="000000"/>
                   </a:solidFill>
@@ -2224,7 +2225,7 @@
             </a:ln>
             <a:extLst>
               <a:ext uri="{91240B29-F687-4f45-9708-019B960494DF}">
-                <a14:hiddenLine xmlns="" xmlns:a14="http://schemas.microsoft.com/office/drawing/2010/main" w="9525">
+                <a14:hiddenLine xmlns:a14="http://schemas.microsoft.com/office/drawing/2010/main" xmlns="" w="9525">
                   <a:solidFill>
                     <a:srgbClr val="000000"/>
                   </a:solidFill>
@@ -2314,7 +2315,7 @@
             </a:ln>
             <a:extLst>
               <a:ext uri="{91240B29-F687-4f45-9708-019B960494DF}">
-                <a14:hiddenLine xmlns="" xmlns:a14="http://schemas.microsoft.com/office/drawing/2010/main" w="9525">
+                <a14:hiddenLine xmlns:a14="http://schemas.microsoft.com/office/drawing/2010/main" xmlns="" w="9525">
                   <a:solidFill>
                     <a:srgbClr val="000000"/>
                   </a:solidFill>
@@ -2348,7 +2349,7 @@
             </a:ln>
             <a:extLst>
               <a:ext uri="{91240B29-F687-4f45-9708-019B960494DF}">
-                <a14:hiddenLine xmlns="" xmlns:a14="http://schemas.microsoft.com/office/drawing/2010/main" w="9525">
+                <a14:hiddenLine xmlns:a14="http://schemas.microsoft.com/office/drawing/2010/main" xmlns="" w="9525">
                   <a:solidFill>
                     <a:srgbClr val="000000"/>
                   </a:solidFill>
@@ -2438,7 +2439,7 @@
             </a:ln>
             <a:extLst>
               <a:ext uri="{91240B29-F687-4f45-9708-019B960494DF}">
-                <a14:hiddenLine xmlns="" xmlns:a14="http://schemas.microsoft.com/office/drawing/2010/main" w="9525">
+                <a14:hiddenLine xmlns:a14="http://schemas.microsoft.com/office/drawing/2010/main" xmlns="" w="9525">
                   <a:solidFill>
                     <a:srgbClr val="000000"/>
                   </a:solidFill>
@@ -2500,7 +2501,7 @@
             </a:ln>
             <a:extLst>
               <a:ext uri="{91240B29-F687-4f45-9708-019B960494DF}">
-                <a14:hiddenLine xmlns="" xmlns:a14="http://schemas.microsoft.com/office/drawing/2010/main" w="9525">
+                <a14:hiddenLine xmlns:a14="http://schemas.microsoft.com/office/drawing/2010/main" xmlns="" w="9525">
                   <a:solidFill>
                     <a:srgbClr val="000000"/>
                   </a:solidFill>
@@ -2562,7 +2563,7 @@
             </a:ln>
             <a:extLst>
               <a:ext uri="{91240B29-F687-4f45-9708-019B960494DF}">
-                <a14:hiddenLine xmlns="" xmlns:a14="http://schemas.microsoft.com/office/drawing/2010/main" w="9525">
+                <a14:hiddenLine xmlns:a14="http://schemas.microsoft.com/office/drawing/2010/main" xmlns="" w="9525">
                   <a:solidFill>
                     <a:srgbClr val="000000"/>
                   </a:solidFill>
@@ -2652,7 +2653,7 @@
             </a:ln>
             <a:extLst>
               <a:ext uri="{91240B29-F687-4f45-9708-019B960494DF}">
-                <a14:hiddenLine xmlns="" xmlns:a14="http://schemas.microsoft.com/office/drawing/2010/main" w="9525">
+                <a14:hiddenLine xmlns:a14="http://schemas.microsoft.com/office/drawing/2010/main" xmlns="" w="9525">
                   <a:solidFill>
                     <a:srgbClr val="000000"/>
                   </a:solidFill>
@@ -2720,7 +2721,7 @@
             </a:ln>
             <a:extLst>
               <a:ext uri="{91240B29-F687-4f45-9708-019B960494DF}">
-                <a14:hiddenLine xmlns="" xmlns:a14="http://schemas.microsoft.com/office/drawing/2010/main" w="9525">
+                <a14:hiddenLine xmlns:a14="http://schemas.microsoft.com/office/drawing/2010/main" xmlns="" w="9525">
                   <a:solidFill>
                     <a:srgbClr val="000000"/>
                   </a:solidFill>
@@ -2782,7 +2783,7 @@
             </a:ln>
             <a:extLst>
               <a:ext uri="{91240B29-F687-4f45-9708-019B960494DF}">
-                <a14:hiddenLine xmlns="" xmlns:a14="http://schemas.microsoft.com/office/drawing/2010/main" w="9525">
+                <a14:hiddenLine xmlns:a14="http://schemas.microsoft.com/office/drawing/2010/main" xmlns="" w="9525">
                   <a:solidFill>
                     <a:srgbClr val="000000"/>
                   </a:solidFill>
@@ -2872,7 +2873,7 @@
             </a:ln>
             <a:extLst>
               <a:ext uri="{91240B29-F687-4f45-9708-019B960494DF}">
-                <a14:hiddenLine xmlns="" xmlns:a14="http://schemas.microsoft.com/office/drawing/2010/main" w="9525">
+                <a14:hiddenLine xmlns:a14="http://schemas.microsoft.com/office/drawing/2010/main" xmlns="" w="9525">
                   <a:solidFill>
                     <a:srgbClr val="000000"/>
                   </a:solidFill>
@@ -2934,7 +2935,7 @@
             </a:ln>
             <a:extLst>
               <a:ext uri="{91240B29-F687-4f45-9708-019B960494DF}">
-                <a14:hiddenLine xmlns="" xmlns:a14="http://schemas.microsoft.com/office/drawing/2010/main" w="9525">
+                <a14:hiddenLine xmlns:a14="http://schemas.microsoft.com/office/drawing/2010/main" xmlns="" w="9525">
                   <a:solidFill>
                     <a:srgbClr val="000000"/>
                   </a:solidFill>
@@ -3024,7 +3025,7 @@
             </a:ln>
             <a:extLst>
               <a:ext uri="{91240B29-F687-4f45-9708-019B960494DF}">
-                <a14:hiddenLine xmlns="" xmlns:a14="http://schemas.microsoft.com/office/drawing/2010/main" w="9525">
+                <a14:hiddenLine xmlns:a14="http://schemas.microsoft.com/office/drawing/2010/main" xmlns="" w="9525">
                   <a:solidFill>
                     <a:srgbClr val="000000"/>
                   </a:solidFill>
@@ -3086,7 +3087,7 @@
             </a:ln>
             <a:extLst>
               <a:ext uri="{91240B29-F687-4f45-9708-019B960494DF}">
-                <a14:hiddenLine xmlns="" xmlns:a14="http://schemas.microsoft.com/office/drawing/2010/main" w="9525">
+                <a14:hiddenLine xmlns:a14="http://schemas.microsoft.com/office/drawing/2010/main" xmlns="" w="9525">
                   <a:solidFill>
                     <a:srgbClr val="000000"/>
                   </a:solidFill>
@@ -3176,7 +3177,7 @@
             </a:ln>
             <a:extLst>
               <a:ext uri="{91240B29-F687-4f45-9708-019B960494DF}">
-                <a14:hiddenLine xmlns="" xmlns:a14="http://schemas.microsoft.com/office/drawing/2010/main" w="9525">
+                <a14:hiddenLine xmlns:a14="http://schemas.microsoft.com/office/drawing/2010/main" xmlns="" w="9525">
                   <a:solidFill>
                     <a:srgbClr val="000000"/>
                   </a:solidFill>
@@ -3210,7 +3211,7 @@
             </a:ln>
             <a:extLst>
               <a:ext uri="{91240B29-F687-4f45-9708-019B960494DF}">
-                <a14:hiddenLine xmlns="" xmlns:a14="http://schemas.microsoft.com/office/drawing/2010/main" w="9525">
+                <a14:hiddenLine xmlns:a14="http://schemas.microsoft.com/office/drawing/2010/main" xmlns="" w="9525">
                   <a:solidFill>
                     <a:srgbClr val="000000"/>
                   </a:solidFill>
@@ -3275,7 +3276,7 @@
             </a:ln>
             <a:extLst>
               <a:ext uri="{91240B29-F687-4f45-9708-019B960494DF}">
-                <a14:hiddenLine xmlns="" xmlns:a14="http://schemas.microsoft.com/office/drawing/2010/main" w="9525">
+                <a14:hiddenLine xmlns:a14="http://schemas.microsoft.com/office/drawing/2010/main" xmlns="" w="9525">
                   <a:solidFill>
                     <a:srgbClr val="000000"/>
                   </a:solidFill>
@@ -3365,7 +3366,7 @@
             </a:ln>
             <a:extLst>
               <a:ext uri="{91240B29-F687-4f45-9708-019B960494DF}">
-                <a14:hiddenLine xmlns="" xmlns:a14="http://schemas.microsoft.com/office/drawing/2010/main" w="9525">
+                <a14:hiddenLine xmlns:a14="http://schemas.microsoft.com/office/drawing/2010/main" xmlns="" w="9525">
                   <a:solidFill>
                     <a:srgbClr val="000000"/>
                   </a:solidFill>
@@ -3427,7 +3428,7 @@
             </a:ln>
             <a:extLst>
               <a:ext uri="{91240B29-F687-4f45-9708-019B960494DF}">
-                <a14:hiddenLine xmlns="" xmlns:a14="http://schemas.microsoft.com/office/drawing/2010/main" w="9525">
+                <a14:hiddenLine xmlns:a14="http://schemas.microsoft.com/office/drawing/2010/main" xmlns="" w="9525">
                   <a:solidFill>
                     <a:srgbClr val="000000"/>
                   </a:solidFill>
@@ -3517,7 +3518,7 @@
             </a:ln>
             <a:extLst>
               <a:ext uri="{91240B29-F687-4f45-9708-019B960494DF}">
-                <a14:hiddenLine xmlns="" xmlns:a14="http://schemas.microsoft.com/office/drawing/2010/main" w="9525">
+                <a14:hiddenLine xmlns:a14="http://schemas.microsoft.com/office/drawing/2010/main" xmlns="" w="9525">
                   <a:solidFill>
                     <a:srgbClr val="000000"/>
                   </a:solidFill>
@@ -3607,7 +3608,7 @@
             </a:ln>
             <a:extLst>
               <a:ext uri="{91240B29-F687-4f45-9708-019B960494DF}">
-                <a14:hiddenLine xmlns="" xmlns:a14="http://schemas.microsoft.com/office/drawing/2010/main" w="9525">
+                <a14:hiddenLine xmlns:a14="http://schemas.microsoft.com/office/drawing/2010/main" xmlns="" w="9525">
                   <a:solidFill>
                     <a:srgbClr val="000000"/>
                   </a:solidFill>
@@ -3672,7 +3673,7 @@
             </a:ln>
             <a:extLst>
               <a:ext uri="{91240B29-F687-4f45-9708-019B960494DF}">
-                <a14:hiddenLine xmlns="" xmlns:a14="http://schemas.microsoft.com/office/drawing/2010/main" w="9525">
+                <a14:hiddenLine xmlns:a14="http://schemas.microsoft.com/office/drawing/2010/main" xmlns="" w="9525">
                   <a:solidFill>
                     <a:srgbClr val="000000"/>
                   </a:solidFill>
@@ -3734,7 +3735,7 @@
             </a:ln>
             <a:extLst>
               <a:ext uri="{91240B29-F687-4f45-9708-019B960494DF}">
-                <a14:hiddenLine xmlns="" xmlns:a14="http://schemas.microsoft.com/office/drawing/2010/main" w="9525">
+                <a14:hiddenLine xmlns:a14="http://schemas.microsoft.com/office/drawing/2010/main" xmlns="" w="9525">
                   <a:solidFill>
                     <a:srgbClr val="000000"/>
                   </a:solidFill>
@@ -3824,7 +3825,7 @@
             </a:ln>
             <a:extLst>
               <a:ext uri="{91240B29-F687-4f45-9708-019B960494DF}">
-                <a14:hiddenLine xmlns="" xmlns:a14="http://schemas.microsoft.com/office/drawing/2010/main" w="9525">
+                <a14:hiddenLine xmlns:a14="http://schemas.microsoft.com/office/drawing/2010/main" xmlns="" w="9525">
                   <a:solidFill>
                     <a:srgbClr val="000000"/>
                   </a:solidFill>
@@ -3914,7 +3915,7 @@
             </a:ln>
             <a:extLst>
               <a:ext uri="{91240B29-F687-4f45-9708-019B960494DF}">
-                <a14:hiddenLine xmlns="" xmlns:a14="http://schemas.microsoft.com/office/drawing/2010/main" w="9525">
+                <a14:hiddenLine xmlns:a14="http://schemas.microsoft.com/office/drawing/2010/main" xmlns="" w="9525">
                   <a:solidFill>
                     <a:srgbClr val="000000"/>
                   </a:solidFill>
@@ -3976,7 +3977,7 @@
             </a:ln>
             <a:extLst>
               <a:ext uri="{91240B29-F687-4f45-9708-019B960494DF}">
-                <a14:hiddenLine xmlns="" xmlns:a14="http://schemas.microsoft.com/office/drawing/2010/main" w="9525">
+                <a14:hiddenLine xmlns:a14="http://schemas.microsoft.com/office/drawing/2010/main" xmlns="" w="9525">
                   <a:solidFill>
                     <a:srgbClr val="000000"/>
                   </a:solidFill>
@@ -4096,7 +4097,7 @@
             </a:ln>
             <a:extLst>
               <a:ext uri="{91240B29-F687-4f45-9708-019B960494DF}">
-                <a14:hiddenLine xmlns="" xmlns:a14="http://schemas.microsoft.com/office/drawing/2010/main" w="9525">
+                <a14:hiddenLine xmlns:a14="http://schemas.microsoft.com/office/drawing/2010/main" xmlns="" w="9525">
                   <a:solidFill>
                     <a:srgbClr val="000000"/>
                   </a:solidFill>
@@ -4164,7 +4165,7 @@
             </a:ln>
             <a:extLst>
               <a:ext uri="{91240B29-F687-4f45-9708-019B960494DF}">
-                <a14:hiddenLine xmlns="" xmlns:a14="http://schemas.microsoft.com/office/drawing/2010/main" w="9525">
+                <a14:hiddenLine xmlns:a14="http://schemas.microsoft.com/office/drawing/2010/main" xmlns="" w="9525">
                   <a:solidFill>
                     <a:srgbClr val="000000"/>
                   </a:solidFill>
@@ -4254,7 +4255,7 @@
             </a:ln>
             <a:extLst>
               <a:ext uri="{91240B29-F687-4f45-9708-019B960494DF}">
-                <a14:hiddenLine xmlns="" xmlns:a14="http://schemas.microsoft.com/office/drawing/2010/main" w="9525">
+                <a14:hiddenLine xmlns:a14="http://schemas.microsoft.com/office/drawing/2010/main" xmlns="" w="9525">
                   <a:solidFill>
                     <a:srgbClr val="000000"/>
                   </a:solidFill>
@@ -4394,7 +4395,7 @@
           <a:p>
             <a:fld id="{48A87A34-81AB-432B-8DAE-1953F412C126}" type="datetimeFigureOut">
               <a:rPr lang="en-US" dirty="0"/>
-              <a:t>4/25/2018</a:t>
+              <a:t>4/26/2018</a:t>
             </a:fld>
             <a:endParaRPr lang="en-US" dirty="0"/>
           </a:p>
@@ -4656,7 +4657,7 @@
           <a:p>
             <a:fld id="{48A87A34-81AB-432B-8DAE-1953F412C126}" type="datetimeFigureOut">
               <a:rPr lang="en-US" dirty="0"/>
-              <a:t>4/25/2018</a:t>
+              <a:t>4/26/2018</a:t>
             </a:fld>
             <a:endParaRPr lang="en-US" dirty="0"/>
           </a:p>
@@ -4847,7 +4848,7 @@
           <a:p>
             <a:fld id="{48A87A34-81AB-432B-8DAE-1953F412C126}" type="datetimeFigureOut">
               <a:rPr lang="en-US" dirty="0"/>
-              <a:t>4/25/2018</a:t>
+              <a:t>4/26/2018</a:t>
             </a:fld>
             <a:endParaRPr lang="en-US" dirty="0"/>
           </a:p>
@@ -5105,7 +5106,7 @@
           <a:p>
             <a:fld id="{48A87A34-81AB-432B-8DAE-1953F412C126}" type="datetimeFigureOut">
               <a:rPr lang="en-US" dirty="0"/>
-              <a:t>4/25/2018</a:t>
+              <a:t>4/26/2018</a:t>
             </a:fld>
             <a:endParaRPr lang="en-US" dirty="0"/>
           </a:p>
@@ -5534,7 +5535,7 @@
           <a:p>
             <a:fld id="{48A87A34-81AB-432B-8DAE-1953F412C126}" type="datetimeFigureOut">
               <a:rPr lang="en-US" dirty="0"/>
-              <a:t>4/25/2018</a:t>
+              <a:t>4/26/2018</a:t>
             </a:fld>
             <a:endParaRPr lang="en-US" dirty="0"/>
           </a:p>
@@ -6075,7 +6076,7 @@
           <a:p>
             <a:fld id="{48A87A34-81AB-432B-8DAE-1953F412C126}" type="datetimeFigureOut">
               <a:rPr lang="en-US" dirty="0"/>
-              <a:t>4/25/2018</a:t>
+              <a:t>4/26/2018</a:t>
             </a:fld>
             <a:endParaRPr lang="en-US" dirty="0"/>
           </a:p>
@@ -6790,7 +6791,7 @@
           <a:p>
             <a:fld id="{48A87A34-81AB-432B-8DAE-1953F412C126}" type="datetimeFigureOut">
               <a:rPr lang="en-US" dirty="0"/>
-              <a:t>4/25/2018</a:t>
+              <a:t>4/26/2018</a:t>
             </a:fld>
             <a:endParaRPr lang="en-US" dirty="0"/>
           </a:p>
@@ -6955,7 +6956,7 @@
           <a:p>
             <a:fld id="{48A87A34-81AB-432B-8DAE-1953F412C126}" type="datetimeFigureOut">
               <a:rPr lang="en-US" dirty="0"/>
-              <a:t>4/25/2018</a:t>
+              <a:t>4/26/2018</a:t>
             </a:fld>
             <a:endParaRPr lang="en-US" dirty="0"/>
           </a:p>
@@ -7130,7 +7131,7 @@
           <a:p>
             <a:fld id="{48A87A34-81AB-432B-8DAE-1953F412C126}" type="datetimeFigureOut">
               <a:rPr lang="en-US" dirty="0"/>
-              <a:t>4/25/2018</a:t>
+              <a:t>4/26/2018</a:t>
             </a:fld>
             <a:endParaRPr lang="en-US" dirty="0"/>
           </a:p>
@@ -7295,7 +7296,7 @@
           <a:p>
             <a:fld id="{48A87A34-81AB-432B-8DAE-1953F412C126}" type="datetimeFigureOut">
               <a:rPr lang="en-US" dirty="0"/>
-              <a:t>4/25/2018</a:t>
+              <a:t>4/26/2018</a:t>
             </a:fld>
             <a:endParaRPr lang="en-US" dirty="0"/>
           </a:p>
@@ -7540,7 +7541,7 @@
           <a:p>
             <a:fld id="{48A87A34-81AB-432B-8DAE-1953F412C126}" type="datetimeFigureOut">
               <a:rPr lang="en-US" dirty="0"/>
-              <a:t>4/25/2018</a:t>
+              <a:t>4/26/2018</a:t>
             </a:fld>
             <a:endParaRPr lang="en-US" dirty="0"/>
           </a:p>
@@ -7767,7 +7768,7 @@
           <a:p>
             <a:fld id="{48A87A34-81AB-432B-8DAE-1953F412C126}" type="datetimeFigureOut">
               <a:rPr lang="en-US" dirty="0"/>
-              <a:t>4/25/2018</a:t>
+              <a:t>4/26/2018</a:t>
             </a:fld>
             <a:endParaRPr lang="en-US" dirty="0"/>
           </a:p>
@@ -8143,7 +8144,7 @@
           <a:p>
             <a:fld id="{48A87A34-81AB-432B-8DAE-1953F412C126}" type="datetimeFigureOut">
               <a:rPr lang="en-US" dirty="0"/>
-              <a:t>4/25/2018</a:t>
+              <a:t>4/26/2018</a:t>
             </a:fld>
             <a:endParaRPr lang="en-US" dirty="0"/>
           </a:p>
@@ -8256,7 +8257,7 @@
           <a:p>
             <a:fld id="{48A87A34-81AB-432B-8DAE-1953F412C126}" type="datetimeFigureOut">
               <a:rPr lang="en-US" dirty="0"/>
-              <a:t>4/25/2018</a:t>
+              <a:t>4/26/2018</a:t>
             </a:fld>
             <a:endParaRPr lang="en-US" dirty="0"/>
           </a:p>
@@ -8346,7 +8347,7 @@
           <a:p>
             <a:fld id="{48A87A34-81AB-432B-8DAE-1953F412C126}" type="datetimeFigureOut">
               <a:rPr lang="en-US" dirty="0"/>
-              <a:t>4/25/2018</a:t>
+              <a:t>4/26/2018</a:t>
             </a:fld>
             <a:endParaRPr lang="en-US" dirty="0"/>
           </a:p>
@@ -8590,7 +8591,7 @@
           <a:p>
             <a:fld id="{48A87A34-81AB-432B-8DAE-1953F412C126}" type="datetimeFigureOut">
               <a:rPr lang="en-US" dirty="0"/>
-              <a:t>4/25/2018</a:t>
+              <a:t>4/26/2018</a:t>
             </a:fld>
             <a:endParaRPr lang="en-US" dirty="0"/>
           </a:p>
@@ -8865,7 +8866,7 @@
           <a:p>
             <a:fld id="{48A87A34-81AB-432B-8DAE-1953F412C126}" type="datetimeFigureOut">
               <a:rPr lang="en-US" dirty="0"/>
-              <a:t>4/25/2018</a:t>
+              <a:t>4/26/2018</a:t>
             </a:fld>
             <a:endParaRPr lang="en-US" dirty="0"/>
           </a:p>
@@ -8976,7 +8977,7 @@
           <a:noFill/>
           <a:extLst>
             <a:ext uri="{909E8E84-426E-40dd-AFC4-6F175D3DCCD1}">
-              <a14:hiddenFill xmlns="" xmlns:a14="http://schemas.microsoft.com/office/drawing/2010/main">
+              <a14:hiddenFill xmlns:a14="http://schemas.microsoft.com/office/drawing/2010/main" xmlns="">
                 <a:solidFill>
                   <a:srgbClr val="FFFFFF"/>
                 </a:solidFill>
@@ -9050,7 +9051,7 @@
               </a:ln>
               <a:extLst>
                 <a:ext uri="{91240B29-F687-4f45-9708-019B960494DF}">
-                  <a14:hiddenLine xmlns="" xmlns:a14="http://schemas.microsoft.com/office/drawing/2010/main" w="9525">
+                  <a14:hiddenLine xmlns:a14="http://schemas.microsoft.com/office/drawing/2010/main" xmlns="" w="9525">
                     <a:solidFill>
                       <a:srgbClr val="000000"/>
                     </a:solidFill>
@@ -9140,7 +9141,7 @@
               </a:ln>
               <a:extLst>
                 <a:ext uri="{91240B29-F687-4f45-9708-019B960494DF}">
-                  <a14:hiddenLine xmlns="" xmlns:a14="http://schemas.microsoft.com/office/drawing/2010/main" w="9525">
+                  <a14:hiddenLine xmlns:a14="http://schemas.microsoft.com/office/drawing/2010/main" xmlns="" w="9525">
                     <a:solidFill>
                       <a:srgbClr val="000000"/>
                     </a:solidFill>
@@ -9230,7 +9231,7 @@
               </a:ln>
               <a:extLst>
                 <a:ext uri="{91240B29-F687-4f45-9708-019B960494DF}">
-                  <a14:hiddenLine xmlns="" xmlns:a14="http://schemas.microsoft.com/office/drawing/2010/main" w="9525">
+                  <a14:hiddenLine xmlns:a14="http://schemas.microsoft.com/office/drawing/2010/main" xmlns="" w="9525">
                     <a:solidFill>
                       <a:srgbClr val="000000"/>
                     </a:solidFill>
@@ -9292,7 +9293,7 @@
               </a:ln>
               <a:extLst>
                 <a:ext uri="{91240B29-F687-4f45-9708-019B960494DF}">
-                  <a14:hiddenLine xmlns="" xmlns:a14="http://schemas.microsoft.com/office/drawing/2010/main" w="9525">
+                  <a14:hiddenLine xmlns:a14="http://schemas.microsoft.com/office/drawing/2010/main" xmlns="" w="9525">
                     <a:solidFill>
                       <a:srgbClr val="000000"/>
                     </a:solidFill>
@@ -9382,7 +9383,7 @@
               </a:ln>
               <a:extLst>
                 <a:ext uri="{91240B29-F687-4f45-9708-019B960494DF}">
-                  <a14:hiddenLine xmlns="" xmlns:a14="http://schemas.microsoft.com/office/drawing/2010/main" w="9525">
+                  <a14:hiddenLine xmlns:a14="http://schemas.microsoft.com/office/drawing/2010/main" xmlns="" w="9525">
                     <a:solidFill>
                       <a:srgbClr val="000000"/>
                     </a:solidFill>
@@ -9444,7 +9445,7 @@
               </a:ln>
               <a:extLst>
                 <a:ext uri="{91240B29-F687-4f45-9708-019B960494DF}">
-                  <a14:hiddenLine xmlns="" xmlns:a14="http://schemas.microsoft.com/office/drawing/2010/main" w="9525">
+                  <a14:hiddenLine xmlns:a14="http://schemas.microsoft.com/office/drawing/2010/main" xmlns="" w="9525">
                     <a:solidFill>
                       <a:srgbClr val="000000"/>
                     </a:solidFill>
@@ -9506,7 +9507,7 @@
               </a:ln>
               <a:extLst>
                 <a:ext uri="{91240B29-F687-4f45-9708-019B960494DF}">
-                  <a14:hiddenLine xmlns="" xmlns:a14="http://schemas.microsoft.com/office/drawing/2010/main" w="9525">
+                  <a14:hiddenLine xmlns:a14="http://schemas.microsoft.com/office/drawing/2010/main" xmlns="" w="9525">
                     <a:solidFill>
                       <a:srgbClr val="000000"/>
                     </a:solidFill>
@@ -9596,7 +9597,7 @@
               </a:ln>
               <a:extLst>
                 <a:ext uri="{91240B29-F687-4f45-9708-019B960494DF}">
-                  <a14:hiddenLine xmlns="" xmlns:a14="http://schemas.microsoft.com/office/drawing/2010/main" w="9525">
+                  <a14:hiddenLine xmlns:a14="http://schemas.microsoft.com/office/drawing/2010/main" xmlns="" w="9525">
                     <a:solidFill>
                       <a:srgbClr val="000000"/>
                     </a:solidFill>
@@ -9686,7 +9687,7 @@
               </a:ln>
               <a:extLst>
                 <a:ext uri="{91240B29-F687-4f45-9708-019B960494DF}">
-                  <a14:hiddenLine xmlns="" xmlns:a14="http://schemas.microsoft.com/office/drawing/2010/main" w="9525">
+                  <a14:hiddenLine xmlns:a14="http://schemas.microsoft.com/office/drawing/2010/main" xmlns="" w="9525">
                     <a:solidFill>
                       <a:srgbClr val="000000"/>
                     </a:solidFill>
@@ -9748,7 +9749,7 @@
               </a:ln>
               <a:extLst>
                 <a:ext uri="{91240B29-F687-4f45-9708-019B960494DF}">
-                  <a14:hiddenLine xmlns="" xmlns:a14="http://schemas.microsoft.com/office/drawing/2010/main" w="9525">
+                  <a14:hiddenLine xmlns:a14="http://schemas.microsoft.com/office/drawing/2010/main" xmlns="" w="9525">
                     <a:solidFill>
                       <a:srgbClr val="000000"/>
                     </a:solidFill>
@@ -9858,7 +9859,7 @@
               </a:ln>
               <a:extLst>
                 <a:ext uri="{91240B29-F687-4f45-9708-019B960494DF}">
-                  <a14:hiddenLine xmlns="" xmlns:a14="http://schemas.microsoft.com/office/drawing/2010/main" w="9525">
+                  <a14:hiddenLine xmlns:a14="http://schemas.microsoft.com/office/drawing/2010/main" xmlns="" w="9525">
                     <a:solidFill>
                       <a:srgbClr val="000000"/>
                     </a:solidFill>
@@ -9942,7 +9943,7 @@
               </a:ln>
               <a:extLst>
                 <a:ext uri="{91240B29-F687-4f45-9708-019B960494DF}">
-                  <a14:hiddenLine xmlns="" xmlns:a14="http://schemas.microsoft.com/office/drawing/2010/main" w="9525">
+                  <a14:hiddenLine xmlns:a14="http://schemas.microsoft.com/office/drawing/2010/main" xmlns="" w="9525">
                     <a:solidFill>
                       <a:srgbClr val="000000"/>
                     </a:solidFill>
@@ -10004,7 +10005,7 @@
               </a:ln>
               <a:extLst>
                 <a:ext uri="{91240B29-F687-4f45-9708-019B960494DF}">
-                  <a14:hiddenLine xmlns="" xmlns:a14="http://schemas.microsoft.com/office/drawing/2010/main" w="9525">
+                  <a14:hiddenLine xmlns:a14="http://schemas.microsoft.com/office/drawing/2010/main" xmlns="" w="9525">
                     <a:solidFill>
                       <a:srgbClr val="000000"/>
                     </a:solidFill>
@@ -10066,7 +10067,7 @@
               </a:ln>
               <a:extLst>
                 <a:ext uri="{91240B29-F687-4f45-9708-019B960494DF}">
-                  <a14:hiddenLine xmlns="" xmlns:a14="http://schemas.microsoft.com/office/drawing/2010/main" w="9525">
+                  <a14:hiddenLine xmlns:a14="http://schemas.microsoft.com/office/drawing/2010/main" xmlns="" w="9525">
                     <a:solidFill>
                       <a:srgbClr val="000000"/>
                     </a:solidFill>
@@ -10156,7 +10157,7 @@
               </a:ln>
               <a:extLst>
                 <a:ext uri="{91240B29-F687-4f45-9708-019B960494DF}">
-                  <a14:hiddenLine xmlns="" xmlns:a14="http://schemas.microsoft.com/office/drawing/2010/main" w="9525">
+                  <a14:hiddenLine xmlns:a14="http://schemas.microsoft.com/office/drawing/2010/main" xmlns="" w="9525">
                     <a:solidFill>
                       <a:srgbClr val="000000"/>
                     </a:solidFill>
@@ -10190,7 +10191,7 @@
               </a:ln>
               <a:extLst>
                 <a:ext uri="{91240B29-F687-4f45-9708-019B960494DF}">
-                  <a14:hiddenLine xmlns="" xmlns:a14="http://schemas.microsoft.com/office/drawing/2010/main" w="9525">
+                  <a14:hiddenLine xmlns:a14="http://schemas.microsoft.com/office/drawing/2010/main" xmlns="" w="9525">
                     <a:solidFill>
                       <a:srgbClr val="000000"/>
                     </a:solidFill>
@@ -10255,7 +10256,7 @@
               </a:ln>
               <a:extLst>
                 <a:ext uri="{91240B29-F687-4f45-9708-019B960494DF}">
-                  <a14:hiddenLine xmlns="" xmlns:a14="http://schemas.microsoft.com/office/drawing/2010/main" w="9525">
+                  <a14:hiddenLine xmlns:a14="http://schemas.microsoft.com/office/drawing/2010/main" xmlns="" w="9525">
                     <a:solidFill>
                       <a:srgbClr val="000000"/>
                     </a:solidFill>
@@ -10345,7 +10346,7 @@
               </a:ln>
               <a:extLst>
                 <a:ext uri="{91240B29-F687-4f45-9708-019B960494DF}">
-                  <a14:hiddenLine xmlns="" xmlns:a14="http://schemas.microsoft.com/office/drawing/2010/main" w="9525">
+                  <a14:hiddenLine xmlns:a14="http://schemas.microsoft.com/office/drawing/2010/main" xmlns="" w="9525">
                     <a:solidFill>
                       <a:srgbClr val="000000"/>
                     </a:solidFill>
@@ -10407,7 +10408,7 @@
               </a:ln>
               <a:extLst>
                 <a:ext uri="{91240B29-F687-4f45-9708-019B960494DF}">
-                  <a14:hiddenLine xmlns="" xmlns:a14="http://schemas.microsoft.com/office/drawing/2010/main" w="9525">
+                  <a14:hiddenLine xmlns:a14="http://schemas.microsoft.com/office/drawing/2010/main" xmlns="" w="9525">
                     <a:solidFill>
                       <a:srgbClr val="000000"/>
                     </a:solidFill>
@@ -10497,7 +10498,7 @@
               </a:ln>
               <a:extLst>
                 <a:ext uri="{91240B29-F687-4f45-9708-019B960494DF}">
-                  <a14:hiddenLine xmlns="" xmlns:a14="http://schemas.microsoft.com/office/drawing/2010/main" w="9525">
+                  <a14:hiddenLine xmlns:a14="http://schemas.microsoft.com/office/drawing/2010/main" xmlns="" w="9525">
                     <a:solidFill>
                       <a:srgbClr val="000000"/>
                     </a:solidFill>
@@ -10562,7 +10563,7 @@
               </a:ln>
               <a:extLst>
                 <a:ext uri="{91240B29-F687-4f45-9708-019B960494DF}">
-                  <a14:hiddenLine xmlns="" xmlns:a14="http://schemas.microsoft.com/office/drawing/2010/main" w="9525">
+                  <a14:hiddenLine xmlns:a14="http://schemas.microsoft.com/office/drawing/2010/main" xmlns="" w="9525">
                     <a:solidFill>
                       <a:srgbClr val="000000"/>
                     </a:solidFill>
@@ -10624,7 +10625,7 @@
               </a:ln>
               <a:extLst>
                 <a:ext uri="{91240B29-F687-4f45-9708-019B960494DF}">
-                  <a14:hiddenLine xmlns="" xmlns:a14="http://schemas.microsoft.com/office/drawing/2010/main" w="9525">
+                  <a14:hiddenLine xmlns:a14="http://schemas.microsoft.com/office/drawing/2010/main" xmlns="" w="9525">
                     <a:solidFill>
                       <a:srgbClr val="000000"/>
                     </a:solidFill>
@@ -10714,7 +10715,7 @@
               </a:ln>
               <a:extLst>
                 <a:ext uri="{91240B29-F687-4f45-9708-019B960494DF}">
-                  <a14:hiddenLine xmlns="" xmlns:a14="http://schemas.microsoft.com/office/drawing/2010/main" w="9525">
+                  <a14:hiddenLine xmlns:a14="http://schemas.microsoft.com/office/drawing/2010/main" xmlns="" w="9525">
                     <a:solidFill>
                       <a:srgbClr val="000000"/>
                     </a:solidFill>
@@ -10804,7 +10805,7 @@
               </a:ln>
               <a:extLst>
                 <a:ext uri="{91240B29-F687-4f45-9708-019B960494DF}">
-                  <a14:hiddenLine xmlns="" xmlns:a14="http://schemas.microsoft.com/office/drawing/2010/main" w="9525">
+                  <a14:hiddenLine xmlns:a14="http://schemas.microsoft.com/office/drawing/2010/main" xmlns="" w="9525">
                     <a:solidFill>
                       <a:srgbClr val="000000"/>
                     </a:solidFill>
@@ -10869,7 +10870,7 @@
               </a:ln>
               <a:extLst>
                 <a:ext uri="{91240B29-F687-4f45-9708-019B960494DF}">
-                  <a14:hiddenLine xmlns="" xmlns:a14="http://schemas.microsoft.com/office/drawing/2010/main" w="9525">
+                  <a14:hiddenLine xmlns:a14="http://schemas.microsoft.com/office/drawing/2010/main" xmlns="" w="9525">
                     <a:solidFill>
                       <a:srgbClr val="000000"/>
                     </a:solidFill>
@@ -10989,7 +10990,7 @@
               </a:ln>
               <a:extLst>
                 <a:ext uri="{91240B29-F687-4f45-9708-019B960494DF}">
-                  <a14:hiddenLine xmlns="" xmlns:a14="http://schemas.microsoft.com/office/drawing/2010/main" w="9525">
+                  <a14:hiddenLine xmlns:a14="http://schemas.microsoft.com/office/drawing/2010/main" xmlns="" w="9525">
                     <a:solidFill>
                       <a:srgbClr val="000000"/>
                     </a:solidFill>
@@ -11087,7 +11088,7 @@
               </a:ln>
               <a:extLst>
                 <a:ext uri="{91240B29-F687-4f45-9708-019B960494DF}">
-                  <a14:hiddenLine xmlns="" xmlns:a14="http://schemas.microsoft.com/office/drawing/2010/main" w="9525">
+                  <a14:hiddenLine xmlns:a14="http://schemas.microsoft.com/office/drawing/2010/main" xmlns="" w="9525">
                     <a:solidFill>
                       <a:srgbClr val="000000"/>
                     </a:solidFill>
@@ -11202,7 +11203,7 @@
               </a:ln>
               <a:extLst>
                 <a:ext uri="{91240B29-F687-4f45-9708-019B960494DF}">
-                  <a14:hiddenLine xmlns="" xmlns:a14="http://schemas.microsoft.com/office/drawing/2010/main" w="9525">
+                  <a14:hiddenLine xmlns:a14="http://schemas.microsoft.com/office/drawing/2010/main" xmlns="" w="9525">
                     <a:solidFill>
                       <a:srgbClr val="000000"/>
                     </a:solidFill>
@@ -11292,7 +11293,7 @@
               </a:ln>
               <a:extLst>
                 <a:ext uri="{91240B29-F687-4f45-9708-019B960494DF}">
-                  <a14:hiddenLine xmlns="" xmlns:a14="http://schemas.microsoft.com/office/drawing/2010/main" w="9525">
+                  <a14:hiddenLine xmlns:a14="http://schemas.microsoft.com/office/drawing/2010/main" xmlns="" w="9525">
                     <a:solidFill>
                       <a:srgbClr val="000000"/>
                     </a:solidFill>
@@ -11357,7 +11358,7 @@
               </a:ln>
               <a:extLst>
                 <a:ext uri="{91240B29-F687-4f45-9708-019B960494DF}">
-                  <a14:hiddenLine xmlns="" xmlns:a14="http://schemas.microsoft.com/office/drawing/2010/main" w="9525">
+                  <a14:hiddenLine xmlns:a14="http://schemas.microsoft.com/office/drawing/2010/main" xmlns="" w="9525">
                     <a:solidFill>
                       <a:srgbClr val="000000"/>
                     </a:solidFill>
@@ -11447,7 +11448,7 @@
               </a:ln>
               <a:extLst>
                 <a:ext uri="{91240B29-F687-4f45-9708-019B960494DF}">
-                  <a14:hiddenLine xmlns="" xmlns:a14="http://schemas.microsoft.com/office/drawing/2010/main" w="9525">
+                  <a14:hiddenLine xmlns:a14="http://schemas.microsoft.com/office/drawing/2010/main" xmlns="" w="9525">
                     <a:solidFill>
                       <a:srgbClr val="000000"/>
                     </a:solidFill>
@@ -11515,7 +11516,7 @@
               </a:ln>
               <a:extLst>
                 <a:ext uri="{91240B29-F687-4f45-9708-019B960494DF}">
-                  <a14:hiddenLine xmlns="" xmlns:a14="http://schemas.microsoft.com/office/drawing/2010/main" w="9525">
+                  <a14:hiddenLine xmlns:a14="http://schemas.microsoft.com/office/drawing/2010/main" xmlns="" w="9525">
                     <a:solidFill>
                       <a:srgbClr val="000000"/>
                     </a:solidFill>
@@ -11605,7 +11606,7 @@
               </a:ln>
               <a:extLst>
                 <a:ext uri="{91240B29-F687-4f45-9708-019B960494DF}">
-                  <a14:hiddenLine xmlns="" xmlns:a14="http://schemas.microsoft.com/office/drawing/2010/main" w="9525">
+                  <a14:hiddenLine xmlns:a14="http://schemas.microsoft.com/office/drawing/2010/main" xmlns="" w="9525">
                     <a:solidFill>
                       <a:srgbClr val="000000"/>
                     </a:solidFill>
@@ -11673,7 +11674,7 @@
               </a:ln>
               <a:extLst>
                 <a:ext uri="{91240B29-F687-4f45-9708-019B960494DF}">
-                  <a14:hiddenLine xmlns="" xmlns:a14="http://schemas.microsoft.com/office/drawing/2010/main" w="9525">
+                  <a14:hiddenLine xmlns:a14="http://schemas.microsoft.com/office/drawing/2010/main" xmlns="" w="9525">
                     <a:solidFill>
                       <a:srgbClr val="000000"/>
                     </a:solidFill>
@@ -11763,7 +11764,7 @@
               </a:ln>
               <a:extLst>
                 <a:ext uri="{91240B29-F687-4f45-9708-019B960494DF}">
-                  <a14:hiddenLine xmlns="" xmlns:a14="http://schemas.microsoft.com/office/drawing/2010/main" w="9525">
+                  <a14:hiddenLine xmlns:a14="http://schemas.microsoft.com/office/drawing/2010/main" xmlns="" w="9525">
                     <a:solidFill>
                       <a:srgbClr val="000000"/>
                     </a:solidFill>
@@ -11797,7 +11798,7 @@
               </a:ln>
               <a:extLst>
                 <a:ext uri="{91240B29-F687-4f45-9708-019B960494DF}">
-                  <a14:hiddenLine xmlns="" xmlns:a14="http://schemas.microsoft.com/office/drawing/2010/main" w="9525">
+                  <a14:hiddenLine xmlns:a14="http://schemas.microsoft.com/office/drawing/2010/main" xmlns="" w="9525">
                     <a:solidFill>
                       <a:srgbClr val="000000"/>
                     </a:solidFill>
@@ -11938,7 +11939,7 @@
             <a:fld id="{48A87A34-81AB-432B-8DAE-1953F412C126}" type="datetimeFigureOut">
               <a:rPr lang="en-US" dirty="0"/>
               <a:pPr/>
-              <a:t>4/25/2018</a:t>
+              <a:t>4/26/2018</a:t>
             </a:fld>
             <a:endParaRPr lang="en-US" dirty="0"/>
           </a:p>
@@ -12577,7 +12578,7 @@
           <a:p>
             <a:r>
               <a:rPr lang="en-US" dirty="0"/>
-              <a:t>If successful, in the future, this could be applied to other instruments, chords with either one instrument or different instruments, melodies, etc.</a:t>
+              <a:t>If somewhat or completely successful, in the future, this could be applied to other instruments, chords with either one instrument or different instruments, melodies, etc.</a:t>
             </a:r>
           </a:p>
           <a:p>
@@ -14554,6 +14555,1551 @@
       </p:grpSpPr>
       <p:sp>
         <p:nvSpPr>
+          <p:cNvPr id="67" name="Alternate Process 15">
+            <a:extLst/>
+          </p:cNvPr>
+          <p:cNvSpPr/>
+          <p:nvPr/>
+        </p:nvSpPr>
+        <p:spPr>
+          <a:xfrm>
+            <a:off x="3224950" y="854104"/>
+            <a:ext cx="1371600" cy="457200"/>
+          </a:xfrm>
+          <a:prstGeom prst="flowChartAlternateProcess">
+            <a:avLst/>
+          </a:prstGeom>
+          <a:solidFill>
+            <a:schemeClr val="accent5"/>
+          </a:solidFill>
+          <a:ln>
+            <a:solidFill>
+              <a:schemeClr val="accent5">
+                <a:lumMod val="75000"/>
+              </a:schemeClr>
+            </a:solidFill>
+          </a:ln>
+        </p:spPr>
+        <p:style>
+          <a:lnRef idx="2">
+            <a:schemeClr val="accent1">
+              <a:shade val="50000"/>
+            </a:schemeClr>
+          </a:lnRef>
+          <a:fillRef idx="1">
+            <a:schemeClr val="accent1"/>
+          </a:fillRef>
+          <a:effectRef idx="0">
+            <a:schemeClr val="accent1"/>
+          </a:effectRef>
+          <a:fontRef idx="minor">
+            <a:schemeClr val="lt1"/>
+          </a:fontRef>
+        </p:style>
+        <p:txBody>
+          <a:bodyPr rtlCol="0" anchor="ctr"/>
+          <a:lstStyle/>
+          <a:p>
+            <a:pPr algn="ctr"/>
+            <a:endParaRPr lang="en-US" sz="1400" dirty="0"/>
+          </a:p>
+        </p:txBody>
+      </p:sp>
+      <p:sp>
+        <p:nvSpPr>
+          <p:cNvPr id="68" name="Alternate Process 15">
+            <a:extLst/>
+          </p:cNvPr>
+          <p:cNvSpPr/>
+          <p:nvPr/>
+        </p:nvSpPr>
+        <p:spPr>
+          <a:xfrm>
+            <a:off x="3149887" y="926073"/>
+            <a:ext cx="1371600" cy="457200"/>
+          </a:xfrm>
+          <a:prstGeom prst="flowChartAlternateProcess">
+            <a:avLst/>
+          </a:prstGeom>
+          <a:solidFill>
+            <a:schemeClr val="accent5"/>
+          </a:solidFill>
+          <a:ln>
+            <a:solidFill>
+              <a:schemeClr val="accent5">
+                <a:lumMod val="75000"/>
+              </a:schemeClr>
+            </a:solidFill>
+          </a:ln>
+        </p:spPr>
+        <p:style>
+          <a:lnRef idx="2">
+            <a:schemeClr val="accent1">
+              <a:shade val="50000"/>
+            </a:schemeClr>
+          </a:lnRef>
+          <a:fillRef idx="1">
+            <a:schemeClr val="accent1"/>
+          </a:fillRef>
+          <a:effectRef idx="0">
+            <a:schemeClr val="accent1"/>
+          </a:effectRef>
+          <a:fontRef idx="minor">
+            <a:schemeClr val="lt1"/>
+          </a:fontRef>
+        </p:style>
+        <p:txBody>
+          <a:bodyPr rtlCol="0" anchor="ctr"/>
+          <a:lstStyle/>
+          <a:p>
+            <a:pPr algn="ctr"/>
+            <a:endParaRPr lang="en-US" sz="1400" dirty="0"/>
+          </a:p>
+        </p:txBody>
+      </p:sp>
+      <p:sp>
+        <p:nvSpPr>
+          <p:cNvPr id="29" name="TextBox 28">
+            <a:extLst/>
+          </p:cNvPr>
+          <p:cNvSpPr txBox="1"/>
+          <p:nvPr/>
+        </p:nvSpPr>
+        <p:spPr>
+          <a:xfrm>
+            <a:off x="7435522" y="935630"/>
+            <a:ext cx="3474720" cy="640080"/>
+          </a:xfrm>
+          <a:prstGeom prst="rect">
+            <a:avLst/>
+          </a:prstGeom>
+          <a:noFill/>
+          <a:ln w="38100">
+            <a:solidFill>
+              <a:schemeClr val="tx1"/>
+            </a:solidFill>
+            <a:prstDash val="dash"/>
+          </a:ln>
+        </p:spPr>
+        <p:txBody>
+          <a:bodyPr wrap="square" rtlCol="0">
+            <a:spAutoFit/>
+          </a:bodyPr>
+          <a:lstStyle/>
+          <a:p>
+            <a:endParaRPr lang="en-US" dirty="0"/>
+          </a:p>
+        </p:txBody>
+      </p:sp>
+      <p:sp>
+        <p:nvSpPr>
+          <p:cNvPr id="4" name="TextBox 3">
+            <a:extLst/>
+          </p:cNvPr>
+          <p:cNvSpPr txBox="1"/>
+          <p:nvPr/>
+        </p:nvSpPr>
+        <p:spPr>
+          <a:xfrm>
+            <a:off x="7435522" y="2088280"/>
+            <a:ext cx="3474720" cy="914400"/>
+          </a:xfrm>
+          <a:prstGeom prst="rect">
+            <a:avLst/>
+          </a:prstGeom>
+          <a:noFill/>
+          <a:ln w="38100">
+            <a:solidFill>
+              <a:schemeClr val="tx1"/>
+            </a:solidFill>
+            <a:prstDash val="dash"/>
+          </a:ln>
+        </p:spPr>
+        <p:txBody>
+          <a:bodyPr wrap="square" rtlCol="0">
+            <a:spAutoFit/>
+          </a:bodyPr>
+          <a:lstStyle/>
+          <a:p>
+            <a:endParaRPr lang="en-US" dirty="0"/>
+          </a:p>
+        </p:txBody>
+      </p:sp>
+      <p:sp>
+        <p:nvSpPr>
+          <p:cNvPr id="5" name="Alternate Process 3">
+            <a:extLst/>
+          </p:cNvPr>
+          <p:cNvSpPr/>
+          <p:nvPr/>
+        </p:nvSpPr>
+        <p:spPr>
+          <a:xfrm>
+            <a:off x="7527307" y="2179384"/>
+            <a:ext cx="1371600" cy="731520"/>
+          </a:xfrm>
+          <a:prstGeom prst="flowChartAlternateProcess">
+            <a:avLst/>
+          </a:prstGeom>
+          <a:solidFill>
+            <a:schemeClr val="accent5"/>
+          </a:solidFill>
+          <a:ln>
+            <a:solidFill>
+              <a:schemeClr val="accent5">
+                <a:lumMod val="75000"/>
+              </a:schemeClr>
+            </a:solidFill>
+          </a:ln>
+        </p:spPr>
+        <p:style>
+          <a:lnRef idx="2">
+            <a:schemeClr val="accent1">
+              <a:shade val="50000"/>
+            </a:schemeClr>
+          </a:lnRef>
+          <a:fillRef idx="1">
+            <a:schemeClr val="accent1"/>
+          </a:fillRef>
+          <a:effectRef idx="0">
+            <a:schemeClr val="accent1"/>
+          </a:effectRef>
+          <a:fontRef idx="minor">
+            <a:schemeClr val="lt1"/>
+          </a:fontRef>
+        </p:style>
+        <p:txBody>
+          <a:bodyPr rtlCol="0" anchor="ctr"/>
+          <a:lstStyle/>
+          <a:p>
+            <a:pPr algn="ctr"/>
+            <a:r>
+              <a:rPr lang="en-US" sz="1400" dirty="0"/>
+              <a:t>Generated</a:t>
+            </a:r>
+          </a:p>
+          <a:p>
+            <a:pPr algn="ctr"/>
+            <a:r>
+              <a:rPr lang="en-US" sz="1400" dirty="0"/>
+              <a:t>spectrograms</a:t>
+            </a:r>
+          </a:p>
+          <a:p>
+            <a:pPr algn="ctr"/>
+            <a:r>
+              <a:rPr lang="en-US" sz="1400" dirty="0"/>
+              <a:t>“Fake” data</a:t>
+            </a:r>
+          </a:p>
+        </p:txBody>
+      </p:sp>
+      <p:sp>
+        <p:nvSpPr>
+          <p:cNvPr id="8" name="Process 7">
+            <a:extLst/>
+          </p:cNvPr>
+          <p:cNvSpPr/>
+          <p:nvPr/>
+        </p:nvSpPr>
+        <p:spPr>
+          <a:xfrm>
+            <a:off x="7601847" y="3498902"/>
+            <a:ext cx="3111344" cy="1097280"/>
+          </a:xfrm>
+          <a:prstGeom prst="flowChartProcess">
+            <a:avLst/>
+          </a:prstGeom>
+        </p:spPr>
+        <p:style>
+          <a:lnRef idx="2">
+            <a:schemeClr val="accent1">
+              <a:shade val="50000"/>
+            </a:schemeClr>
+          </a:lnRef>
+          <a:fillRef idx="1">
+            <a:schemeClr val="accent1"/>
+          </a:fillRef>
+          <a:effectRef idx="0">
+            <a:schemeClr val="accent1"/>
+          </a:effectRef>
+          <a:fontRef idx="minor">
+            <a:schemeClr val="lt1"/>
+          </a:fontRef>
+        </p:style>
+        <p:txBody>
+          <a:bodyPr rtlCol="0" anchor="ctr"/>
+          <a:lstStyle/>
+          <a:p>
+            <a:pPr algn="ctr"/>
+            <a:r>
+              <a:rPr lang="en-US" sz="2000" dirty="0"/>
+              <a:t>Discriminator Network (D(x))</a:t>
+            </a:r>
+          </a:p>
+          <a:p>
+            <a:pPr algn="ctr"/>
+            <a:r>
+              <a:rPr lang="en-US" sz="1400" dirty="0"/>
+              <a:t>Trained to decipher between real and fake spectrograms</a:t>
+            </a:r>
+          </a:p>
+        </p:txBody>
+      </p:sp>
+      <p:sp>
+        <p:nvSpPr>
+          <p:cNvPr id="9" name="Alternate Process 8">
+            <a:extLst/>
+          </p:cNvPr>
+          <p:cNvSpPr/>
+          <p:nvPr/>
+        </p:nvSpPr>
+        <p:spPr>
+          <a:xfrm>
+            <a:off x="9408512" y="2183681"/>
+            <a:ext cx="1371600" cy="731520"/>
+          </a:xfrm>
+          <a:prstGeom prst="flowChartAlternateProcess">
+            <a:avLst/>
+          </a:prstGeom>
+          <a:ln/>
+        </p:spPr>
+        <p:style>
+          <a:lnRef idx="2">
+            <a:schemeClr val="accent1">
+              <a:shade val="50000"/>
+            </a:schemeClr>
+          </a:lnRef>
+          <a:fillRef idx="1">
+            <a:schemeClr val="accent1"/>
+          </a:fillRef>
+          <a:effectRef idx="0">
+            <a:schemeClr val="accent1"/>
+          </a:effectRef>
+          <a:fontRef idx="minor">
+            <a:schemeClr val="lt1"/>
+          </a:fontRef>
+        </p:style>
+        <p:txBody>
+          <a:bodyPr rtlCol="0" anchor="ctr"/>
+          <a:lstStyle/>
+          <a:p>
+            <a:pPr algn="ctr"/>
+            <a:r>
+              <a:rPr lang="en-US" sz="1400" dirty="0"/>
+              <a:t>Training</a:t>
+            </a:r>
+          </a:p>
+          <a:p>
+            <a:pPr algn="ctr"/>
+            <a:r>
+              <a:rPr lang="en-US" sz="1400" dirty="0"/>
+              <a:t>spectrograms</a:t>
+            </a:r>
+          </a:p>
+          <a:p>
+            <a:pPr algn="ctr"/>
+            <a:r>
+              <a:rPr lang="en-US" sz="1400" dirty="0"/>
+              <a:t>“Real” data</a:t>
+            </a:r>
+          </a:p>
+        </p:txBody>
+      </p:sp>
+      <p:sp>
+        <p:nvSpPr>
+          <p:cNvPr id="10" name="Right Arrow 11">
+            <a:extLst/>
+          </p:cNvPr>
+          <p:cNvSpPr/>
+          <p:nvPr/>
+        </p:nvSpPr>
+        <p:spPr>
+          <a:xfrm>
+            <a:off x="8907110" y="5196151"/>
+            <a:ext cx="433162" cy="405191"/>
+          </a:xfrm>
+          <a:prstGeom prst="rightArrow">
+            <a:avLst/>
+          </a:prstGeom>
+        </p:spPr>
+        <p:style>
+          <a:lnRef idx="2">
+            <a:schemeClr val="accent1">
+              <a:shade val="50000"/>
+            </a:schemeClr>
+          </a:lnRef>
+          <a:fillRef idx="1">
+            <a:schemeClr val="accent1"/>
+          </a:fillRef>
+          <a:effectRef idx="0">
+            <a:schemeClr val="accent1"/>
+          </a:effectRef>
+          <a:fontRef idx="minor">
+            <a:schemeClr val="lt1"/>
+          </a:fontRef>
+        </p:style>
+        <p:txBody>
+          <a:bodyPr rtlCol="0" anchor="ctr"/>
+          <a:lstStyle/>
+          <a:p>
+            <a:pPr algn="ctr"/>
+            <a:endParaRPr lang="en-US" sz="1200" dirty="0"/>
+          </a:p>
+        </p:txBody>
+      </p:sp>
+      <p:sp>
+        <p:nvSpPr>
+          <p:cNvPr id="11" name="Alternate Process 12">
+            <a:extLst/>
+          </p:cNvPr>
+          <p:cNvSpPr/>
+          <p:nvPr/>
+        </p:nvSpPr>
+        <p:spPr>
+          <a:xfrm>
+            <a:off x="7556212" y="5104925"/>
+            <a:ext cx="1280160" cy="731520"/>
+          </a:xfrm>
+          <a:prstGeom prst="flowChartAlternateProcess">
+            <a:avLst/>
+          </a:prstGeom>
+        </p:spPr>
+        <p:style>
+          <a:lnRef idx="2">
+            <a:schemeClr val="accent1">
+              <a:shade val="50000"/>
+            </a:schemeClr>
+          </a:lnRef>
+          <a:fillRef idx="1">
+            <a:schemeClr val="accent1"/>
+          </a:fillRef>
+          <a:effectRef idx="0">
+            <a:schemeClr val="accent1"/>
+          </a:effectRef>
+          <a:fontRef idx="minor">
+            <a:schemeClr val="lt1"/>
+          </a:fontRef>
+        </p:style>
+        <p:txBody>
+          <a:bodyPr rtlCol="0" anchor="ctr"/>
+          <a:lstStyle/>
+          <a:p>
+            <a:pPr algn="ctr"/>
+            <a:r>
+              <a:rPr lang="en-US" sz="1400" dirty="0"/>
+              <a:t># within 0-1</a:t>
+            </a:r>
+          </a:p>
+          <a:p>
+            <a:pPr algn="ctr"/>
+            <a:r>
+              <a:rPr lang="en-US" sz="1400" dirty="0"/>
+              <a:t>0 = fake</a:t>
+            </a:r>
+          </a:p>
+          <a:p>
+            <a:pPr algn="ctr"/>
+            <a:r>
+              <a:rPr lang="en-US" sz="1400" dirty="0"/>
+              <a:t>1= real</a:t>
+            </a:r>
+          </a:p>
+        </p:txBody>
+      </p:sp>
+      <p:sp>
+        <p:nvSpPr>
+          <p:cNvPr id="19" name="Alternate Process 24">
+            <a:extLst/>
+          </p:cNvPr>
+          <p:cNvSpPr/>
+          <p:nvPr/>
+        </p:nvSpPr>
+        <p:spPr>
+          <a:xfrm>
+            <a:off x="9411010" y="5104925"/>
+            <a:ext cx="1280160" cy="731520"/>
+          </a:xfrm>
+          <a:prstGeom prst="flowChartAlternateProcess">
+            <a:avLst/>
+          </a:prstGeom>
+        </p:spPr>
+        <p:style>
+          <a:lnRef idx="2">
+            <a:schemeClr val="accent1">
+              <a:shade val="50000"/>
+            </a:schemeClr>
+          </a:lnRef>
+          <a:fillRef idx="1">
+            <a:schemeClr val="accent1"/>
+          </a:fillRef>
+          <a:effectRef idx="0">
+            <a:schemeClr val="accent1"/>
+          </a:effectRef>
+          <a:fontRef idx="minor">
+            <a:schemeClr val="lt1"/>
+          </a:fontRef>
+        </p:style>
+        <p:txBody>
+          <a:bodyPr rtlCol="0" anchor="ctr"/>
+          <a:lstStyle/>
+          <a:p>
+            <a:pPr algn="ctr"/>
+            <a:r>
+              <a:rPr lang="en-US" sz="1400" dirty="0"/>
+              <a:t>log(D(real)) + </a:t>
+            </a:r>
+          </a:p>
+          <a:p>
+            <a:pPr algn="ctr"/>
+            <a:r>
+              <a:rPr lang="en-US" sz="1400" dirty="0"/>
+              <a:t>log(1-D(generated))</a:t>
+            </a:r>
+          </a:p>
+        </p:txBody>
+      </p:sp>
+      <p:sp>
+        <p:nvSpPr>
+          <p:cNvPr id="26" name="Alternate Process 2">
+            <a:extLst/>
+          </p:cNvPr>
+          <p:cNvSpPr/>
+          <p:nvPr/>
+        </p:nvSpPr>
+        <p:spPr>
+          <a:xfrm>
+            <a:off x="7532719" y="1016255"/>
+            <a:ext cx="1371600" cy="457200"/>
+          </a:xfrm>
+          <a:prstGeom prst="flowChartAlternateProcess">
+            <a:avLst/>
+          </a:prstGeom>
+        </p:spPr>
+        <p:style>
+          <a:lnRef idx="2">
+            <a:schemeClr val="accent1">
+              <a:shade val="50000"/>
+            </a:schemeClr>
+          </a:lnRef>
+          <a:fillRef idx="1">
+            <a:schemeClr val="accent1"/>
+          </a:fillRef>
+          <a:effectRef idx="0">
+            <a:schemeClr val="accent1"/>
+          </a:effectRef>
+          <a:fontRef idx="minor">
+            <a:schemeClr val="lt1"/>
+          </a:fontRef>
+        </p:style>
+        <p:txBody>
+          <a:bodyPr rtlCol="0" anchor="ctr"/>
+          <a:lstStyle/>
+          <a:p>
+            <a:pPr algn="ctr"/>
+            <a:r>
+              <a:rPr lang="en-US" sz="1400" dirty="0"/>
+              <a:t>Record clarinet playing</a:t>
+            </a:r>
+          </a:p>
+        </p:txBody>
+      </p:sp>
+      <p:sp>
+        <p:nvSpPr>
+          <p:cNvPr id="27" name="Alternate Process 2">
+            <a:extLst/>
+          </p:cNvPr>
+          <p:cNvSpPr/>
+          <p:nvPr/>
+        </p:nvSpPr>
+        <p:spPr>
+          <a:xfrm>
+            <a:off x="9435016" y="1016255"/>
+            <a:ext cx="1371600" cy="455327"/>
+          </a:xfrm>
+          <a:prstGeom prst="flowChartAlternateProcess">
+            <a:avLst/>
+          </a:prstGeom>
+        </p:spPr>
+        <p:style>
+          <a:lnRef idx="2">
+            <a:schemeClr val="accent1">
+              <a:shade val="50000"/>
+            </a:schemeClr>
+          </a:lnRef>
+          <a:fillRef idx="1">
+            <a:schemeClr val="accent1"/>
+          </a:fillRef>
+          <a:effectRef idx="0">
+            <a:schemeClr val="accent1"/>
+          </a:effectRef>
+          <a:fontRef idx="minor">
+            <a:schemeClr val="lt1"/>
+          </a:fontRef>
+        </p:style>
+        <p:txBody>
+          <a:bodyPr rtlCol="0" anchor="ctr"/>
+          <a:lstStyle/>
+          <a:p>
+            <a:pPr algn="ctr"/>
+            <a:r>
+              <a:rPr lang="en-US" sz="1400" dirty="0"/>
+              <a:t>Extract from database</a:t>
+            </a:r>
+          </a:p>
+        </p:txBody>
+      </p:sp>
+      <p:sp>
+        <p:nvSpPr>
+          <p:cNvPr id="28" name="TextBox 27">
+            <a:extLst/>
+          </p:cNvPr>
+          <p:cNvSpPr txBox="1"/>
+          <p:nvPr/>
+        </p:nvSpPr>
+        <p:spPr>
+          <a:xfrm>
+            <a:off x="9016823" y="1102338"/>
+            <a:ext cx="391689" cy="276999"/>
+          </a:xfrm>
+          <a:prstGeom prst="rect">
+            <a:avLst/>
+          </a:prstGeom>
+          <a:noFill/>
+        </p:spPr>
+        <p:txBody>
+          <a:bodyPr wrap="square" rtlCol="0">
+            <a:spAutoFit/>
+          </a:bodyPr>
+          <a:lstStyle/>
+          <a:p>
+            <a:r>
+              <a:rPr lang="en-US" sz="1200" dirty="0"/>
+              <a:t>or</a:t>
+            </a:r>
+          </a:p>
+        </p:txBody>
+      </p:sp>
+      <p:sp>
+        <p:nvSpPr>
+          <p:cNvPr id="30" name="Right Arrow 5">
+            <a:extLst/>
+          </p:cNvPr>
+          <p:cNvSpPr/>
+          <p:nvPr/>
+        </p:nvSpPr>
+        <p:spPr>
+          <a:xfrm rot="5400000">
+            <a:off x="9007986" y="1278369"/>
+            <a:ext cx="329791" cy="1157079"/>
+          </a:xfrm>
+          <a:prstGeom prst="rightArrow">
+            <a:avLst/>
+          </a:prstGeom>
+        </p:spPr>
+        <p:style>
+          <a:lnRef idx="2">
+            <a:schemeClr val="accent1">
+              <a:shade val="50000"/>
+            </a:schemeClr>
+          </a:lnRef>
+          <a:fillRef idx="1">
+            <a:schemeClr val="accent1"/>
+          </a:fillRef>
+          <a:effectRef idx="0">
+            <a:schemeClr val="accent1"/>
+          </a:effectRef>
+          <a:fontRef idx="minor">
+            <a:schemeClr val="lt1"/>
+          </a:fontRef>
+        </p:style>
+        <p:txBody>
+          <a:bodyPr rtlCol="0" anchor="ctr">
+            <a:scene3d>
+              <a:camera prst="orthographicFront">
+                <a:rot lat="0" lon="0" rev="5400000"/>
+              </a:camera>
+              <a:lightRig rig="threePt" dir="t"/>
+            </a:scene3d>
+          </a:bodyPr>
+          <a:lstStyle/>
+          <a:p>
+            <a:pPr algn="ctr"/>
+            <a:endParaRPr lang="en-US" sz="1400" dirty="0"/>
+          </a:p>
+        </p:txBody>
+      </p:sp>
+      <p:sp>
+        <p:nvSpPr>
+          <p:cNvPr id="33" name="TextBox 32"/>
+          <p:cNvSpPr txBox="1"/>
+          <p:nvPr/>
+        </p:nvSpPr>
+        <p:spPr>
+          <a:xfrm>
+            <a:off x="8639084" y="1656335"/>
+            <a:ext cx="1399373" cy="338554"/>
+          </a:xfrm>
+          <a:prstGeom prst="rect">
+            <a:avLst/>
+          </a:prstGeom>
+          <a:noFill/>
+        </p:spPr>
+        <p:txBody>
+          <a:bodyPr wrap="square" rtlCol="0">
+            <a:spAutoFit/>
+          </a:bodyPr>
+          <a:lstStyle/>
+          <a:p>
+            <a:r>
+              <a:rPr lang="en-US" sz="1600" dirty="0"/>
+              <a:t>Pre-process</a:t>
+            </a:r>
+          </a:p>
+        </p:txBody>
+      </p:sp>
+      <p:sp>
+        <p:nvSpPr>
+          <p:cNvPr id="34" name="TextBox 33">
+            <a:extLst/>
+          </p:cNvPr>
+          <p:cNvSpPr txBox="1"/>
+          <p:nvPr/>
+        </p:nvSpPr>
+        <p:spPr>
+          <a:xfrm>
+            <a:off x="8947485" y="2360924"/>
+            <a:ext cx="430850" cy="276999"/>
+          </a:xfrm>
+          <a:prstGeom prst="rect">
+            <a:avLst/>
+          </a:prstGeom>
+          <a:noFill/>
+        </p:spPr>
+        <p:txBody>
+          <a:bodyPr wrap="square" rtlCol="0">
+            <a:spAutoFit/>
+          </a:bodyPr>
+          <a:lstStyle/>
+          <a:p>
+            <a:r>
+              <a:rPr lang="en-US" sz="1200" dirty="0"/>
+              <a:t>and</a:t>
+            </a:r>
+          </a:p>
+        </p:txBody>
+      </p:sp>
+      <p:sp>
+        <p:nvSpPr>
+          <p:cNvPr id="37" name="Right Arrow 5">
+            <a:extLst/>
+          </p:cNvPr>
+          <p:cNvSpPr/>
+          <p:nvPr/>
+        </p:nvSpPr>
+        <p:spPr>
+          <a:xfrm rot="5400000">
+            <a:off x="9003014" y="2695457"/>
+            <a:ext cx="329791" cy="1157079"/>
+          </a:xfrm>
+          <a:prstGeom prst="rightArrow">
+            <a:avLst/>
+          </a:prstGeom>
+        </p:spPr>
+        <p:style>
+          <a:lnRef idx="2">
+            <a:schemeClr val="accent1">
+              <a:shade val="50000"/>
+            </a:schemeClr>
+          </a:lnRef>
+          <a:fillRef idx="1">
+            <a:schemeClr val="accent1"/>
+          </a:fillRef>
+          <a:effectRef idx="0">
+            <a:schemeClr val="accent1"/>
+          </a:effectRef>
+          <a:fontRef idx="minor">
+            <a:schemeClr val="lt1"/>
+          </a:fontRef>
+        </p:style>
+        <p:txBody>
+          <a:bodyPr rtlCol="0" anchor="ctr">
+            <a:scene3d>
+              <a:camera prst="orthographicFront">
+                <a:rot lat="0" lon="0" rev="5400000"/>
+              </a:camera>
+              <a:lightRig rig="threePt" dir="t"/>
+            </a:scene3d>
+          </a:bodyPr>
+          <a:lstStyle/>
+          <a:p>
+            <a:pPr algn="ctr"/>
+            <a:endParaRPr lang="en-US" sz="1400" dirty="0"/>
+          </a:p>
+        </p:txBody>
+      </p:sp>
+      <p:sp>
+        <p:nvSpPr>
+          <p:cNvPr id="38" name="TextBox 37"/>
+          <p:cNvSpPr txBox="1"/>
+          <p:nvPr/>
+        </p:nvSpPr>
+        <p:spPr>
+          <a:xfrm>
+            <a:off x="8904319" y="3085313"/>
+            <a:ext cx="1399373" cy="338554"/>
+          </a:xfrm>
+          <a:prstGeom prst="rect">
+            <a:avLst/>
+          </a:prstGeom>
+          <a:noFill/>
+        </p:spPr>
+        <p:txBody>
+          <a:bodyPr wrap="square" rtlCol="0">
+            <a:spAutoFit/>
+          </a:bodyPr>
+          <a:lstStyle/>
+          <a:p>
+            <a:r>
+              <a:rPr lang="en-US" sz="1600" dirty="0"/>
+              <a:t>Input</a:t>
+            </a:r>
+          </a:p>
+        </p:txBody>
+      </p:sp>
+      <p:sp>
+        <p:nvSpPr>
+          <p:cNvPr id="39" name="Right Arrow 5">
+            <a:extLst/>
+          </p:cNvPr>
+          <p:cNvSpPr/>
+          <p:nvPr/>
+        </p:nvSpPr>
+        <p:spPr>
+          <a:xfrm rot="5400000">
+            <a:off x="8008205" y="4265934"/>
+            <a:ext cx="329791" cy="1157079"/>
+          </a:xfrm>
+          <a:prstGeom prst="rightArrow">
+            <a:avLst/>
+          </a:prstGeom>
+        </p:spPr>
+        <p:style>
+          <a:lnRef idx="2">
+            <a:schemeClr val="accent1">
+              <a:shade val="50000"/>
+            </a:schemeClr>
+          </a:lnRef>
+          <a:fillRef idx="1">
+            <a:schemeClr val="accent1"/>
+          </a:fillRef>
+          <a:effectRef idx="0">
+            <a:schemeClr val="accent1"/>
+          </a:effectRef>
+          <a:fontRef idx="minor">
+            <a:schemeClr val="lt1"/>
+          </a:fontRef>
+        </p:style>
+        <p:txBody>
+          <a:bodyPr rtlCol="0" anchor="ctr">
+            <a:scene3d>
+              <a:camera prst="orthographicFront">
+                <a:rot lat="0" lon="0" rev="5400000"/>
+              </a:camera>
+              <a:lightRig rig="threePt" dir="t"/>
+            </a:scene3d>
+          </a:bodyPr>
+          <a:lstStyle/>
+          <a:p>
+            <a:pPr algn="ctr"/>
+            <a:endParaRPr lang="en-US" sz="1400" dirty="0"/>
+          </a:p>
+        </p:txBody>
+      </p:sp>
+      <p:sp>
+        <p:nvSpPr>
+          <p:cNvPr id="40" name="TextBox 39"/>
+          <p:cNvSpPr txBox="1"/>
+          <p:nvPr/>
+        </p:nvSpPr>
+        <p:spPr>
+          <a:xfrm>
+            <a:off x="7799720" y="4655790"/>
+            <a:ext cx="1399373" cy="338554"/>
+          </a:xfrm>
+          <a:prstGeom prst="rect">
+            <a:avLst/>
+          </a:prstGeom>
+          <a:noFill/>
+        </p:spPr>
+        <p:txBody>
+          <a:bodyPr wrap="square" rtlCol="0">
+            <a:spAutoFit/>
+          </a:bodyPr>
+          <a:lstStyle/>
+          <a:p>
+            <a:r>
+              <a:rPr lang="en-US" sz="1600" dirty="0"/>
+              <a:t>Output</a:t>
+            </a:r>
+          </a:p>
+        </p:txBody>
+      </p:sp>
+      <p:sp>
+        <p:nvSpPr>
+          <p:cNvPr id="41" name="Right Arrow 5">
+            <a:extLst/>
+          </p:cNvPr>
+          <p:cNvSpPr/>
+          <p:nvPr/>
+        </p:nvSpPr>
+        <p:spPr>
+          <a:xfrm rot="16200000">
+            <a:off x="9883348" y="4254418"/>
+            <a:ext cx="329791" cy="1157079"/>
+          </a:xfrm>
+          <a:prstGeom prst="rightArrow">
+            <a:avLst/>
+          </a:prstGeom>
+        </p:spPr>
+        <p:style>
+          <a:lnRef idx="2">
+            <a:schemeClr val="accent1">
+              <a:shade val="50000"/>
+            </a:schemeClr>
+          </a:lnRef>
+          <a:fillRef idx="1">
+            <a:schemeClr val="accent1"/>
+          </a:fillRef>
+          <a:effectRef idx="0">
+            <a:schemeClr val="accent1"/>
+          </a:effectRef>
+          <a:fontRef idx="minor">
+            <a:schemeClr val="lt1"/>
+          </a:fontRef>
+        </p:style>
+        <p:txBody>
+          <a:bodyPr rtlCol="0" anchor="ctr">
+            <a:scene3d>
+              <a:camera prst="orthographicFront">
+                <a:rot lat="0" lon="0" rev="5400000"/>
+              </a:camera>
+              <a:lightRig rig="threePt" dir="t"/>
+            </a:scene3d>
+          </a:bodyPr>
+          <a:lstStyle/>
+          <a:p>
+            <a:pPr algn="ctr"/>
+            <a:endParaRPr lang="en-US" sz="1400" dirty="0"/>
+          </a:p>
+        </p:txBody>
+      </p:sp>
+      <p:sp>
+        <p:nvSpPr>
+          <p:cNvPr id="42" name="TextBox 41"/>
+          <p:cNvSpPr txBox="1"/>
+          <p:nvPr/>
+        </p:nvSpPr>
+        <p:spPr>
+          <a:xfrm>
+            <a:off x="9590131" y="4676931"/>
+            <a:ext cx="1251871" cy="338554"/>
+          </a:xfrm>
+          <a:prstGeom prst="rect">
+            <a:avLst/>
+          </a:prstGeom>
+          <a:noFill/>
+        </p:spPr>
+        <p:txBody>
+          <a:bodyPr wrap="square" rtlCol="0">
+            <a:spAutoFit/>
+          </a:bodyPr>
+          <a:lstStyle/>
+          <a:p>
+            <a:r>
+              <a:rPr lang="en-US" sz="1600" dirty="0"/>
+              <a:t>Maximize</a:t>
+            </a:r>
+          </a:p>
+        </p:txBody>
+      </p:sp>
+      <p:sp>
+        <p:nvSpPr>
+          <p:cNvPr id="58" name="Process 14">
+            <a:extLst/>
+          </p:cNvPr>
+          <p:cNvSpPr/>
+          <p:nvPr/>
+        </p:nvSpPr>
+        <p:spPr>
+          <a:xfrm>
+            <a:off x="2318052" y="1949991"/>
+            <a:ext cx="3108960" cy="1097280"/>
+          </a:xfrm>
+          <a:prstGeom prst="flowChartProcess">
+            <a:avLst/>
+          </a:prstGeom>
+          <a:solidFill>
+            <a:schemeClr val="accent5"/>
+          </a:solidFill>
+          <a:ln>
+            <a:solidFill>
+              <a:schemeClr val="accent5">
+                <a:lumMod val="75000"/>
+              </a:schemeClr>
+            </a:solidFill>
+          </a:ln>
+        </p:spPr>
+        <p:style>
+          <a:lnRef idx="2">
+            <a:schemeClr val="accent1">
+              <a:shade val="50000"/>
+            </a:schemeClr>
+          </a:lnRef>
+          <a:fillRef idx="1">
+            <a:schemeClr val="accent1"/>
+          </a:fillRef>
+          <a:effectRef idx="0">
+            <a:schemeClr val="accent1"/>
+          </a:effectRef>
+          <a:fontRef idx="minor">
+            <a:schemeClr val="lt1"/>
+          </a:fontRef>
+        </p:style>
+        <p:txBody>
+          <a:bodyPr rtlCol="0" anchor="ctr"/>
+          <a:lstStyle/>
+          <a:p>
+            <a:pPr algn="ctr"/>
+            <a:r>
+              <a:rPr lang="en-US" sz="2000" dirty="0"/>
+              <a:t>Generator Network</a:t>
+            </a:r>
+          </a:p>
+          <a:p>
+            <a:pPr algn="ctr"/>
+            <a:r>
+              <a:rPr lang="en-US" sz="1400" dirty="0"/>
+              <a:t>Makes fake spectrograms; trained to ”trick” the generator network</a:t>
+            </a:r>
+          </a:p>
+        </p:txBody>
+      </p:sp>
+      <p:sp>
+        <p:nvSpPr>
+          <p:cNvPr id="59" name="Alternate Process 15">
+            <a:extLst/>
+          </p:cNvPr>
+          <p:cNvSpPr/>
+          <p:nvPr/>
+        </p:nvSpPr>
+        <p:spPr>
+          <a:xfrm>
+            <a:off x="3061176" y="1010214"/>
+            <a:ext cx="1371600" cy="457200"/>
+          </a:xfrm>
+          <a:prstGeom prst="flowChartAlternateProcess">
+            <a:avLst/>
+          </a:prstGeom>
+          <a:solidFill>
+            <a:schemeClr val="accent5"/>
+          </a:solidFill>
+          <a:ln>
+            <a:solidFill>
+              <a:schemeClr val="accent5">
+                <a:lumMod val="75000"/>
+              </a:schemeClr>
+            </a:solidFill>
+          </a:ln>
+        </p:spPr>
+        <p:style>
+          <a:lnRef idx="2">
+            <a:schemeClr val="accent1">
+              <a:shade val="50000"/>
+            </a:schemeClr>
+          </a:lnRef>
+          <a:fillRef idx="1">
+            <a:schemeClr val="accent1"/>
+          </a:fillRef>
+          <a:effectRef idx="0">
+            <a:schemeClr val="accent1"/>
+          </a:effectRef>
+          <a:fontRef idx="minor">
+            <a:schemeClr val="lt1"/>
+          </a:fontRef>
+        </p:style>
+        <p:txBody>
+          <a:bodyPr rtlCol="0" anchor="ctr"/>
+          <a:lstStyle/>
+          <a:p>
+            <a:pPr algn="ctr"/>
+            <a:r>
+              <a:rPr lang="en-US" sz="1400" dirty="0"/>
+              <a:t>Random noise vectors</a:t>
+            </a:r>
+          </a:p>
+        </p:txBody>
+      </p:sp>
+      <p:sp>
+        <p:nvSpPr>
+          <p:cNvPr id="69" name="Right Arrow 5">
+            <a:extLst/>
+          </p:cNvPr>
+          <p:cNvSpPr/>
+          <p:nvPr/>
+        </p:nvSpPr>
+        <p:spPr>
+          <a:xfrm rot="5400000">
+            <a:off x="3707637" y="1128590"/>
+            <a:ext cx="329791" cy="1157079"/>
+          </a:xfrm>
+          <a:prstGeom prst="rightArrow">
+            <a:avLst/>
+          </a:prstGeom>
+          <a:solidFill>
+            <a:schemeClr val="accent5"/>
+          </a:solidFill>
+          <a:ln>
+            <a:solidFill>
+              <a:schemeClr val="accent5">
+                <a:lumMod val="75000"/>
+              </a:schemeClr>
+            </a:solidFill>
+          </a:ln>
+        </p:spPr>
+        <p:style>
+          <a:lnRef idx="2">
+            <a:schemeClr val="accent1">
+              <a:shade val="50000"/>
+            </a:schemeClr>
+          </a:lnRef>
+          <a:fillRef idx="1">
+            <a:schemeClr val="accent1"/>
+          </a:fillRef>
+          <a:effectRef idx="0">
+            <a:schemeClr val="accent1"/>
+          </a:effectRef>
+          <a:fontRef idx="minor">
+            <a:schemeClr val="lt1"/>
+          </a:fontRef>
+        </p:style>
+        <p:txBody>
+          <a:bodyPr rtlCol="0" anchor="ctr">
+            <a:scene3d>
+              <a:camera prst="orthographicFront">
+                <a:rot lat="0" lon="0" rev="5400000"/>
+              </a:camera>
+              <a:lightRig rig="threePt" dir="t"/>
+            </a:scene3d>
+          </a:bodyPr>
+          <a:lstStyle/>
+          <a:p>
+            <a:pPr algn="ctr"/>
+            <a:endParaRPr lang="en-US" sz="1400" dirty="0"/>
+          </a:p>
+        </p:txBody>
+      </p:sp>
+      <p:sp>
+        <p:nvSpPr>
+          <p:cNvPr id="70" name="TextBox 69"/>
+          <p:cNvSpPr txBox="1"/>
+          <p:nvPr/>
+        </p:nvSpPr>
+        <p:spPr>
+          <a:xfrm>
+            <a:off x="3608942" y="1518446"/>
+            <a:ext cx="1399373" cy="338554"/>
+          </a:xfrm>
+          <a:prstGeom prst="rect">
+            <a:avLst/>
+          </a:prstGeom>
+          <a:noFill/>
+        </p:spPr>
+        <p:txBody>
+          <a:bodyPr wrap="square" rtlCol="0">
+            <a:spAutoFit/>
+          </a:bodyPr>
+          <a:lstStyle/>
+          <a:p>
+            <a:r>
+              <a:rPr lang="en-US" sz="1600" dirty="0"/>
+              <a:t>Input</a:t>
+            </a:r>
+          </a:p>
+        </p:txBody>
+      </p:sp>
+      <p:sp>
+        <p:nvSpPr>
+          <p:cNvPr id="72" name="Alternate Process 12">
+            <a:extLst/>
+          </p:cNvPr>
+          <p:cNvSpPr/>
+          <p:nvPr/>
+        </p:nvSpPr>
+        <p:spPr>
+          <a:xfrm>
+            <a:off x="4043820" y="3535407"/>
+            <a:ext cx="1280160" cy="731520"/>
+          </a:xfrm>
+          <a:prstGeom prst="flowChartAlternateProcess">
+            <a:avLst/>
+          </a:prstGeom>
+        </p:spPr>
+        <p:style>
+          <a:lnRef idx="2">
+            <a:schemeClr val="accent5">
+              <a:shade val="50000"/>
+            </a:schemeClr>
+          </a:lnRef>
+          <a:fillRef idx="1">
+            <a:schemeClr val="accent5"/>
+          </a:fillRef>
+          <a:effectRef idx="0">
+            <a:schemeClr val="accent5"/>
+          </a:effectRef>
+          <a:fontRef idx="minor">
+            <a:schemeClr val="lt1"/>
+          </a:fontRef>
+        </p:style>
+        <p:txBody>
+          <a:bodyPr rtlCol="0" anchor="ctr"/>
+          <a:lstStyle/>
+          <a:p>
+            <a:pPr algn="ctr"/>
+            <a:r>
+              <a:rPr lang="en-US" sz="1400" dirty="0"/>
+              <a:t>Generated</a:t>
+            </a:r>
+          </a:p>
+          <a:p>
+            <a:pPr algn="ctr"/>
+            <a:r>
+              <a:rPr lang="en-US" sz="1400" dirty="0"/>
+              <a:t>spectrograms</a:t>
+            </a:r>
+          </a:p>
+          <a:p>
+            <a:pPr algn="ctr"/>
+            <a:r>
+              <a:rPr lang="en-US" sz="1400" dirty="0"/>
+              <a:t>“Fake” data</a:t>
+            </a:r>
+          </a:p>
+        </p:txBody>
+      </p:sp>
+      <p:sp>
+        <p:nvSpPr>
+          <p:cNvPr id="74" name="Right Arrow 5">
+            <a:extLst/>
+          </p:cNvPr>
+          <p:cNvSpPr/>
+          <p:nvPr/>
+        </p:nvSpPr>
+        <p:spPr>
+          <a:xfrm rot="5400000">
+            <a:off x="4519005" y="2723310"/>
+            <a:ext cx="329791" cy="1157079"/>
+          </a:xfrm>
+          <a:prstGeom prst="rightArrow">
+            <a:avLst/>
+          </a:prstGeom>
+        </p:spPr>
+        <p:style>
+          <a:lnRef idx="2">
+            <a:schemeClr val="accent5">
+              <a:shade val="50000"/>
+            </a:schemeClr>
+          </a:lnRef>
+          <a:fillRef idx="1">
+            <a:schemeClr val="accent5"/>
+          </a:fillRef>
+          <a:effectRef idx="0">
+            <a:schemeClr val="accent5"/>
+          </a:effectRef>
+          <a:fontRef idx="minor">
+            <a:schemeClr val="lt1"/>
+          </a:fontRef>
+        </p:style>
+        <p:txBody>
+          <a:bodyPr rtlCol="0" anchor="ctr">
+            <a:scene3d>
+              <a:camera prst="orthographicFront">
+                <a:rot lat="0" lon="0" rev="5400000"/>
+              </a:camera>
+              <a:lightRig rig="threePt" dir="t"/>
+            </a:scene3d>
+          </a:bodyPr>
+          <a:lstStyle/>
+          <a:p>
+            <a:pPr algn="ctr"/>
+            <a:endParaRPr lang="en-US" sz="1400" dirty="0"/>
+          </a:p>
+        </p:txBody>
+      </p:sp>
+      <p:sp>
+        <p:nvSpPr>
+          <p:cNvPr id="75" name="TextBox 74"/>
+          <p:cNvSpPr txBox="1"/>
+          <p:nvPr/>
+        </p:nvSpPr>
+        <p:spPr>
+          <a:xfrm>
+            <a:off x="4313095" y="3116675"/>
+            <a:ext cx="1399373" cy="338554"/>
+          </a:xfrm>
+          <a:prstGeom prst="rect">
+            <a:avLst/>
+          </a:prstGeom>
+          <a:noFill/>
+        </p:spPr>
+        <p:txBody>
+          <a:bodyPr wrap="square" rtlCol="0">
+            <a:spAutoFit/>
+          </a:bodyPr>
+          <a:lstStyle/>
+          <a:p>
+            <a:r>
+              <a:rPr lang="en-US" sz="1600" dirty="0"/>
+              <a:t>Output</a:t>
+            </a:r>
+          </a:p>
+        </p:txBody>
+      </p:sp>
+      <p:sp>
+        <p:nvSpPr>
+          <p:cNvPr id="78" name="Arrow: Right 77"/>
+          <p:cNvSpPr/>
+          <p:nvPr/>
+        </p:nvSpPr>
+        <p:spPr>
+          <a:xfrm rot="19491813">
+            <a:off x="5523066" y="3053768"/>
+            <a:ext cx="1771735" cy="401644"/>
+          </a:xfrm>
+          <a:prstGeom prst="rightArrow">
+            <a:avLst/>
+          </a:prstGeom>
+        </p:spPr>
+        <p:style>
+          <a:lnRef idx="2">
+            <a:schemeClr val="accent5">
+              <a:shade val="50000"/>
+            </a:schemeClr>
+          </a:lnRef>
+          <a:fillRef idx="1">
+            <a:schemeClr val="accent5"/>
+          </a:fillRef>
+          <a:effectRef idx="0">
+            <a:schemeClr val="accent5"/>
+          </a:effectRef>
+          <a:fontRef idx="minor">
+            <a:schemeClr val="lt1"/>
+          </a:fontRef>
+        </p:style>
+        <p:txBody>
+          <a:bodyPr rtlCol="0" anchor="ctr"/>
+          <a:lstStyle/>
+          <a:p>
+            <a:pPr algn="ctr"/>
+            <a:endParaRPr lang="en-US"/>
+          </a:p>
+        </p:txBody>
+      </p:sp>
+      <p:sp>
+        <p:nvSpPr>
+          <p:cNvPr id="80" name="Alternate Process 24">
+            <a:extLst/>
+          </p:cNvPr>
+          <p:cNvSpPr/>
+          <p:nvPr/>
+        </p:nvSpPr>
+        <p:spPr>
+          <a:xfrm>
+            <a:off x="2340193" y="3535407"/>
+            <a:ext cx="1280160" cy="731520"/>
+          </a:xfrm>
+          <a:prstGeom prst="flowChartAlternateProcess">
+            <a:avLst/>
+          </a:prstGeom>
+        </p:spPr>
+        <p:style>
+          <a:lnRef idx="2">
+            <a:schemeClr val="accent5">
+              <a:shade val="50000"/>
+            </a:schemeClr>
+          </a:lnRef>
+          <a:fillRef idx="1">
+            <a:schemeClr val="accent5"/>
+          </a:fillRef>
+          <a:effectRef idx="0">
+            <a:schemeClr val="accent5"/>
+          </a:effectRef>
+          <a:fontRef idx="minor">
+            <a:schemeClr val="lt1"/>
+          </a:fontRef>
+        </p:style>
+        <p:txBody>
+          <a:bodyPr rtlCol="0" anchor="ctr"/>
+          <a:lstStyle/>
+          <a:p>
+            <a:pPr algn="ctr"/>
+            <a:r>
+              <a:rPr lang="en-US" sz="1400" dirty="0"/>
+              <a:t>log(1-D(generated))</a:t>
+            </a:r>
+          </a:p>
+        </p:txBody>
+      </p:sp>
+      <p:sp>
+        <p:nvSpPr>
+          <p:cNvPr id="81" name="Right Arrow 5">
+            <a:extLst/>
+          </p:cNvPr>
+          <p:cNvSpPr/>
+          <p:nvPr/>
+        </p:nvSpPr>
+        <p:spPr>
+          <a:xfrm rot="16200000">
+            <a:off x="2810532" y="2694162"/>
+            <a:ext cx="329791" cy="1157079"/>
+          </a:xfrm>
+          <a:prstGeom prst="rightArrow">
+            <a:avLst/>
+          </a:prstGeom>
+        </p:spPr>
+        <p:style>
+          <a:lnRef idx="2">
+            <a:schemeClr val="accent5">
+              <a:shade val="50000"/>
+            </a:schemeClr>
+          </a:lnRef>
+          <a:fillRef idx="1">
+            <a:schemeClr val="accent5"/>
+          </a:fillRef>
+          <a:effectRef idx="0">
+            <a:schemeClr val="accent5"/>
+          </a:effectRef>
+          <a:fontRef idx="minor">
+            <a:schemeClr val="lt1"/>
+          </a:fontRef>
+        </p:style>
+        <p:txBody>
+          <a:bodyPr rtlCol="0" anchor="ctr">
+            <a:scene3d>
+              <a:camera prst="orthographicFront">
+                <a:rot lat="0" lon="0" rev="5400000"/>
+              </a:camera>
+              <a:lightRig rig="threePt" dir="t"/>
+            </a:scene3d>
+          </a:bodyPr>
+          <a:lstStyle/>
+          <a:p>
+            <a:pPr algn="ctr"/>
+            <a:endParaRPr lang="en-US" sz="1400" dirty="0"/>
+          </a:p>
+        </p:txBody>
+      </p:sp>
+      <p:sp>
+        <p:nvSpPr>
+          <p:cNvPr id="82" name="TextBox 81"/>
+          <p:cNvSpPr txBox="1"/>
+          <p:nvPr/>
+        </p:nvSpPr>
+        <p:spPr>
+          <a:xfrm>
+            <a:off x="2547023" y="3116675"/>
+            <a:ext cx="1251871" cy="338554"/>
+          </a:xfrm>
+          <a:prstGeom prst="rect">
+            <a:avLst/>
+          </a:prstGeom>
+          <a:noFill/>
+        </p:spPr>
+        <p:txBody>
+          <a:bodyPr wrap="square" rtlCol="0">
+            <a:spAutoFit/>
+          </a:bodyPr>
+          <a:lstStyle/>
+          <a:p>
+            <a:r>
+              <a:rPr lang="en-US" sz="1600" dirty="0"/>
+              <a:t>Minimize</a:t>
+            </a:r>
+          </a:p>
+        </p:txBody>
+      </p:sp>
+      <p:sp>
+        <p:nvSpPr>
+          <p:cNvPr id="83" name="Arrow: Right 82"/>
+          <p:cNvSpPr/>
+          <p:nvPr/>
+        </p:nvSpPr>
+        <p:spPr>
+          <a:xfrm rot="11793274">
+            <a:off x="3609194" y="4845394"/>
+            <a:ext cx="3307702" cy="401644"/>
+          </a:xfrm>
+          <a:prstGeom prst="rightArrow">
+            <a:avLst/>
+          </a:prstGeom>
+        </p:spPr>
+        <p:style>
+          <a:lnRef idx="2">
+            <a:schemeClr val="accent5">
+              <a:shade val="50000"/>
+            </a:schemeClr>
+          </a:lnRef>
+          <a:fillRef idx="1">
+            <a:schemeClr val="accent5"/>
+          </a:fillRef>
+          <a:effectRef idx="0">
+            <a:schemeClr val="accent5"/>
+          </a:effectRef>
+          <a:fontRef idx="minor">
+            <a:schemeClr val="lt1"/>
+          </a:fontRef>
+        </p:style>
+        <p:txBody>
+          <a:bodyPr rtlCol="0" anchor="ctr"/>
+          <a:lstStyle/>
+          <a:p>
+            <a:pPr algn="ctr"/>
+            <a:endParaRPr lang="en-US"/>
+          </a:p>
+        </p:txBody>
+      </p:sp>
+    </p:spTree>
+    <p:extLst>
+      <p:ext uri="{BB962C8B-B14F-4D97-AF65-F5344CB8AC3E}">
+        <p14:creationId xmlns:p14="http://schemas.microsoft.com/office/powerpoint/2010/main" val="2544214301"/>
+      </p:ext>
+    </p:extLst>
+  </p:cSld>
+  <p:clrMapOvr>
+    <a:masterClrMapping/>
+  </p:clrMapOvr>
+</p:sld>
+</file>
+
+<file path=ppt/slides/slide8.xml><?xml version="1.0" encoding="utf-8"?>
+<p:sld xmlns:a="http://schemas.openxmlformats.org/drawingml/2006/main" xmlns:r="http://schemas.openxmlformats.org/officeDocument/2006/relationships" xmlns:p="http://schemas.openxmlformats.org/presentationml/2006/main">
+  <p:cSld>
+    <p:spTree>
+      <p:nvGrpSpPr>
+        <p:cNvPr id="1" name=""/>
+        <p:cNvGrpSpPr/>
+        <p:nvPr/>
+      </p:nvGrpSpPr>
+      <p:grpSpPr>
+        <a:xfrm>
+          <a:off x="0" y="0"/>
+          <a:ext cx="0" cy="0"/>
+          <a:chOff x="0" y="0"/>
+          <a:chExt cx="0" cy="0"/>
+        </a:xfrm>
+      </p:grpSpPr>
+      <p:sp>
+        <p:nvSpPr>
           <p:cNvPr id="2" name="Title 1"/>
           <p:cNvSpPr>
             <a:spLocks noGrp="1"/>
@@ -14586,8 +16132,23 @@
         </p:nvSpPr>
         <p:spPr/>
         <p:txBody>
-          <a:bodyPr/>
+          <a:bodyPr>
+            <a:normAutofit/>
+          </a:bodyPr>
           <a:lstStyle/>
+          <a:p>
+            <a:r>
+              <a:rPr lang="en-US" dirty="0"/>
+              <a:t>GANs generate images given a set of correct or ideal images</a:t>
+            </a:r>
+          </a:p>
+          <a:p>
+            <a:r>
+              <a:rPr lang="en-US" dirty="0"/>
+              <a:t>Two networks compete against each other</a:t>
+            </a:r>
+            <a:endParaRPr lang="en-US" dirty="0"/>
+          </a:p>
           <a:p>
             <a:r>
               <a:rPr lang="en-US" dirty="0"/>

--- a/firstPresentationWithDigitalFlowchart.pptx
+++ b/firstPresentationWithDigitalFlowchart.pptx
@@ -9,10 +9,10 @@
     <p:sldId id="260" r:id="rId3"/>
     <p:sldId id="257" r:id="rId4"/>
     <p:sldId id="261" r:id="rId5"/>
-    <p:sldId id="262" r:id="rId6"/>
-    <p:sldId id="258" r:id="rId7"/>
-    <p:sldId id="263" r:id="rId8"/>
-    <p:sldId id="259" r:id="rId9"/>
+    <p:sldId id="265" r:id="rId6"/>
+    <p:sldId id="263" r:id="rId7"/>
+    <p:sldId id="266" r:id="rId8"/>
+    <p:sldId id="258" r:id="rId9"/>
   </p:sldIdLst>
   <p:sldSz cx="12192000" cy="6858000"/>
   <p:notesSz cx="6858000" cy="9144000"/>
@@ -169,7 +169,7 @@
           <a:noFill/>
           <a:extLst>
             <a:ext uri="{909E8E84-426E-40dd-AFC4-6F175D3DCCD1}">
-              <a14:hiddenFill xmlns:a14="http://schemas.microsoft.com/office/drawing/2010/main" xmlns="">
+              <a14:hiddenFill xmlns="" xmlns:a14="http://schemas.microsoft.com/office/drawing/2010/main">
                 <a:solidFill>
                   <a:srgbClr val="FFFFFF"/>
                 </a:solidFill>
@@ -229,7 +229,7 @@
             </a:ln>
             <a:extLst>
               <a:ext uri="{91240B29-F687-4f45-9708-019B960494DF}">
-                <a14:hiddenLine xmlns:a14="http://schemas.microsoft.com/office/drawing/2010/main" xmlns="" w="9525">
+                <a14:hiddenLine xmlns="" xmlns:a14="http://schemas.microsoft.com/office/drawing/2010/main" w="9525">
                   <a:solidFill>
                     <a:srgbClr val="000000"/>
                   </a:solidFill>
@@ -319,7 +319,7 @@
             </a:ln>
             <a:extLst>
               <a:ext uri="{91240B29-F687-4f45-9708-019B960494DF}">
-                <a14:hiddenLine xmlns:a14="http://schemas.microsoft.com/office/drawing/2010/main" xmlns="" w="9525">
+                <a14:hiddenLine xmlns="" xmlns:a14="http://schemas.microsoft.com/office/drawing/2010/main" w="9525">
                   <a:solidFill>
                     <a:srgbClr val="000000"/>
                   </a:solidFill>
@@ -409,7 +409,7 @@
             </a:ln>
             <a:extLst>
               <a:ext uri="{91240B29-F687-4f45-9708-019B960494DF}">
-                <a14:hiddenLine xmlns:a14="http://schemas.microsoft.com/office/drawing/2010/main" xmlns="" w="9525">
+                <a14:hiddenLine xmlns="" xmlns:a14="http://schemas.microsoft.com/office/drawing/2010/main" w="9525">
                   <a:solidFill>
                     <a:srgbClr val="000000"/>
                   </a:solidFill>
@@ -443,7 +443,7 @@
             </a:ln>
             <a:extLst>
               <a:ext uri="{91240B29-F687-4f45-9708-019B960494DF}">
-                <a14:hiddenLine xmlns:a14="http://schemas.microsoft.com/office/drawing/2010/main" xmlns="" w="9525">
+                <a14:hiddenLine xmlns="" xmlns:a14="http://schemas.microsoft.com/office/drawing/2010/main" w="9525">
                   <a:solidFill>
                     <a:srgbClr val="000000"/>
                   </a:solidFill>
@@ -533,7 +533,7 @@
             </a:ln>
             <a:extLst>
               <a:ext uri="{91240B29-F687-4f45-9708-019B960494DF}">
-                <a14:hiddenLine xmlns:a14="http://schemas.microsoft.com/office/drawing/2010/main" xmlns="" w="9525">
+                <a14:hiddenLine xmlns="" xmlns:a14="http://schemas.microsoft.com/office/drawing/2010/main" w="9525">
                   <a:solidFill>
                     <a:srgbClr val="000000"/>
                   </a:solidFill>
@@ -595,7 +595,7 @@
             </a:ln>
             <a:extLst>
               <a:ext uri="{91240B29-F687-4f45-9708-019B960494DF}">
-                <a14:hiddenLine xmlns:a14="http://schemas.microsoft.com/office/drawing/2010/main" xmlns="" w="9525">
+                <a14:hiddenLine xmlns="" xmlns:a14="http://schemas.microsoft.com/office/drawing/2010/main" w="9525">
                   <a:solidFill>
                     <a:srgbClr val="000000"/>
                   </a:solidFill>
@@ -657,7 +657,7 @@
             </a:ln>
             <a:extLst>
               <a:ext uri="{91240B29-F687-4f45-9708-019B960494DF}">
-                <a14:hiddenLine xmlns:a14="http://schemas.microsoft.com/office/drawing/2010/main" xmlns="" w="9525">
+                <a14:hiddenLine xmlns="" xmlns:a14="http://schemas.microsoft.com/office/drawing/2010/main" w="9525">
                   <a:solidFill>
                     <a:srgbClr val="000000"/>
                   </a:solidFill>
@@ -747,7 +747,7 @@
             </a:ln>
             <a:extLst>
               <a:ext uri="{91240B29-F687-4f45-9708-019B960494DF}">
-                <a14:hiddenLine xmlns:a14="http://schemas.microsoft.com/office/drawing/2010/main" xmlns="" w="9525">
+                <a14:hiddenLine xmlns="" xmlns:a14="http://schemas.microsoft.com/office/drawing/2010/main" w="9525">
                   <a:solidFill>
                     <a:srgbClr val="000000"/>
                   </a:solidFill>
@@ -809,7 +809,7 @@
             </a:ln>
             <a:extLst>
               <a:ext uri="{91240B29-F687-4f45-9708-019B960494DF}">
-                <a14:hiddenLine xmlns:a14="http://schemas.microsoft.com/office/drawing/2010/main" xmlns="" w="9525">
+                <a14:hiddenLine xmlns="" xmlns:a14="http://schemas.microsoft.com/office/drawing/2010/main" w="9525">
                   <a:solidFill>
                     <a:srgbClr val="000000"/>
                   </a:solidFill>
@@ -871,7 +871,7 @@
             </a:ln>
             <a:extLst>
               <a:ext uri="{91240B29-F687-4f45-9708-019B960494DF}">
-                <a14:hiddenLine xmlns:a14="http://schemas.microsoft.com/office/drawing/2010/main" xmlns="" w="9525">
+                <a14:hiddenLine xmlns="" xmlns:a14="http://schemas.microsoft.com/office/drawing/2010/main" w="9525">
                   <a:solidFill>
                     <a:srgbClr val="000000"/>
                   </a:solidFill>
@@ -961,7 +961,7 @@
             </a:ln>
             <a:extLst>
               <a:ext uri="{91240B29-F687-4f45-9708-019B960494DF}">
-                <a14:hiddenLine xmlns:a14="http://schemas.microsoft.com/office/drawing/2010/main" xmlns="" w="9525">
+                <a14:hiddenLine xmlns="" xmlns:a14="http://schemas.microsoft.com/office/drawing/2010/main" w="9525">
                   <a:solidFill>
                     <a:srgbClr val="000000"/>
                   </a:solidFill>
@@ -1051,7 +1051,7 @@
             </a:ln>
             <a:extLst>
               <a:ext uri="{91240B29-F687-4f45-9708-019B960494DF}">
-                <a14:hiddenLine xmlns:a14="http://schemas.microsoft.com/office/drawing/2010/main" xmlns="" w="9525">
+                <a14:hiddenLine xmlns="" xmlns:a14="http://schemas.microsoft.com/office/drawing/2010/main" w="9525">
                   <a:solidFill>
                     <a:srgbClr val="000000"/>
                   </a:solidFill>
@@ -1113,7 +1113,7 @@
             </a:ln>
             <a:extLst>
               <a:ext uri="{91240B29-F687-4f45-9708-019B960494DF}">
-                <a14:hiddenLine xmlns:a14="http://schemas.microsoft.com/office/drawing/2010/main" xmlns="" w="9525">
+                <a14:hiddenLine xmlns="" xmlns:a14="http://schemas.microsoft.com/office/drawing/2010/main" w="9525">
                   <a:solidFill>
                     <a:srgbClr val="000000"/>
                   </a:solidFill>
@@ -1223,7 +1223,7 @@
             </a:ln>
             <a:extLst>
               <a:ext uri="{91240B29-F687-4f45-9708-019B960494DF}">
-                <a14:hiddenLine xmlns:a14="http://schemas.microsoft.com/office/drawing/2010/main" xmlns="" w="9525">
+                <a14:hiddenLine xmlns="" xmlns:a14="http://schemas.microsoft.com/office/drawing/2010/main" w="9525">
                   <a:solidFill>
                     <a:srgbClr val="000000"/>
                   </a:solidFill>
@@ -1285,7 +1285,7 @@
             </a:ln>
             <a:extLst>
               <a:ext uri="{91240B29-F687-4f45-9708-019B960494DF}">
-                <a14:hiddenLine xmlns:a14="http://schemas.microsoft.com/office/drawing/2010/main" xmlns="" w="9525">
+                <a14:hiddenLine xmlns="" xmlns:a14="http://schemas.microsoft.com/office/drawing/2010/main" w="9525">
                   <a:solidFill>
                     <a:srgbClr val="000000"/>
                   </a:solidFill>
@@ -1375,7 +1375,7 @@
             </a:ln>
             <a:extLst>
               <a:ext uri="{91240B29-F687-4f45-9708-019B960494DF}">
-                <a14:hiddenLine xmlns:a14="http://schemas.microsoft.com/office/drawing/2010/main" xmlns="" w="9525">
+                <a14:hiddenLine xmlns="" xmlns:a14="http://schemas.microsoft.com/office/drawing/2010/main" w="9525">
                   <a:solidFill>
                     <a:srgbClr val="000000"/>
                   </a:solidFill>
@@ -1465,7 +1465,7 @@
             </a:ln>
             <a:extLst>
               <a:ext uri="{91240B29-F687-4f45-9708-019B960494DF}">
-                <a14:hiddenLine xmlns:a14="http://schemas.microsoft.com/office/drawing/2010/main" xmlns="" w="9525">
+                <a14:hiddenLine xmlns="" xmlns:a14="http://schemas.microsoft.com/office/drawing/2010/main" w="9525">
                   <a:solidFill>
                     <a:srgbClr val="000000"/>
                   </a:solidFill>
@@ -1527,7 +1527,7 @@
             </a:ln>
             <a:extLst>
               <a:ext uri="{91240B29-F687-4f45-9708-019B960494DF}">
-                <a14:hiddenLine xmlns:a14="http://schemas.microsoft.com/office/drawing/2010/main" xmlns="" w="9525">
+                <a14:hiddenLine xmlns="" xmlns:a14="http://schemas.microsoft.com/office/drawing/2010/main" w="9525">
                   <a:solidFill>
                     <a:srgbClr val="000000"/>
                   </a:solidFill>
@@ -1617,7 +1617,7 @@
             </a:ln>
             <a:extLst>
               <a:ext uri="{91240B29-F687-4f45-9708-019B960494DF}">
-                <a14:hiddenLine xmlns:a14="http://schemas.microsoft.com/office/drawing/2010/main" xmlns="" w="9525">
+                <a14:hiddenLine xmlns="" xmlns:a14="http://schemas.microsoft.com/office/drawing/2010/main" w="9525">
                   <a:solidFill>
                     <a:srgbClr val="000000"/>
                   </a:solidFill>
@@ -1707,7 +1707,7 @@
             </a:ln>
             <a:extLst>
               <a:ext uri="{91240B29-F687-4f45-9708-019B960494DF}">
-                <a14:hiddenLine xmlns:a14="http://schemas.microsoft.com/office/drawing/2010/main" xmlns="" w="9525">
+                <a14:hiddenLine xmlns="" xmlns:a14="http://schemas.microsoft.com/office/drawing/2010/main" w="9525">
                   <a:solidFill>
                     <a:srgbClr val="000000"/>
                   </a:solidFill>
@@ -1763,7 +1763,7 @@
             </a:ln>
             <a:extLst>
               <a:ext uri="{91240B29-F687-4f45-9708-019B960494DF}">
-                <a14:hiddenLine xmlns:a14="http://schemas.microsoft.com/office/drawing/2010/main" xmlns="" w="9525">
+                <a14:hiddenLine xmlns="" xmlns:a14="http://schemas.microsoft.com/office/drawing/2010/main" w="9525">
                   <a:solidFill>
                     <a:srgbClr val="000000"/>
                   </a:solidFill>
@@ -1853,7 +1853,7 @@
             </a:ln>
             <a:extLst>
               <a:ext uri="{91240B29-F687-4f45-9708-019B960494DF}">
-                <a14:hiddenLine xmlns:a14="http://schemas.microsoft.com/office/drawing/2010/main" xmlns="" w="9525">
+                <a14:hiddenLine xmlns="" xmlns:a14="http://schemas.microsoft.com/office/drawing/2010/main" w="9525">
                   <a:solidFill>
                     <a:srgbClr val="000000"/>
                   </a:solidFill>
@@ -1909,7 +1909,7 @@
             </a:ln>
             <a:extLst>
               <a:ext uri="{91240B29-F687-4f45-9708-019B960494DF}">
-                <a14:hiddenLine xmlns:a14="http://schemas.microsoft.com/office/drawing/2010/main" xmlns="" w="9525">
+                <a14:hiddenLine xmlns="" xmlns:a14="http://schemas.microsoft.com/office/drawing/2010/main" w="9525">
                   <a:solidFill>
                     <a:srgbClr val="000000"/>
                   </a:solidFill>
@@ -1999,7 +1999,7 @@
             </a:ln>
             <a:extLst>
               <a:ext uri="{91240B29-F687-4f45-9708-019B960494DF}">
-                <a14:hiddenLine xmlns:a14="http://schemas.microsoft.com/office/drawing/2010/main" xmlns="" w="9525">
+                <a14:hiddenLine xmlns="" xmlns:a14="http://schemas.microsoft.com/office/drawing/2010/main" w="9525">
                   <a:solidFill>
                     <a:srgbClr val="000000"/>
                   </a:solidFill>
@@ -2067,7 +2067,7 @@
             </a:ln>
             <a:extLst>
               <a:ext uri="{91240B29-F687-4f45-9708-019B960494DF}">
-                <a14:hiddenLine xmlns:a14="http://schemas.microsoft.com/office/drawing/2010/main" xmlns="" w="9525">
+                <a14:hiddenLine xmlns="" xmlns:a14="http://schemas.microsoft.com/office/drawing/2010/main" w="9525">
                   <a:solidFill>
                     <a:srgbClr val="000000"/>
                   </a:solidFill>
@@ -2157,7 +2157,7 @@
             </a:ln>
             <a:extLst>
               <a:ext uri="{91240B29-F687-4f45-9708-019B960494DF}">
-                <a14:hiddenLine xmlns:a14="http://schemas.microsoft.com/office/drawing/2010/main" xmlns="" w="9525">
+                <a14:hiddenLine xmlns="" xmlns:a14="http://schemas.microsoft.com/office/drawing/2010/main" w="9525">
                   <a:solidFill>
                     <a:srgbClr val="000000"/>
                   </a:solidFill>
@@ -2225,7 +2225,7 @@
             </a:ln>
             <a:extLst>
               <a:ext uri="{91240B29-F687-4f45-9708-019B960494DF}">
-                <a14:hiddenLine xmlns:a14="http://schemas.microsoft.com/office/drawing/2010/main" xmlns="" w="9525">
+                <a14:hiddenLine xmlns="" xmlns:a14="http://schemas.microsoft.com/office/drawing/2010/main" w="9525">
                   <a:solidFill>
                     <a:srgbClr val="000000"/>
                   </a:solidFill>
@@ -2315,7 +2315,7 @@
             </a:ln>
             <a:extLst>
               <a:ext uri="{91240B29-F687-4f45-9708-019B960494DF}">
-                <a14:hiddenLine xmlns:a14="http://schemas.microsoft.com/office/drawing/2010/main" xmlns="" w="9525">
+                <a14:hiddenLine xmlns="" xmlns:a14="http://schemas.microsoft.com/office/drawing/2010/main" w="9525">
                   <a:solidFill>
                     <a:srgbClr val="000000"/>
                   </a:solidFill>
@@ -2349,7 +2349,7 @@
             </a:ln>
             <a:extLst>
               <a:ext uri="{91240B29-F687-4f45-9708-019B960494DF}">
-                <a14:hiddenLine xmlns:a14="http://schemas.microsoft.com/office/drawing/2010/main" xmlns="" w="9525">
+                <a14:hiddenLine xmlns="" xmlns:a14="http://schemas.microsoft.com/office/drawing/2010/main" w="9525">
                   <a:solidFill>
                     <a:srgbClr val="000000"/>
                   </a:solidFill>
@@ -2439,7 +2439,7 @@
             </a:ln>
             <a:extLst>
               <a:ext uri="{91240B29-F687-4f45-9708-019B960494DF}">
-                <a14:hiddenLine xmlns:a14="http://schemas.microsoft.com/office/drawing/2010/main" xmlns="" w="9525">
+                <a14:hiddenLine xmlns="" xmlns:a14="http://schemas.microsoft.com/office/drawing/2010/main" w="9525">
                   <a:solidFill>
                     <a:srgbClr val="000000"/>
                   </a:solidFill>
@@ -2501,7 +2501,7 @@
             </a:ln>
             <a:extLst>
               <a:ext uri="{91240B29-F687-4f45-9708-019B960494DF}">
-                <a14:hiddenLine xmlns:a14="http://schemas.microsoft.com/office/drawing/2010/main" xmlns="" w="9525">
+                <a14:hiddenLine xmlns="" xmlns:a14="http://schemas.microsoft.com/office/drawing/2010/main" w="9525">
                   <a:solidFill>
                     <a:srgbClr val="000000"/>
                   </a:solidFill>
@@ -2563,7 +2563,7 @@
             </a:ln>
             <a:extLst>
               <a:ext uri="{91240B29-F687-4f45-9708-019B960494DF}">
-                <a14:hiddenLine xmlns:a14="http://schemas.microsoft.com/office/drawing/2010/main" xmlns="" w="9525">
+                <a14:hiddenLine xmlns="" xmlns:a14="http://schemas.microsoft.com/office/drawing/2010/main" w="9525">
                   <a:solidFill>
                     <a:srgbClr val="000000"/>
                   </a:solidFill>
@@ -2653,7 +2653,7 @@
             </a:ln>
             <a:extLst>
               <a:ext uri="{91240B29-F687-4f45-9708-019B960494DF}">
-                <a14:hiddenLine xmlns:a14="http://schemas.microsoft.com/office/drawing/2010/main" xmlns="" w="9525">
+                <a14:hiddenLine xmlns="" xmlns:a14="http://schemas.microsoft.com/office/drawing/2010/main" w="9525">
                   <a:solidFill>
                     <a:srgbClr val="000000"/>
                   </a:solidFill>
@@ -2721,7 +2721,7 @@
             </a:ln>
             <a:extLst>
               <a:ext uri="{91240B29-F687-4f45-9708-019B960494DF}">
-                <a14:hiddenLine xmlns:a14="http://schemas.microsoft.com/office/drawing/2010/main" xmlns="" w="9525">
+                <a14:hiddenLine xmlns="" xmlns:a14="http://schemas.microsoft.com/office/drawing/2010/main" w="9525">
                   <a:solidFill>
                     <a:srgbClr val="000000"/>
                   </a:solidFill>
@@ -2783,7 +2783,7 @@
             </a:ln>
             <a:extLst>
               <a:ext uri="{91240B29-F687-4f45-9708-019B960494DF}">
-                <a14:hiddenLine xmlns:a14="http://schemas.microsoft.com/office/drawing/2010/main" xmlns="" w="9525">
+                <a14:hiddenLine xmlns="" xmlns:a14="http://schemas.microsoft.com/office/drawing/2010/main" w="9525">
                   <a:solidFill>
                     <a:srgbClr val="000000"/>
                   </a:solidFill>
@@ -2873,7 +2873,7 @@
             </a:ln>
             <a:extLst>
               <a:ext uri="{91240B29-F687-4f45-9708-019B960494DF}">
-                <a14:hiddenLine xmlns:a14="http://schemas.microsoft.com/office/drawing/2010/main" xmlns="" w="9525">
+                <a14:hiddenLine xmlns="" xmlns:a14="http://schemas.microsoft.com/office/drawing/2010/main" w="9525">
                   <a:solidFill>
                     <a:srgbClr val="000000"/>
                   </a:solidFill>
@@ -2935,7 +2935,7 @@
             </a:ln>
             <a:extLst>
               <a:ext uri="{91240B29-F687-4f45-9708-019B960494DF}">
-                <a14:hiddenLine xmlns:a14="http://schemas.microsoft.com/office/drawing/2010/main" xmlns="" w="9525">
+                <a14:hiddenLine xmlns="" xmlns:a14="http://schemas.microsoft.com/office/drawing/2010/main" w="9525">
                   <a:solidFill>
                     <a:srgbClr val="000000"/>
                   </a:solidFill>
@@ -3025,7 +3025,7 @@
             </a:ln>
             <a:extLst>
               <a:ext uri="{91240B29-F687-4f45-9708-019B960494DF}">
-                <a14:hiddenLine xmlns:a14="http://schemas.microsoft.com/office/drawing/2010/main" xmlns="" w="9525">
+                <a14:hiddenLine xmlns="" xmlns:a14="http://schemas.microsoft.com/office/drawing/2010/main" w="9525">
                   <a:solidFill>
                     <a:srgbClr val="000000"/>
                   </a:solidFill>
@@ -3087,7 +3087,7 @@
             </a:ln>
             <a:extLst>
               <a:ext uri="{91240B29-F687-4f45-9708-019B960494DF}">
-                <a14:hiddenLine xmlns:a14="http://schemas.microsoft.com/office/drawing/2010/main" xmlns="" w="9525">
+                <a14:hiddenLine xmlns="" xmlns:a14="http://schemas.microsoft.com/office/drawing/2010/main" w="9525">
                   <a:solidFill>
                     <a:srgbClr val="000000"/>
                   </a:solidFill>
@@ -3177,7 +3177,7 @@
             </a:ln>
             <a:extLst>
               <a:ext uri="{91240B29-F687-4f45-9708-019B960494DF}">
-                <a14:hiddenLine xmlns:a14="http://schemas.microsoft.com/office/drawing/2010/main" xmlns="" w="9525">
+                <a14:hiddenLine xmlns="" xmlns:a14="http://schemas.microsoft.com/office/drawing/2010/main" w="9525">
                   <a:solidFill>
                     <a:srgbClr val="000000"/>
                   </a:solidFill>
@@ -3211,7 +3211,7 @@
             </a:ln>
             <a:extLst>
               <a:ext uri="{91240B29-F687-4f45-9708-019B960494DF}">
-                <a14:hiddenLine xmlns:a14="http://schemas.microsoft.com/office/drawing/2010/main" xmlns="" w="9525">
+                <a14:hiddenLine xmlns="" xmlns:a14="http://schemas.microsoft.com/office/drawing/2010/main" w="9525">
                   <a:solidFill>
                     <a:srgbClr val="000000"/>
                   </a:solidFill>
@@ -3276,7 +3276,7 @@
             </a:ln>
             <a:extLst>
               <a:ext uri="{91240B29-F687-4f45-9708-019B960494DF}">
-                <a14:hiddenLine xmlns:a14="http://schemas.microsoft.com/office/drawing/2010/main" xmlns="" w="9525">
+                <a14:hiddenLine xmlns="" xmlns:a14="http://schemas.microsoft.com/office/drawing/2010/main" w="9525">
                   <a:solidFill>
                     <a:srgbClr val="000000"/>
                   </a:solidFill>
@@ -3366,7 +3366,7 @@
             </a:ln>
             <a:extLst>
               <a:ext uri="{91240B29-F687-4f45-9708-019B960494DF}">
-                <a14:hiddenLine xmlns:a14="http://schemas.microsoft.com/office/drawing/2010/main" xmlns="" w="9525">
+                <a14:hiddenLine xmlns="" xmlns:a14="http://schemas.microsoft.com/office/drawing/2010/main" w="9525">
                   <a:solidFill>
                     <a:srgbClr val="000000"/>
                   </a:solidFill>
@@ -3428,7 +3428,7 @@
             </a:ln>
             <a:extLst>
               <a:ext uri="{91240B29-F687-4f45-9708-019B960494DF}">
-                <a14:hiddenLine xmlns:a14="http://schemas.microsoft.com/office/drawing/2010/main" xmlns="" w="9525">
+                <a14:hiddenLine xmlns="" xmlns:a14="http://schemas.microsoft.com/office/drawing/2010/main" w="9525">
                   <a:solidFill>
                     <a:srgbClr val="000000"/>
                   </a:solidFill>
@@ -3518,7 +3518,7 @@
             </a:ln>
             <a:extLst>
               <a:ext uri="{91240B29-F687-4f45-9708-019B960494DF}">
-                <a14:hiddenLine xmlns:a14="http://schemas.microsoft.com/office/drawing/2010/main" xmlns="" w="9525">
+                <a14:hiddenLine xmlns="" xmlns:a14="http://schemas.microsoft.com/office/drawing/2010/main" w="9525">
                   <a:solidFill>
                     <a:srgbClr val="000000"/>
                   </a:solidFill>
@@ -3608,7 +3608,7 @@
             </a:ln>
             <a:extLst>
               <a:ext uri="{91240B29-F687-4f45-9708-019B960494DF}">
-                <a14:hiddenLine xmlns:a14="http://schemas.microsoft.com/office/drawing/2010/main" xmlns="" w="9525">
+                <a14:hiddenLine xmlns="" xmlns:a14="http://schemas.microsoft.com/office/drawing/2010/main" w="9525">
                   <a:solidFill>
                     <a:srgbClr val="000000"/>
                   </a:solidFill>
@@ -3673,7 +3673,7 @@
             </a:ln>
             <a:extLst>
               <a:ext uri="{91240B29-F687-4f45-9708-019B960494DF}">
-                <a14:hiddenLine xmlns:a14="http://schemas.microsoft.com/office/drawing/2010/main" xmlns="" w="9525">
+                <a14:hiddenLine xmlns="" xmlns:a14="http://schemas.microsoft.com/office/drawing/2010/main" w="9525">
                   <a:solidFill>
                     <a:srgbClr val="000000"/>
                   </a:solidFill>
@@ -3735,7 +3735,7 @@
             </a:ln>
             <a:extLst>
               <a:ext uri="{91240B29-F687-4f45-9708-019B960494DF}">
-                <a14:hiddenLine xmlns:a14="http://schemas.microsoft.com/office/drawing/2010/main" xmlns="" w="9525">
+                <a14:hiddenLine xmlns="" xmlns:a14="http://schemas.microsoft.com/office/drawing/2010/main" w="9525">
                   <a:solidFill>
                     <a:srgbClr val="000000"/>
                   </a:solidFill>
@@ -3825,7 +3825,7 @@
             </a:ln>
             <a:extLst>
               <a:ext uri="{91240B29-F687-4f45-9708-019B960494DF}">
-                <a14:hiddenLine xmlns:a14="http://schemas.microsoft.com/office/drawing/2010/main" xmlns="" w="9525">
+                <a14:hiddenLine xmlns="" xmlns:a14="http://schemas.microsoft.com/office/drawing/2010/main" w="9525">
                   <a:solidFill>
                     <a:srgbClr val="000000"/>
                   </a:solidFill>
@@ -3915,7 +3915,7 @@
             </a:ln>
             <a:extLst>
               <a:ext uri="{91240B29-F687-4f45-9708-019B960494DF}">
-                <a14:hiddenLine xmlns:a14="http://schemas.microsoft.com/office/drawing/2010/main" xmlns="" w="9525">
+                <a14:hiddenLine xmlns="" xmlns:a14="http://schemas.microsoft.com/office/drawing/2010/main" w="9525">
                   <a:solidFill>
                     <a:srgbClr val="000000"/>
                   </a:solidFill>
@@ -3977,7 +3977,7 @@
             </a:ln>
             <a:extLst>
               <a:ext uri="{91240B29-F687-4f45-9708-019B960494DF}">
-                <a14:hiddenLine xmlns:a14="http://schemas.microsoft.com/office/drawing/2010/main" xmlns="" w="9525">
+                <a14:hiddenLine xmlns="" xmlns:a14="http://schemas.microsoft.com/office/drawing/2010/main" w="9525">
                   <a:solidFill>
                     <a:srgbClr val="000000"/>
                   </a:solidFill>
@@ -4097,7 +4097,7 @@
             </a:ln>
             <a:extLst>
               <a:ext uri="{91240B29-F687-4f45-9708-019B960494DF}">
-                <a14:hiddenLine xmlns:a14="http://schemas.microsoft.com/office/drawing/2010/main" xmlns="" w="9525">
+                <a14:hiddenLine xmlns="" xmlns:a14="http://schemas.microsoft.com/office/drawing/2010/main" w="9525">
                   <a:solidFill>
                     <a:srgbClr val="000000"/>
                   </a:solidFill>
@@ -4165,7 +4165,7 @@
             </a:ln>
             <a:extLst>
               <a:ext uri="{91240B29-F687-4f45-9708-019B960494DF}">
-                <a14:hiddenLine xmlns:a14="http://schemas.microsoft.com/office/drawing/2010/main" xmlns="" w="9525">
+                <a14:hiddenLine xmlns="" xmlns:a14="http://schemas.microsoft.com/office/drawing/2010/main" w="9525">
                   <a:solidFill>
                     <a:srgbClr val="000000"/>
                   </a:solidFill>
@@ -4255,7 +4255,7 @@
             </a:ln>
             <a:extLst>
               <a:ext uri="{91240B29-F687-4f45-9708-019B960494DF}">
-                <a14:hiddenLine xmlns:a14="http://schemas.microsoft.com/office/drawing/2010/main" xmlns="" w="9525">
+                <a14:hiddenLine xmlns="" xmlns:a14="http://schemas.microsoft.com/office/drawing/2010/main" w="9525">
                   <a:solidFill>
                     <a:srgbClr val="000000"/>
                   </a:solidFill>
@@ -4395,7 +4395,7 @@
           <a:p>
             <a:fld id="{48A87A34-81AB-432B-8DAE-1953F412C126}" type="datetimeFigureOut">
               <a:rPr lang="en-US" dirty="0"/>
-              <a:t>4/26/2018</a:t>
+              <a:t>4/26/18</a:t>
             </a:fld>
             <a:endParaRPr lang="en-US" dirty="0"/>
           </a:p>
@@ -4657,7 +4657,7 @@
           <a:p>
             <a:fld id="{48A87A34-81AB-432B-8DAE-1953F412C126}" type="datetimeFigureOut">
               <a:rPr lang="en-US" dirty="0"/>
-              <a:t>4/26/2018</a:t>
+              <a:t>4/26/18</a:t>
             </a:fld>
             <a:endParaRPr lang="en-US" dirty="0"/>
           </a:p>
@@ -4848,7 +4848,7 @@
           <a:p>
             <a:fld id="{48A87A34-81AB-432B-8DAE-1953F412C126}" type="datetimeFigureOut">
               <a:rPr lang="en-US" dirty="0"/>
-              <a:t>4/26/2018</a:t>
+              <a:t>4/26/18</a:t>
             </a:fld>
             <a:endParaRPr lang="en-US" dirty="0"/>
           </a:p>
@@ -5106,7 +5106,7 @@
           <a:p>
             <a:fld id="{48A87A34-81AB-432B-8DAE-1953F412C126}" type="datetimeFigureOut">
               <a:rPr lang="en-US" dirty="0"/>
-              <a:t>4/26/2018</a:t>
+              <a:t>4/26/18</a:t>
             </a:fld>
             <a:endParaRPr lang="en-US" dirty="0"/>
           </a:p>
@@ -5535,7 +5535,7 @@
           <a:p>
             <a:fld id="{48A87A34-81AB-432B-8DAE-1953F412C126}" type="datetimeFigureOut">
               <a:rPr lang="en-US" dirty="0"/>
-              <a:t>4/26/2018</a:t>
+              <a:t>4/26/18</a:t>
             </a:fld>
             <a:endParaRPr lang="en-US" dirty="0"/>
           </a:p>
@@ -6076,7 +6076,7 @@
           <a:p>
             <a:fld id="{48A87A34-81AB-432B-8DAE-1953F412C126}" type="datetimeFigureOut">
               <a:rPr lang="en-US" dirty="0"/>
-              <a:t>4/26/2018</a:t>
+              <a:t>4/26/18</a:t>
             </a:fld>
             <a:endParaRPr lang="en-US" dirty="0"/>
           </a:p>
@@ -6791,7 +6791,7 @@
           <a:p>
             <a:fld id="{48A87A34-81AB-432B-8DAE-1953F412C126}" type="datetimeFigureOut">
               <a:rPr lang="en-US" dirty="0"/>
-              <a:t>4/26/2018</a:t>
+              <a:t>4/26/18</a:t>
             </a:fld>
             <a:endParaRPr lang="en-US" dirty="0"/>
           </a:p>
@@ -6956,7 +6956,7 @@
           <a:p>
             <a:fld id="{48A87A34-81AB-432B-8DAE-1953F412C126}" type="datetimeFigureOut">
               <a:rPr lang="en-US" dirty="0"/>
-              <a:t>4/26/2018</a:t>
+              <a:t>4/26/18</a:t>
             </a:fld>
             <a:endParaRPr lang="en-US" dirty="0"/>
           </a:p>
@@ -7131,7 +7131,7 @@
           <a:p>
             <a:fld id="{48A87A34-81AB-432B-8DAE-1953F412C126}" type="datetimeFigureOut">
               <a:rPr lang="en-US" dirty="0"/>
-              <a:t>4/26/2018</a:t>
+              <a:t>4/26/18</a:t>
             </a:fld>
             <a:endParaRPr lang="en-US" dirty="0"/>
           </a:p>
@@ -7296,7 +7296,7 @@
           <a:p>
             <a:fld id="{48A87A34-81AB-432B-8DAE-1953F412C126}" type="datetimeFigureOut">
               <a:rPr lang="en-US" dirty="0"/>
-              <a:t>4/26/2018</a:t>
+              <a:t>4/26/18</a:t>
             </a:fld>
             <a:endParaRPr lang="en-US" dirty="0"/>
           </a:p>
@@ -7541,7 +7541,7 @@
           <a:p>
             <a:fld id="{48A87A34-81AB-432B-8DAE-1953F412C126}" type="datetimeFigureOut">
               <a:rPr lang="en-US" dirty="0"/>
-              <a:t>4/26/2018</a:t>
+              <a:t>4/26/18</a:t>
             </a:fld>
             <a:endParaRPr lang="en-US" dirty="0"/>
           </a:p>
@@ -7768,7 +7768,7 @@
           <a:p>
             <a:fld id="{48A87A34-81AB-432B-8DAE-1953F412C126}" type="datetimeFigureOut">
               <a:rPr lang="en-US" dirty="0"/>
-              <a:t>4/26/2018</a:t>
+              <a:t>4/26/18</a:t>
             </a:fld>
             <a:endParaRPr lang="en-US" dirty="0"/>
           </a:p>
@@ -8144,7 +8144,7 @@
           <a:p>
             <a:fld id="{48A87A34-81AB-432B-8DAE-1953F412C126}" type="datetimeFigureOut">
               <a:rPr lang="en-US" dirty="0"/>
-              <a:t>4/26/2018</a:t>
+              <a:t>4/26/18</a:t>
             </a:fld>
             <a:endParaRPr lang="en-US" dirty="0"/>
           </a:p>
@@ -8257,7 +8257,7 @@
           <a:p>
             <a:fld id="{48A87A34-81AB-432B-8DAE-1953F412C126}" type="datetimeFigureOut">
               <a:rPr lang="en-US" dirty="0"/>
-              <a:t>4/26/2018</a:t>
+              <a:t>4/26/18</a:t>
             </a:fld>
             <a:endParaRPr lang="en-US" dirty="0"/>
           </a:p>
@@ -8347,7 +8347,7 @@
           <a:p>
             <a:fld id="{48A87A34-81AB-432B-8DAE-1953F412C126}" type="datetimeFigureOut">
               <a:rPr lang="en-US" dirty="0"/>
-              <a:t>4/26/2018</a:t>
+              <a:t>4/26/18</a:t>
             </a:fld>
             <a:endParaRPr lang="en-US" dirty="0"/>
           </a:p>
@@ -8591,7 +8591,7 @@
           <a:p>
             <a:fld id="{48A87A34-81AB-432B-8DAE-1953F412C126}" type="datetimeFigureOut">
               <a:rPr lang="en-US" dirty="0"/>
-              <a:t>4/26/2018</a:t>
+              <a:t>4/26/18</a:t>
             </a:fld>
             <a:endParaRPr lang="en-US" dirty="0"/>
           </a:p>
@@ -8866,7 +8866,7 @@
           <a:p>
             <a:fld id="{48A87A34-81AB-432B-8DAE-1953F412C126}" type="datetimeFigureOut">
               <a:rPr lang="en-US" dirty="0"/>
-              <a:t>4/26/2018</a:t>
+              <a:t>4/26/18</a:t>
             </a:fld>
             <a:endParaRPr lang="en-US" dirty="0"/>
           </a:p>
@@ -8977,7 +8977,7 @@
           <a:noFill/>
           <a:extLst>
             <a:ext uri="{909E8E84-426E-40dd-AFC4-6F175D3DCCD1}">
-              <a14:hiddenFill xmlns:a14="http://schemas.microsoft.com/office/drawing/2010/main" xmlns="">
+              <a14:hiddenFill xmlns="" xmlns:a14="http://schemas.microsoft.com/office/drawing/2010/main">
                 <a:solidFill>
                   <a:srgbClr val="FFFFFF"/>
                 </a:solidFill>
@@ -9051,7 +9051,7 @@
               </a:ln>
               <a:extLst>
                 <a:ext uri="{91240B29-F687-4f45-9708-019B960494DF}">
-                  <a14:hiddenLine xmlns:a14="http://schemas.microsoft.com/office/drawing/2010/main" xmlns="" w="9525">
+                  <a14:hiddenLine xmlns="" xmlns:a14="http://schemas.microsoft.com/office/drawing/2010/main" w="9525">
                     <a:solidFill>
                       <a:srgbClr val="000000"/>
                     </a:solidFill>
@@ -9141,7 +9141,7 @@
               </a:ln>
               <a:extLst>
                 <a:ext uri="{91240B29-F687-4f45-9708-019B960494DF}">
-                  <a14:hiddenLine xmlns:a14="http://schemas.microsoft.com/office/drawing/2010/main" xmlns="" w="9525">
+                  <a14:hiddenLine xmlns="" xmlns:a14="http://schemas.microsoft.com/office/drawing/2010/main" w="9525">
                     <a:solidFill>
                       <a:srgbClr val="000000"/>
                     </a:solidFill>
@@ -9231,7 +9231,7 @@
               </a:ln>
               <a:extLst>
                 <a:ext uri="{91240B29-F687-4f45-9708-019B960494DF}">
-                  <a14:hiddenLine xmlns:a14="http://schemas.microsoft.com/office/drawing/2010/main" xmlns="" w="9525">
+                  <a14:hiddenLine xmlns="" xmlns:a14="http://schemas.microsoft.com/office/drawing/2010/main" w="9525">
                     <a:solidFill>
                       <a:srgbClr val="000000"/>
                     </a:solidFill>
@@ -9293,7 +9293,7 @@
               </a:ln>
               <a:extLst>
                 <a:ext uri="{91240B29-F687-4f45-9708-019B960494DF}">
-                  <a14:hiddenLine xmlns:a14="http://schemas.microsoft.com/office/drawing/2010/main" xmlns="" w="9525">
+                  <a14:hiddenLine xmlns="" xmlns:a14="http://schemas.microsoft.com/office/drawing/2010/main" w="9525">
                     <a:solidFill>
                       <a:srgbClr val="000000"/>
                     </a:solidFill>
@@ -9383,7 +9383,7 @@
               </a:ln>
               <a:extLst>
                 <a:ext uri="{91240B29-F687-4f45-9708-019B960494DF}">
-                  <a14:hiddenLine xmlns:a14="http://schemas.microsoft.com/office/drawing/2010/main" xmlns="" w="9525">
+                  <a14:hiddenLine xmlns="" xmlns:a14="http://schemas.microsoft.com/office/drawing/2010/main" w="9525">
                     <a:solidFill>
                       <a:srgbClr val="000000"/>
                     </a:solidFill>
@@ -9445,7 +9445,7 @@
               </a:ln>
               <a:extLst>
                 <a:ext uri="{91240B29-F687-4f45-9708-019B960494DF}">
-                  <a14:hiddenLine xmlns:a14="http://schemas.microsoft.com/office/drawing/2010/main" xmlns="" w="9525">
+                  <a14:hiddenLine xmlns="" xmlns:a14="http://schemas.microsoft.com/office/drawing/2010/main" w="9525">
                     <a:solidFill>
                       <a:srgbClr val="000000"/>
                     </a:solidFill>
@@ -9507,7 +9507,7 @@
               </a:ln>
               <a:extLst>
                 <a:ext uri="{91240B29-F687-4f45-9708-019B960494DF}">
-                  <a14:hiddenLine xmlns:a14="http://schemas.microsoft.com/office/drawing/2010/main" xmlns="" w="9525">
+                  <a14:hiddenLine xmlns="" xmlns:a14="http://schemas.microsoft.com/office/drawing/2010/main" w="9525">
                     <a:solidFill>
                       <a:srgbClr val="000000"/>
                     </a:solidFill>
@@ -9597,7 +9597,7 @@
               </a:ln>
               <a:extLst>
                 <a:ext uri="{91240B29-F687-4f45-9708-019B960494DF}">
-                  <a14:hiddenLine xmlns:a14="http://schemas.microsoft.com/office/drawing/2010/main" xmlns="" w="9525">
+                  <a14:hiddenLine xmlns="" xmlns:a14="http://schemas.microsoft.com/office/drawing/2010/main" w="9525">
                     <a:solidFill>
                       <a:srgbClr val="000000"/>
                     </a:solidFill>
@@ -9687,7 +9687,7 @@
               </a:ln>
               <a:extLst>
                 <a:ext uri="{91240B29-F687-4f45-9708-019B960494DF}">
-                  <a14:hiddenLine xmlns:a14="http://schemas.microsoft.com/office/drawing/2010/main" xmlns="" w="9525">
+                  <a14:hiddenLine xmlns="" xmlns:a14="http://schemas.microsoft.com/office/drawing/2010/main" w="9525">
                     <a:solidFill>
                       <a:srgbClr val="000000"/>
                     </a:solidFill>
@@ -9749,7 +9749,7 @@
               </a:ln>
               <a:extLst>
                 <a:ext uri="{91240B29-F687-4f45-9708-019B960494DF}">
-                  <a14:hiddenLine xmlns:a14="http://schemas.microsoft.com/office/drawing/2010/main" xmlns="" w="9525">
+                  <a14:hiddenLine xmlns="" xmlns:a14="http://schemas.microsoft.com/office/drawing/2010/main" w="9525">
                     <a:solidFill>
                       <a:srgbClr val="000000"/>
                     </a:solidFill>
@@ -9859,7 +9859,7 @@
               </a:ln>
               <a:extLst>
                 <a:ext uri="{91240B29-F687-4f45-9708-019B960494DF}">
-                  <a14:hiddenLine xmlns:a14="http://schemas.microsoft.com/office/drawing/2010/main" xmlns="" w="9525">
+                  <a14:hiddenLine xmlns="" xmlns:a14="http://schemas.microsoft.com/office/drawing/2010/main" w="9525">
                     <a:solidFill>
                       <a:srgbClr val="000000"/>
                     </a:solidFill>
@@ -9943,7 +9943,7 @@
               </a:ln>
               <a:extLst>
                 <a:ext uri="{91240B29-F687-4f45-9708-019B960494DF}">
-                  <a14:hiddenLine xmlns:a14="http://schemas.microsoft.com/office/drawing/2010/main" xmlns="" w="9525">
+                  <a14:hiddenLine xmlns="" xmlns:a14="http://schemas.microsoft.com/office/drawing/2010/main" w="9525">
                     <a:solidFill>
                       <a:srgbClr val="000000"/>
                     </a:solidFill>
@@ -10005,7 +10005,7 @@
               </a:ln>
               <a:extLst>
                 <a:ext uri="{91240B29-F687-4f45-9708-019B960494DF}">
-                  <a14:hiddenLine xmlns:a14="http://schemas.microsoft.com/office/drawing/2010/main" xmlns="" w="9525">
+                  <a14:hiddenLine xmlns="" xmlns:a14="http://schemas.microsoft.com/office/drawing/2010/main" w="9525">
                     <a:solidFill>
                       <a:srgbClr val="000000"/>
                     </a:solidFill>
@@ -10067,7 +10067,7 @@
               </a:ln>
               <a:extLst>
                 <a:ext uri="{91240B29-F687-4f45-9708-019B960494DF}">
-                  <a14:hiddenLine xmlns:a14="http://schemas.microsoft.com/office/drawing/2010/main" xmlns="" w="9525">
+                  <a14:hiddenLine xmlns="" xmlns:a14="http://schemas.microsoft.com/office/drawing/2010/main" w="9525">
                     <a:solidFill>
                       <a:srgbClr val="000000"/>
                     </a:solidFill>
@@ -10157,7 +10157,7 @@
               </a:ln>
               <a:extLst>
                 <a:ext uri="{91240B29-F687-4f45-9708-019B960494DF}">
-                  <a14:hiddenLine xmlns:a14="http://schemas.microsoft.com/office/drawing/2010/main" xmlns="" w="9525">
+                  <a14:hiddenLine xmlns="" xmlns:a14="http://schemas.microsoft.com/office/drawing/2010/main" w="9525">
                     <a:solidFill>
                       <a:srgbClr val="000000"/>
                     </a:solidFill>
@@ -10191,7 +10191,7 @@
               </a:ln>
               <a:extLst>
                 <a:ext uri="{91240B29-F687-4f45-9708-019B960494DF}">
-                  <a14:hiddenLine xmlns:a14="http://schemas.microsoft.com/office/drawing/2010/main" xmlns="" w="9525">
+                  <a14:hiddenLine xmlns="" xmlns:a14="http://schemas.microsoft.com/office/drawing/2010/main" w="9525">
                     <a:solidFill>
                       <a:srgbClr val="000000"/>
                     </a:solidFill>
@@ -10256,7 +10256,7 @@
               </a:ln>
               <a:extLst>
                 <a:ext uri="{91240B29-F687-4f45-9708-019B960494DF}">
-                  <a14:hiddenLine xmlns:a14="http://schemas.microsoft.com/office/drawing/2010/main" xmlns="" w="9525">
+                  <a14:hiddenLine xmlns="" xmlns:a14="http://schemas.microsoft.com/office/drawing/2010/main" w="9525">
                     <a:solidFill>
                       <a:srgbClr val="000000"/>
                     </a:solidFill>
@@ -10346,7 +10346,7 @@
               </a:ln>
               <a:extLst>
                 <a:ext uri="{91240B29-F687-4f45-9708-019B960494DF}">
-                  <a14:hiddenLine xmlns:a14="http://schemas.microsoft.com/office/drawing/2010/main" xmlns="" w="9525">
+                  <a14:hiddenLine xmlns="" xmlns:a14="http://schemas.microsoft.com/office/drawing/2010/main" w="9525">
                     <a:solidFill>
                       <a:srgbClr val="000000"/>
                     </a:solidFill>
@@ -10408,7 +10408,7 @@
               </a:ln>
               <a:extLst>
                 <a:ext uri="{91240B29-F687-4f45-9708-019B960494DF}">
-                  <a14:hiddenLine xmlns:a14="http://schemas.microsoft.com/office/drawing/2010/main" xmlns="" w="9525">
+                  <a14:hiddenLine xmlns="" xmlns:a14="http://schemas.microsoft.com/office/drawing/2010/main" w="9525">
                     <a:solidFill>
                       <a:srgbClr val="000000"/>
                     </a:solidFill>
@@ -10498,7 +10498,7 @@
               </a:ln>
               <a:extLst>
                 <a:ext uri="{91240B29-F687-4f45-9708-019B960494DF}">
-                  <a14:hiddenLine xmlns:a14="http://schemas.microsoft.com/office/drawing/2010/main" xmlns="" w="9525">
+                  <a14:hiddenLine xmlns="" xmlns:a14="http://schemas.microsoft.com/office/drawing/2010/main" w="9525">
                     <a:solidFill>
                       <a:srgbClr val="000000"/>
                     </a:solidFill>
@@ -10563,7 +10563,7 @@
               </a:ln>
               <a:extLst>
                 <a:ext uri="{91240B29-F687-4f45-9708-019B960494DF}">
-                  <a14:hiddenLine xmlns:a14="http://schemas.microsoft.com/office/drawing/2010/main" xmlns="" w="9525">
+                  <a14:hiddenLine xmlns="" xmlns:a14="http://schemas.microsoft.com/office/drawing/2010/main" w="9525">
                     <a:solidFill>
                       <a:srgbClr val="000000"/>
                     </a:solidFill>
@@ -10625,7 +10625,7 @@
               </a:ln>
               <a:extLst>
                 <a:ext uri="{91240B29-F687-4f45-9708-019B960494DF}">
-                  <a14:hiddenLine xmlns:a14="http://schemas.microsoft.com/office/drawing/2010/main" xmlns="" w="9525">
+                  <a14:hiddenLine xmlns="" xmlns:a14="http://schemas.microsoft.com/office/drawing/2010/main" w="9525">
                     <a:solidFill>
                       <a:srgbClr val="000000"/>
                     </a:solidFill>
@@ -10715,7 +10715,7 @@
               </a:ln>
               <a:extLst>
                 <a:ext uri="{91240B29-F687-4f45-9708-019B960494DF}">
-                  <a14:hiddenLine xmlns:a14="http://schemas.microsoft.com/office/drawing/2010/main" xmlns="" w="9525">
+                  <a14:hiddenLine xmlns="" xmlns:a14="http://schemas.microsoft.com/office/drawing/2010/main" w="9525">
                     <a:solidFill>
                       <a:srgbClr val="000000"/>
                     </a:solidFill>
@@ -10805,7 +10805,7 @@
               </a:ln>
               <a:extLst>
                 <a:ext uri="{91240B29-F687-4f45-9708-019B960494DF}">
-                  <a14:hiddenLine xmlns:a14="http://schemas.microsoft.com/office/drawing/2010/main" xmlns="" w="9525">
+                  <a14:hiddenLine xmlns="" xmlns:a14="http://schemas.microsoft.com/office/drawing/2010/main" w="9525">
                     <a:solidFill>
                       <a:srgbClr val="000000"/>
                     </a:solidFill>
@@ -10870,7 +10870,7 @@
               </a:ln>
               <a:extLst>
                 <a:ext uri="{91240B29-F687-4f45-9708-019B960494DF}">
-                  <a14:hiddenLine xmlns:a14="http://schemas.microsoft.com/office/drawing/2010/main" xmlns="" w="9525">
+                  <a14:hiddenLine xmlns="" xmlns:a14="http://schemas.microsoft.com/office/drawing/2010/main" w="9525">
                     <a:solidFill>
                       <a:srgbClr val="000000"/>
                     </a:solidFill>
@@ -10990,7 +10990,7 @@
               </a:ln>
               <a:extLst>
                 <a:ext uri="{91240B29-F687-4f45-9708-019B960494DF}">
-                  <a14:hiddenLine xmlns:a14="http://schemas.microsoft.com/office/drawing/2010/main" xmlns="" w="9525">
+                  <a14:hiddenLine xmlns="" xmlns:a14="http://schemas.microsoft.com/office/drawing/2010/main" w="9525">
                     <a:solidFill>
                       <a:srgbClr val="000000"/>
                     </a:solidFill>
@@ -11088,7 +11088,7 @@
               </a:ln>
               <a:extLst>
                 <a:ext uri="{91240B29-F687-4f45-9708-019B960494DF}">
-                  <a14:hiddenLine xmlns:a14="http://schemas.microsoft.com/office/drawing/2010/main" xmlns="" w="9525">
+                  <a14:hiddenLine xmlns="" xmlns:a14="http://schemas.microsoft.com/office/drawing/2010/main" w="9525">
                     <a:solidFill>
                       <a:srgbClr val="000000"/>
                     </a:solidFill>
@@ -11203,7 +11203,7 @@
               </a:ln>
               <a:extLst>
                 <a:ext uri="{91240B29-F687-4f45-9708-019B960494DF}">
-                  <a14:hiddenLine xmlns:a14="http://schemas.microsoft.com/office/drawing/2010/main" xmlns="" w="9525">
+                  <a14:hiddenLine xmlns="" xmlns:a14="http://schemas.microsoft.com/office/drawing/2010/main" w="9525">
                     <a:solidFill>
                       <a:srgbClr val="000000"/>
                     </a:solidFill>
@@ -11293,7 +11293,7 @@
               </a:ln>
               <a:extLst>
                 <a:ext uri="{91240B29-F687-4f45-9708-019B960494DF}">
-                  <a14:hiddenLine xmlns:a14="http://schemas.microsoft.com/office/drawing/2010/main" xmlns="" w="9525">
+                  <a14:hiddenLine xmlns="" xmlns:a14="http://schemas.microsoft.com/office/drawing/2010/main" w="9525">
                     <a:solidFill>
                       <a:srgbClr val="000000"/>
                     </a:solidFill>
@@ -11358,7 +11358,7 @@
               </a:ln>
               <a:extLst>
                 <a:ext uri="{91240B29-F687-4f45-9708-019B960494DF}">
-                  <a14:hiddenLine xmlns:a14="http://schemas.microsoft.com/office/drawing/2010/main" xmlns="" w="9525">
+                  <a14:hiddenLine xmlns="" xmlns:a14="http://schemas.microsoft.com/office/drawing/2010/main" w="9525">
                     <a:solidFill>
                       <a:srgbClr val="000000"/>
                     </a:solidFill>
@@ -11448,7 +11448,7 @@
               </a:ln>
               <a:extLst>
                 <a:ext uri="{91240B29-F687-4f45-9708-019B960494DF}">
-                  <a14:hiddenLine xmlns:a14="http://schemas.microsoft.com/office/drawing/2010/main" xmlns="" w="9525">
+                  <a14:hiddenLine xmlns="" xmlns:a14="http://schemas.microsoft.com/office/drawing/2010/main" w="9525">
                     <a:solidFill>
                       <a:srgbClr val="000000"/>
                     </a:solidFill>
@@ -11516,7 +11516,7 @@
               </a:ln>
               <a:extLst>
                 <a:ext uri="{91240B29-F687-4f45-9708-019B960494DF}">
-                  <a14:hiddenLine xmlns:a14="http://schemas.microsoft.com/office/drawing/2010/main" xmlns="" w="9525">
+                  <a14:hiddenLine xmlns="" xmlns:a14="http://schemas.microsoft.com/office/drawing/2010/main" w="9525">
                     <a:solidFill>
                       <a:srgbClr val="000000"/>
                     </a:solidFill>
@@ -11606,7 +11606,7 @@
               </a:ln>
               <a:extLst>
                 <a:ext uri="{91240B29-F687-4f45-9708-019B960494DF}">
-                  <a14:hiddenLine xmlns:a14="http://schemas.microsoft.com/office/drawing/2010/main" xmlns="" w="9525">
+                  <a14:hiddenLine xmlns="" xmlns:a14="http://schemas.microsoft.com/office/drawing/2010/main" w="9525">
                     <a:solidFill>
                       <a:srgbClr val="000000"/>
                     </a:solidFill>
@@ -11674,7 +11674,7 @@
               </a:ln>
               <a:extLst>
                 <a:ext uri="{91240B29-F687-4f45-9708-019B960494DF}">
-                  <a14:hiddenLine xmlns:a14="http://schemas.microsoft.com/office/drawing/2010/main" xmlns="" w="9525">
+                  <a14:hiddenLine xmlns="" xmlns:a14="http://schemas.microsoft.com/office/drawing/2010/main" w="9525">
                     <a:solidFill>
                       <a:srgbClr val="000000"/>
                     </a:solidFill>
@@ -11764,7 +11764,7 @@
               </a:ln>
               <a:extLst>
                 <a:ext uri="{91240B29-F687-4f45-9708-019B960494DF}">
-                  <a14:hiddenLine xmlns:a14="http://schemas.microsoft.com/office/drawing/2010/main" xmlns="" w="9525">
+                  <a14:hiddenLine xmlns="" xmlns:a14="http://schemas.microsoft.com/office/drawing/2010/main" w="9525">
                     <a:solidFill>
                       <a:srgbClr val="000000"/>
                     </a:solidFill>
@@ -11798,7 +11798,7 @@
               </a:ln>
               <a:extLst>
                 <a:ext uri="{91240B29-F687-4f45-9708-019B960494DF}">
-                  <a14:hiddenLine xmlns:a14="http://schemas.microsoft.com/office/drawing/2010/main" xmlns="" w="9525">
+                  <a14:hiddenLine xmlns="" xmlns:a14="http://schemas.microsoft.com/office/drawing/2010/main" w="9525">
                     <a:solidFill>
                       <a:srgbClr val="000000"/>
                     </a:solidFill>
@@ -11939,7 +11939,7 @@
             <a:fld id="{48A87A34-81AB-432B-8DAE-1953F412C126}" type="datetimeFigureOut">
               <a:rPr lang="en-US" dirty="0"/>
               <a:pPr/>
-              <a:t>4/26/2018</a:t>
+              <a:t>4/26/18</a:t>
             </a:fld>
             <a:endParaRPr lang="en-US" dirty="0"/>
           </a:p>
@@ -12661,20 +12661,43 @@
         </p:nvSpPr>
         <p:spPr/>
         <p:txBody>
-          <a:bodyPr/>
+          <a:bodyPr>
+            <a:normAutofit fontScale="92500" lnSpcReduction="20000"/>
+          </a:bodyPr>
           <a:lstStyle/>
           <a:p>
             <a:r>
               <a:rPr lang="en-US" dirty="0"/>
-              <a:t>Previous research either generated MIDI melodies or used a different architectures</a:t>
+              <a:t>Previous research either generated MIDI melodies or used a different network architectures</a:t>
+            </a:r>
+          </a:p>
+          <a:p>
+            <a:r>
+              <a:rPr lang="en-US" dirty="0"/>
+              <a:t>Using spectrograms captures overtones and gives realistic (instead of synthesized) audio</a:t>
+            </a:r>
+          </a:p>
+          <a:p>
+            <a:r>
+              <a:rPr lang="en-US" dirty="0"/>
+              <a:t>Previous research did not expand further from timbre analysis and/or timbre creation into chord generation etc.</a:t>
+            </a:r>
+          </a:p>
+          <a:p>
+            <a:r>
+              <a:rPr lang="en-US" dirty="0"/>
+              <a:t>This project will use generative adversarial networks (GANs), which generate images given a set of correct or ideal images</a:t>
             </a:r>
           </a:p>
           <a:p>
             <a:pPr lvl="1"/>
             <a:r>
               <a:rPr lang="en-US" dirty="0"/>
-              <a:t>Previous research also did not expand further from timbre analysis/creation</a:t>
-            </a:r>
+              <a:t>Unsupervised, meaning no classification labels are given with the training data</a:t>
+            </a:r>
+          </a:p>
+          <a:p>
+            <a:endParaRPr lang="en-US" dirty="0"/>
           </a:p>
         </p:txBody>
       </p:sp>
@@ -12710,7 +12733,13 @@
       </p:grpSpPr>
       <p:sp>
         <p:nvSpPr>
-          <p:cNvPr id="2" name="Title 1"/>
+          <p:cNvPr id="2" name="Title 1">
+            <a:extLst>
+              <a:ext uri="{FF2B5EF4-FFF2-40B4-BE49-F238E27FC236}">
+                <a16:creationId xmlns:a16="http://schemas.microsoft.com/office/drawing/2014/main" id="{07CAC8C6-514F-FF4C-9C58-5E4ECA6F619D}"/>
+              </a:ext>
+            </a:extLst>
+          </p:cNvPr>
           <p:cNvSpPr>
             <a:spLocks noGrp="1"/>
           </p:cNvSpPr>
@@ -12725,43 +12754,131 @@
           <a:p>
             <a:r>
               <a:rPr lang="en-US" dirty="0"/>
-              <a:t>Generative adversarial networks (GAN)</a:t>
-            </a:r>
-          </a:p>
-        </p:txBody>
-      </p:sp>
-      <p:sp>
-        <p:nvSpPr>
-          <p:cNvPr id="3" name="Content Placeholder 2"/>
+              <a:t>Current progress</a:t>
+            </a:r>
+          </a:p>
+        </p:txBody>
+      </p:sp>
+      <p:sp>
+        <p:nvSpPr>
+          <p:cNvPr id="3" name="Content Placeholder 2">
+            <a:extLst>
+              <a:ext uri="{FF2B5EF4-FFF2-40B4-BE49-F238E27FC236}">
+                <a16:creationId xmlns:a16="http://schemas.microsoft.com/office/drawing/2014/main" id="{6EF4AB9E-2E9A-CB4C-916C-C97AA44BB3E2}"/>
+              </a:ext>
+            </a:extLst>
+          </p:cNvPr>
           <p:cNvSpPr>
             <a:spLocks noGrp="1"/>
           </p:cNvSpPr>
           <p:nvPr>
-            <p:ph idx="1"/>
+            <p:ph sz="half" idx="1"/>
           </p:nvPr>
         </p:nvSpPr>
         <p:spPr/>
         <p:txBody>
-          <a:bodyPr/>
+          <a:bodyPr>
+            <a:normAutofit fontScale="92500" lnSpcReduction="10000"/>
+          </a:bodyPr>
           <a:lstStyle/>
           <a:p>
+            <a:pPr marL="0" indent="0">
+              <a:buNone/>
+            </a:pPr>
             <a:r>
               <a:rPr lang="en-US" dirty="0"/>
-              <a:t>GANs generate images given a set of correct or ideal images</a:t>
+              <a:t>Math:</a:t>
             </a:r>
           </a:p>
           <a:p>
             <a:r>
               <a:rPr lang="en-US" dirty="0"/>
-              <a:t>Two networks compete against each other</a:t>
-            </a:r>
+              <a:t>Finished linear algebra course</a:t>
+            </a:r>
+          </a:p>
+          <a:p>
+            <a:r>
+              <a:rPr lang="en-US" dirty="0"/>
+              <a:t>Currently working on multivariable course</a:t>
+            </a:r>
+          </a:p>
+          <a:p>
+            <a:r>
+              <a:rPr lang="en-US" dirty="0"/>
+              <a:t>Learn how to code a neural network in Python (</a:t>
+            </a:r>
+            <a:r>
+              <a:rPr lang="en-US" dirty="0" err="1"/>
+              <a:t>Jupyter</a:t>
+            </a:r>
+            <a:r>
+              <a:rPr lang="en-US" dirty="0"/>
+              <a:t> notebooks)</a:t>
+            </a:r>
+          </a:p>
+        </p:txBody>
+      </p:sp>
+      <p:sp>
+        <p:nvSpPr>
+          <p:cNvPr id="4" name="Content Placeholder 3">
+            <a:extLst>
+              <a:ext uri="{FF2B5EF4-FFF2-40B4-BE49-F238E27FC236}">
+                <a16:creationId xmlns:a16="http://schemas.microsoft.com/office/drawing/2014/main" id="{24DADED3-15BA-9541-8D60-53085C0B978A}"/>
+              </a:ext>
+            </a:extLst>
+          </p:cNvPr>
+          <p:cNvSpPr>
+            <a:spLocks noGrp="1"/>
+          </p:cNvSpPr>
+          <p:nvPr>
+            <p:ph sz="half" idx="2"/>
+          </p:nvPr>
+        </p:nvSpPr>
+        <p:spPr/>
+        <p:txBody>
+          <a:bodyPr>
+            <a:normAutofit fontScale="92500" lnSpcReduction="10000"/>
+          </a:bodyPr>
+          <a:lstStyle/>
+          <a:p>
+            <a:pPr marL="0" indent="0">
+              <a:buNone/>
+            </a:pPr>
+            <a:r>
+              <a:rPr lang="en-US" dirty="0"/>
+              <a:t>Science:</a:t>
+            </a:r>
+          </a:p>
+          <a:p>
+            <a:r>
+              <a:rPr lang="en-US" dirty="0"/>
+              <a:t>Found GANs and researched their architecture</a:t>
+            </a:r>
+          </a:p>
+          <a:p>
+            <a:r>
+              <a:rPr lang="en-US" dirty="0"/>
+              <a:t>Found previous machine learning tone generation attempts</a:t>
+            </a:r>
+          </a:p>
+          <a:p>
+            <a:r>
+              <a:rPr lang="en-US" dirty="0"/>
+              <a:t>Will look at more concrete implementations of GANs, ex. deep convolutional GANs (DCGANs)</a:t>
+            </a:r>
+          </a:p>
+          <a:p>
+            <a:endParaRPr lang="en-US" dirty="0"/>
+          </a:p>
+          <a:p>
+            <a:endParaRPr lang="en-US" dirty="0"/>
           </a:p>
         </p:txBody>
       </p:sp>
     </p:spTree>
     <p:extLst>
       <p:ext uri="{BB962C8B-B14F-4D97-AF65-F5344CB8AC3E}">
-        <p14:creationId xmlns:p14="http://schemas.microsoft.com/office/powerpoint/2010/main" val="3375790044"/>
+        <p14:creationId xmlns:p14="http://schemas.microsoft.com/office/powerpoint/2010/main" val="1940857632"/>
       </p:ext>
     </p:extLst>
   </p:cSld>
@@ -12772,6 +12889,1859 @@
 </file>
 
 <file path=ppt/slides/slide6.xml><?xml version="1.0" encoding="utf-8"?>
+<p:sld xmlns:a="http://schemas.openxmlformats.org/drawingml/2006/main" xmlns:r="http://schemas.openxmlformats.org/officeDocument/2006/relationships" xmlns:p="http://schemas.openxmlformats.org/presentationml/2006/main">
+  <p:cSld>
+    <p:spTree>
+      <p:nvGrpSpPr>
+        <p:cNvPr id="1" name=""/>
+        <p:cNvGrpSpPr/>
+        <p:nvPr/>
+      </p:nvGrpSpPr>
+      <p:grpSpPr>
+        <a:xfrm>
+          <a:off x="0" y="0"/>
+          <a:ext cx="0" cy="0"/>
+          <a:chOff x="0" y="0"/>
+          <a:chExt cx="0" cy="0"/>
+        </a:xfrm>
+      </p:grpSpPr>
+      <p:sp>
+        <p:nvSpPr>
+          <p:cNvPr id="67" name="Alternate Process 15">
+            <a:extLst/>
+          </p:cNvPr>
+          <p:cNvSpPr/>
+          <p:nvPr/>
+        </p:nvSpPr>
+        <p:spPr>
+          <a:xfrm>
+            <a:off x="2714984" y="1054502"/>
+            <a:ext cx="1371600" cy="457200"/>
+          </a:xfrm>
+          <a:prstGeom prst="flowChartAlternateProcess">
+            <a:avLst/>
+          </a:prstGeom>
+          <a:ln/>
+        </p:spPr>
+        <p:style>
+          <a:lnRef idx="2">
+            <a:schemeClr val="accent5">
+              <a:shade val="50000"/>
+            </a:schemeClr>
+          </a:lnRef>
+          <a:fillRef idx="1">
+            <a:schemeClr val="accent5"/>
+          </a:fillRef>
+          <a:effectRef idx="0">
+            <a:schemeClr val="accent5"/>
+          </a:effectRef>
+          <a:fontRef idx="minor">
+            <a:schemeClr val="lt1"/>
+          </a:fontRef>
+        </p:style>
+        <p:txBody>
+          <a:bodyPr rtlCol="0" anchor="ctr"/>
+          <a:lstStyle/>
+          <a:p>
+            <a:pPr algn="ctr"/>
+            <a:endParaRPr lang="en-US" sz="1400" dirty="0"/>
+          </a:p>
+        </p:txBody>
+      </p:sp>
+      <p:sp>
+        <p:nvSpPr>
+          <p:cNvPr id="68" name="Alternate Process 15">
+            <a:extLst/>
+          </p:cNvPr>
+          <p:cNvSpPr/>
+          <p:nvPr/>
+        </p:nvSpPr>
+        <p:spPr>
+          <a:xfrm>
+            <a:off x="2669057" y="1098708"/>
+            <a:ext cx="1371600" cy="457200"/>
+          </a:xfrm>
+          <a:prstGeom prst="flowChartAlternateProcess">
+            <a:avLst/>
+          </a:prstGeom>
+          <a:ln/>
+        </p:spPr>
+        <p:style>
+          <a:lnRef idx="2">
+            <a:schemeClr val="accent5">
+              <a:shade val="50000"/>
+            </a:schemeClr>
+          </a:lnRef>
+          <a:fillRef idx="1">
+            <a:schemeClr val="accent5"/>
+          </a:fillRef>
+          <a:effectRef idx="0">
+            <a:schemeClr val="accent5"/>
+          </a:effectRef>
+          <a:fontRef idx="minor">
+            <a:schemeClr val="lt1"/>
+          </a:fontRef>
+        </p:style>
+        <p:txBody>
+          <a:bodyPr rtlCol="0" anchor="ctr"/>
+          <a:lstStyle/>
+          <a:p>
+            <a:pPr algn="ctr"/>
+            <a:endParaRPr lang="en-US" sz="1400" dirty="0"/>
+          </a:p>
+        </p:txBody>
+      </p:sp>
+      <p:sp>
+        <p:nvSpPr>
+          <p:cNvPr id="29" name="TextBox 28">
+            <a:extLst/>
+          </p:cNvPr>
+          <p:cNvSpPr txBox="1"/>
+          <p:nvPr/>
+        </p:nvSpPr>
+        <p:spPr>
+          <a:xfrm>
+            <a:off x="6946542" y="1008994"/>
+            <a:ext cx="3474720" cy="640080"/>
+          </a:xfrm>
+          <a:prstGeom prst="rect">
+            <a:avLst/>
+          </a:prstGeom>
+          <a:noFill/>
+          <a:ln w="38100">
+            <a:solidFill>
+              <a:schemeClr val="tx1"/>
+            </a:solidFill>
+            <a:prstDash val="dash"/>
+          </a:ln>
+        </p:spPr>
+        <p:txBody>
+          <a:bodyPr wrap="square" rtlCol="0">
+            <a:spAutoFit/>
+          </a:bodyPr>
+          <a:lstStyle/>
+          <a:p>
+            <a:endParaRPr lang="en-US" dirty="0"/>
+          </a:p>
+        </p:txBody>
+      </p:sp>
+      <p:sp>
+        <p:nvSpPr>
+          <p:cNvPr id="4" name="TextBox 3">
+            <a:extLst/>
+          </p:cNvPr>
+          <p:cNvSpPr txBox="1"/>
+          <p:nvPr/>
+        </p:nvSpPr>
+        <p:spPr>
+          <a:xfrm>
+            <a:off x="6946542" y="2161644"/>
+            <a:ext cx="3474720" cy="914400"/>
+          </a:xfrm>
+          <a:prstGeom prst="rect">
+            <a:avLst/>
+          </a:prstGeom>
+          <a:noFill/>
+          <a:ln w="38100">
+            <a:solidFill>
+              <a:schemeClr val="tx1"/>
+            </a:solidFill>
+            <a:prstDash val="dash"/>
+          </a:ln>
+        </p:spPr>
+        <p:txBody>
+          <a:bodyPr wrap="square" rtlCol="0">
+            <a:spAutoFit/>
+          </a:bodyPr>
+          <a:lstStyle/>
+          <a:p>
+            <a:endParaRPr lang="en-US" dirty="0"/>
+          </a:p>
+        </p:txBody>
+      </p:sp>
+      <p:sp>
+        <p:nvSpPr>
+          <p:cNvPr id="5" name="Alternate Process 3">
+            <a:extLst/>
+          </p:cNvPr>
+          <p:cNvSpPr/>
+          <p:nvPr/>
+        </p:nvSpPr>
+        <p:spPr>
+          <a:xfrm>
+            <a:off x="7038327" y="2252748"/>
+            <a:ext cx="1371600" cy="731520"/>
+          </a:xfrm>
+          <a:prstGeom prst="flowChartAlternateProcess">
+            <a:avLst/>
+          </a:prstGeom>
+          <a:ln/>
+        </p:spPr>
+        <p:style>
+          <a:lnRef idx="2">
+            <a:schemeClr val="accent5">
+              <a:shade val="50000"/>
+            </a:schemeClr>
+          </a:lnRef>
+          <a:fillRef idx="1">
+            <a:schemeClr val="accent5"/>
+          </a:fillRef>
+          <a:effectRef idx="0">
+            <a:schemeClr val="accent5"/>
+          </a:effectRef>
+          <a:fontRef idx="minor">
+            <a:schemeClr val="lt1"/>
+          </a:fontRef>
+        </p:style>
+        <p:txBody>
+          <a:bodyPr rtlCol="0" anchor="ctr"/>
+          <a:lstStyle/>
+          <a:p>
+            <a:pPr algn="ctr"/>
+            <a:r>
+              <a:rPr lang="en-US" sz="1400" dirty="0"/>
+              <a:t>Generated</a:t>
+            </a:r>
+          </a:p>
+          <a:p>
+            <a:pPr algn="ctr"/>
+            <a:r>
+              <a:rPr lang="en-US" sz="1400" dirty="0"/>
+              <a:t>spectrograms</a:t>
+            </a:r>
+          </a:p>
+          <a:p>
+            <a:pPr algn="ctr"/>
+            <a:r>
+              <a:rPr lang="en-US" sz="1400" dirty="0"/>
+              <a:t>“Fake” data</a:t>
+            </a:r>
+          </a:p>
+        </p:txBody>
+      </p:sp>
+      <p:sp>
+        <p:nvSpPr>
+          <p:cNvPr id="8" name="Process 7">
+            <a:extLst/>
+          </p:cNvPr>
+          <p:cNvSpPr/>
+          <p:nvPr/>
+        </p:nvSpPr>
+        <p:spPr>
+          <a:xfrm>
+            <a:off x="7112867" y="3572266"/>
+            <a:ext cx="3111344" cy="1097280"/>
+          </a:xfrm>
+          <a:prstGeom prst="flowChartProcess">
+            <a:avLst/>
+          </a:prstGeom>
+        </p:spPr>
+        <p:style>
+          <a:lnRef idx="2">
+            <a:schemeClr val="accent1">
+              <a:shade val="50000"/>
+            </a:schemeClr>
+          </a:lnRef>
+          <a:fillRef idx="1">
+            <a:schemeClr val="accent1"/>
+          </a:fillRef>
+          <a:effectRef idx="0">
+            <a:schemeClr val="accent1"/>
+          </a:effectRef>
+          <a:fontRef idx="minor">
+            <a:schemeClr val="lt1"/>
+          </a:fontRef>
+        </p:style>
+        <p:txBody>
+          <a:bodyPr rtlCol="0" anchor="ctr"/>
+          <a:lstStyle/>
+          <a:p>
+            <a:pPr algn="ctr"/>
+            <a:r>
+              <a:rPr lang="en-US" sz="2000" dirty="0"/>
+              <a:t>Discriminator Network (D(x))</a:t>
+            </a:r>
+          </a:p>
+          <a:p>
+            <a:pPr algn="ctr"/>
+            <a:r>
+              <a:rPr lang="en-US" sz="1400" dirty="0"/>
+              <a:t>Trained to decipher between real and fake spectrograms</a:t>
+            </a:r>
+          </a:p>
+        </p:txBody>
+      </p:sp>
+      <p:sp>
+        <p:nvSpPr>
+          <p:cNvPr id="9" name="Alternate Process 8">
+            <a:extLst/>
+          </p:cNvPr>
+          <p:cNvSpPr/>
+          <p:nvPr/>
+        </p:nvSpPr>
+        <p:spPr>
+          <a:xfrm>
+            <a:off x="8919532" y="2257045"/>
+            <a:ext cx="1371600" cy="731520"/>
+          </a:xfrm>
+          <a:prstGeom prst="flowChartAlternateProcess">
+            <a:avLst/>
+          </a:prstGeom>
+          <a:ln/>
+        </p:spPr>
+        <p:style>
+          <a:lnRef idx="2">
+            <a:schemeClr val="accent1">
+              <a:shade val="50000"/>
+            </a:schemeClr>
+          </a:lnRef>
+          <a:fillRef idx="1">
+            <a:schemeClr val="accent1"/>
+          </a:fillRef>
+          <a:effectRef idx="0">
+            <a:schemeClr val="accent1"/>
+          </a:effectRef>
+          <a:fontRef idx="minor">
+            <a:schemeClr val="lt1"/>
+          </a:fontRef>
+        </p:style>
+        <p:txBody>
+          <a:bodyPr rtlCol="0" anchor="ctr"/>
+          <a:lstStyle/>
+          <a:p>
+            <a:pPr algn="ctr"/>
+            <a:r>
+              <a:rPr lang="en-US" sz="1400" dirty="0"/>
+              <a:t>Training</a:t>
+            </a:r>
+          </a:p>
+          <a:p>
+            <a:pPr algn="ctr"/>
+            <a:r>
+              <a:rPr lang="en-US" sz="1400" dirty="0"/>
+              <a:t>spectrograms</a:t>
+            </a:r>
+          </a:p>
+          <a:p>
+            <a:pPr algn="ctr"/>
+            <a:r>
+              <a:rPr lang="en-US" sz="1400" dirty="0"/>
+              <a:t>“Real” data</a:t>
+            </a:r>
+          </a:p>
+        </p:txBody>
+      </p:sp>
+      <p:sp>
+        <p:nvSpPr>
+          <p:cNvPr id="10" name="Right Arrow 11">
+            <a:extLst/>
+          </p:cNvPr>
+          <p:cNvSpPr/>
+          <p:nvPr/>
+        </p:nvSpPr>
+        <p:spPr>
+          <a:xfrm>
+            <a:off x="8426294" y="5341453"/>
+            <a:ext cx="433162" cy="405191"/>
+          </a:xfrm>
+          <a:prstGeom prst="rightArrow">
+            <a:avLst/>
+          </a:prstGeom>
+        </p:spPr>
+        <p:style>
+          <a:lnRef idx="2">
+            <a:schemeClr val="accent1">
+              <a:shade val="50000"/>
+            </a:schemeClr>
+          </a:lnRef>
+          <a:fillRef idx="1">
+            <a:schemeClr val="accent1"/>
+          </a:fillRef>
+          <a:effectRef idx="0">
+            <a:schemeClr val="accent1"/>
+          </a:effectRef>
+          <a:fontRef idx="minor">
+            <a:schemeClr val="lt1"/>
+          </a:fontRef>
+        </p:style>
+        <p:txBody>
+          <a:bodyPr rtlCol="0" anchor="ctr"/>
+          <a:lstStyle/>
+          <a:p>
+            <a:pPr algn="ctr"/>
+            <a:endParaRPr lang="en-US" sz="1200" dirty="0"/>
+          </a:p>
+        </p:txBody>
+      </p:sp>
+      <p:sp>
+        <p:nvSpPr>
+          <p:cNvPr id="11" name="Alternate Process 12">
+            <a:extLst/>
+          </p:cNvPr>
+          <p:cNvSpPr/>
+          <p:nvPr/>
+        </p:nvSpPr>
+        <p:spPr>
+          <a:xfrm>
+            <a:off x="7067232" y="5178289"/>
+            <a:ext cx="1280160" cy="731520"/>
+          </a:xfrm>
+          <a:prstGeom prst="flowChartAlternateProcess">
+            <a:avLst/>
+          </a:prstGeom>
+        </p:spPr>
+        <p:style>
+          <a:lnRef idx="2">
+            <a:schemeClr val="accent1">
+              <a:shade val="50000"/>
+            </a:schemeClr>
+          </a:lnRef>
+          <a:fillRef idx="1">
+            <a:schemeClr val="accent1"/>
+          </a:fillRef>
+          <a:effectRef idx="0">
+            <a:schemeClr val="accent1"/>
+          </a:effectRef>
+          <a:fontRef idx="minor">
+            <a:schemeClr val="lt1"/>
+          </a:fontRef>
+        </p:style>
+        <p:txBody>
+          <a:bodyPr rtlCol="0" anchor="ctr"/>
+          <a:lstStyle/>
+          <a:p>
+            <a:pPr algn="ctr"/>
+            <a:r>
+              <a:rPr lang="en-US" sz="1400" dirty="0"/>
+              <a:t># within 0-1</a:t>
+            </a:r>
+          </a:p>
+          <a:p>
+            <a:pPr algn="ctr"/>
+            <a:r>
+              <a:rPr lang="en-US" sz="1400" dirty="0"/>
+              <a:t>0 = fake</a:t>
+            </a:r>
+          </a:p>
+          <a:p>
+            <a:pPr algn="ctr"/>
+            <a:r>
+              <a:rPr lang="en-US" sz="1400" dirty="0"/>
+              <a:t>1= real</a:t>
+            </a:r>
+          </a:p>
+        </p:txBody>
+      </p:sp>
+      <p:sp>
+        <p:nvSpPr>
+          <p:cNvPr id="19" name="Alternate Process 24">
+            <a:extLst/>
+          </p:cNvPr>
+          <p:cNvSpPr/>
+          <p:nvPr/>
+        </p:nvSpPr>
+        <p:spPr>
+          <a:xfrm>
+            <a:off x="8922030" y="5178289"/>
+            <a:ext cx="1280160" cy="731520"/>
+          </a:xfrm>
+          <a:prstGeom prst="flowChartAlternateProcess">
+            <a:avLst/>
+          </a:prstGeom>
+        </p:spPr>
+        <p:style>
+          <a:lnRef idx="2">
+            <a:schemeClr val="accent1">
+              <a:shade val="50000"/>
+            </a:schemeClr>
+          </a:lnRef>
+          <a:fillRef idx="1">
+            <a:schemeClr val="accent1"/>
+          </a:fillRef>
+          <a:effectRef idx="0">
+            <a:schemeClr val="accent1"/>
+          </a:effectRef>
+          <a:fontRef idx="minor">
+            <a:schemeClr val="lt1"/>
+          </a:fontRef>
+        </p:style>
+        <p:txBody>
+          <a:bodyPr rtlCol="0" anchor="ctr"/>
+          <a:lstStyle/>
+          <a:p>
+            <a:pPr algn="ctr"/>
+            <a:r>
+              <a:rPr lang="en-US" sz="1400" dirty="0"/>
+              <a:t>log(D(real)) + </a:t>
+            </a:r>
+          </a:p>
+          <a:p>
+            <a:pPr algn="ctr"/>
+            <a:r>
+              <a:rPr lang="en-US" sz="1400" dirty="0"/>
+              <a:t>log(1-D(generated))</a:t>
+            </a:r>
+          </a:p>
+        </p:txBody>
+      </p:sp>
+      <p:sp>
+        <p:nvSpPr>
+          <p:cNvPr id="26" name="Alternate Process 2">
+            <a:extLst/>
+          </p:cNvPr>
+          <p:cNvSpPr/>
+          <p:nvPr/>
+        </p:nvSpPr>
+        <p:spPr>
+          <a:xfrm>
+            <a:off x="7043739" y="1089619"/>
+            <a:ext cx="1371600" cy="457200"/>
+          </a:xfrm>
+          <a:prstGeom prst="flowChartAlternateProcess">
+            <a:avLst/>
+          </a:prstGeom>
+        </p:spPr>
+        <p:style>
+          <a:lnRef idx="2">
+            <a:schemeClr val="accent2">
+              <a:shade val="50000"/>
+            </a:schemeClr>
+          </a:lnRef>
+          <a:fillRef idx="1">
+            <a:schemeClr val="accent2"/>
+          </a:fillRef>
+          <a:effectRef idx="0">
+            <a:schemeClr val="accent2"/>
+          </a:effectRef>
+          <a:fontRef idx="minor">
+            <a:schemeClr val="lt1"/>
+          </a:fontRef>
+        </p:style>
+        <p:txBody>
+          <a:bodyPr rtlCol="0" anchor="ctr"/>
+          <a:lstStyle/>
+          <a:p>
+            <a:pPr algn="ctr"/>
+            <a:r>
+              <a:rPr lang="en-US" sz="1400" dirty="0"/>
+              <a:t>Record clarinet playing</a:t>
+            </a:r>
+          </a:p>
+        </p:txBody>
+      </p:sp>
+      <p:sp>
+        <p:nvSpPr>
+          <p:cNvPr id="27" name="Alternate Process 2">
+            <a:extLst/>
+          </p:cNvPr>
+          <p:cNvSpPr/>
+          <p:nvPr/>
+        </p:nvSpPr>
+        <p:spPr>
+          <a:xfrm>
+            <a:off x="8946036" y="1089619"/>
+            <a:ext cx="1371600" cy="455327"/>
+          </a:xfrm>
+          <a:prstGeom prst="flowChartAlternateProcess">
+            <a:avLst/>
+          </a:prstGeom>
+        </p:spPr>
+        <p:style>
+          <a:lnRef idx="2">
+            <a:schemeClr val="accent2">
+              <a:shade val="50000"/>
+            </a:schemeClr>
+          </a:lnRef>
+          <a:fillRef idx="1">
+            <a:schemeClr val="accent2"/>
+          </a:fillRef>
+          <a:effectRef idx="0">
+            <a:schemeClr val="accent2"/>
+          </a:effectRef>
+          <a:fontRef idx="minor">
+            <a:schemeClr val="lt1"/>
+          </a:fontRef>
+        </p:style>
+        <p:txBody>
+          <a:bodyPr rtlCol="0" anchor="ctr"/>
+          <a:lstStyle/>
+          <a:p>
+            <a:pPr algn="ctr"/>
+            <a:r>
+              <a:rPr lang="en-US" sz="1400" dirty="0"/>
+              <a:t>Extract from database</a:t>
+            </a:r>
+          </a:p>
+        </p:txBody>
+      </p:sp>
+      <p:sp>
+        <p:nvSpPr>
+          <p:cNvPr id="28" name="TextBox 27">
+            <a:extLst/>
+          </p:cNvPr>
+          <p:cNvSpPr txBox="1"/>
+          <p:nvPr/>
+        </p:nvSpPr>
+        <p:spPr>
+          <a:xfrm>
+            <a:off x="8527843" y="1175702"/>
+            <a:ext cx="391689" cy="276999"/>
+          </a:xfrm>
+          <a:prstGeom prst="rect">
+            <a:avLst/>
+          </a:prstGeom>
+          <a:noFill/>
+        </p:spPr>
+        <p:txBody>
+          <a:bodyPr wrap="square" rtlCol="0">
+            <a:spAutoFit/>
+          </a:bodyPr>
+          <a:lstStyle/>
+          <a:p>
+            <a:r>
+              <a:rPr lang="en-US" sz="1200" dirty="0"/>
+              <a:t>or</a:t>
+            </a:r>
+          </a:p>
+        </p:txBody>
+      </p:sp>
+      <p:sp>
+        <p:nvSpPr>
+          <p:cNvPr id="30" name="Right Arrow 5">
+            <a:extLst/>
+          </p:cNvPr>
+          <p:cNvSpPr/>
+          <p:nvPr/>
+        </p:nvSpPr>
+        <p:spPr>
+          <a:xfrm rot="5400000">
+            <a:off x="9417074" y="1351733"/>
+            <a:ext cx="329791" cy="1157079"/>
+          </a:xfrm>
+          <a:prstGeom prst="rightArrow">
+            <a:avLst/>
+          </a:prstGeom>
+          <a:gradFill flip="none" rotWithShape="1">
+            <a:gsLst>
+              <a:gs pos="0">
+                <a:schemeClr val="accent1"/>
+              </a:gs>
+              <a:gs pos="100000">
+                <a:schemeClr val="accent2"/>
+              </a:gs>
+            </a:gsLst>
+            <a:lin ang="10800000" scaled="0"/>
+            <a:tileRect/>
+          </a:gradFill>
+        </p:spPr>
+        <p:style>
+          <a:lnRef idx="2">
+            <a:schemeClr val="accent1">
+              <a:shade val="50000"/>
+            </a:schemeClr>
+          </a:lnRef>
+          <a:fillRef idx="1">
+            <a:schemeClr val="accent1"/>
+          </a:fillRef>
+          <a:effectRef idx="0">
+            <a:schemeClr val="accent1"/>
+          </a:effectRef>
+          <a:fontRef idx="minor">
+            <a:schemeClr val="lt1"/>
+          </a:fontRef>
+        </p:style>
+        <p:txBody>
+          <a:bodyPr rtlCol="0" anchor="ctr">
+            <a:scene3d>
+              <a:camera prst="orthographicFront">
+                <a:rot lat="0" lon="0" rev="5400000"/>
+              </a:camera>
+              <a:lightRig rig="threePt" dir="t"/>
+            </a:scene3d>
+          </a:bodyPr>
+          <a:lstStyle/>
+          <a:p>
+            <a:pPr algn="ctr"/>
+            <a:endParaRPr lang="en-US" sz="1400" dirty="0"/>
+          </a:p>
+        </p:txBody>
+      </p:sp>
+      <p:sp>
+        <p:nvSpPr>
+          <p:cNvPr id="33" name="TextBox 32"/>
+          <p:cNvSpPr txBox="1"/>
+          <p:nvPr/>
+        </p:nvSpPr>
+        <p:spPr>
+          <a:xfrm>
+            <a:off x="9048172" y="1729699"/>
+            <a:ext cx="1399373" cy="338554"/>
+          </a:xfrm>
+          <a:prstGeom prst="rect">
+            <a:avLst/>
+          </a:prstGeom>
+          <a:noFill/>
+        </p:spPr>
+        <p:txBody>
+          <a:bodyPr wrap="square" rtlCol="0">
+            <a:spAutoFit/>
+          </a:bodyPr>
+          <a:lstStyle/>
+          <a:p>
+            <a:r>
+              <a:rPr lang="en-US" sz="1600" dirty="0"/>
+              <a:t>Pre-process</a:t>
+            </a:r>
+          </a:p>
+        </p:txBody>
+      </p:sp>
+      <p:sp>
+        <p:nvSpPr>
+          <p:cNvPr id="34" name="TextBox 33">
+            <a:extLst/>
+          </p:cNvPr>
+          <p:cNvSpPr txBox="1"/>
+          <p:nvPr/>
+        </p:nvSpPr>
+        <p:spPr>
+          <a:xfrm>
+            <a:off x="8458505" y="2434288"/>
+            <a:ext cx="430850" cy="276999"/>
+          </a:xfrm>
+          <a:prstGeom prst="rect">
+            <a:avLst/>
+          </a:prstGeom>
+          <a:noFill/>
+        </p:spPr>
+        <p:txBody>
+          <a:bodyPr wrap="square" rtlCol="0">
+            <a:spAutoFit/>
+          </a:bodyPr>
+          <a:lstStyle/>
+          <a:p>
+            <a:r>
+              <a:rPr lang="en-US" sz="1200" dirty="0"/>
+              <a:t>and</a:t>
+            </a:r>
+          </a:p>
+        </p:txBody>
+      </p:sp>
+      <p:sp>
+        <p:nvSpPr>
+          <p:cNvPr id="37" name="Right Arrow 5">
+            <a:extLst/>
+          </p:cNvPr>
+          <p:cNvSpPr/>
+          <p:nvPr/>
+        </p:nvSpPr>
+        <p:spPr>
+          <a:xfrm rot="5400000">
+            <a:off x="8514034" y="2768821"/>
+            <a:ext cx="329791" cy="1157079"/>
+          </a:xfrm>
+          <a:prstGeom prst="rightArrow">
+            <a:avLst/>
+          </a:prstGeom>
+        </p:spPr>
+        <p:style>
+          <a:lnRef idx="2">
+            <a:schemeClr val="accent1">
+              <a:shade val="50000"/>
+            </a:schemeClr>
+          </a:lnRef>
+          <a:fillRef idx="1">
+            <a:schemeClr val="accent1"/>
+          </a:fillRef>
+          <a:effectRef idx="0">
+            <a:schemeClr val="accent1"/>
+          </a:effectRef>
+          <a:fontRef idx="minor">
+            <a:schemeClr val="lt1"/>
+          </a:fontRef>
+        </p:style>
+        <p:txBody>
+          <a:bodyPr rtlCol="0" anchor="ctr">
+            <a:scene3d>
+              <a:camera prst="orthographicFront">
+                <a:rot lat="0" lon="0" rev="5400000"/>
+              </a:camera>
+              <a:lightRig rig="threePt" dir="t"/>
+            </a:scene3d>
+          </a:bodyPr>
+          <a:lstStyle/>
+          <a:p>
+            <a:pPr algn="ctr"/>
+            <a:endParaRPr lang="en-US" sz="1400" dirty="0"/>
+          </a:p>
+        </p:txBody>
+      </p:sp>
+      <p:sp>
+        <p:nvSpPr>
+          <p:cNvPr id="38" name="TextBox 37"/>
+          <p:cNvSpPr txBox="1"/>
+          <p:nvPr/>
+        </p:nvSpPr>
+        <p:spPr>
+          <a:xfrm>
+            <a:off x="8391891" y="3150499"/>
+            <a:ext cx="1399373" cy="338554"/>
+          </a:xfrm>
+          <a:prstGeom prst="rect">
+            <a:avLst/>
+          </a:prstGeom>
+          <a:noFill/>
+        </p:spPr>
+        <p:txBody>
+          <a:bodyPr wrap="square" rtlCol="0">
+            <a:spAutoFit/>
+          </a:bodyPr>
+          <a:lstStyle/>
+          <a:p>
+            <a:r>
+              <a:rPr lang="en-US" sz="1600" dirty="0"/>
+              <a:t>Input</a:t>
+            </a:r>
+          </a:p>
+        </p:txBody>
+      </p:sp>
+      <p:sp>
+        <p:nvSpPr>
+          <p:cNvPr id="39" name="Right Arrow 5">
+            <a:extLst/>
+          </p:cNvPr>
+          <p:cNvSpPr/>
+          <p:nvPr/>
+        </p:nvSpPr>
+        <p:spPr>
+          <a:xfrm rot="5400000">
+            <a:off x="7519225" y="4339298"/>
+            <a:ext cx="329791" cy="1157079"/>
+          </a:xfrm>
+          <a:prstGeom prst="rightArrow">
+            <a:avLst/>
+          </a:prstGeom>
+        </p:spPr>
+        <p:style>
+          <a:lnRef idx="2">
+            <a:schemeClr val="accent1">
+              <a:shade val="50000"/>
+            </a:schemeClr>
+          </a:lnRef>
+          <a:fillRef idx="1">
+            <a:schemeClr val="accent1"/>
+          </a:fillRef>
+          <a:effectRef idx="0">
+            <a:schemeClr val="accent1"/>
+          </a:effectRef>
+          <a:fontRef idx="minor">
+            <a:schemeClr val="lt1"/>
+          </a:fontRef>
+        </p:style>
+        <p:txBody>
+          <a:bodyPr rtlCol="0" anchor="ctr">
+            <a:scene3d>
+              <a:camera prst="orthographicFront">
+                <a:rot lat="0" lon="0" rev="5400000"/>
+              </a:camera>
+              <a:lightRig rig="threePt" dir="t"/>
+            </a:scene3d>
+          </a:bodyPr>
+          <a:lstStyle/>
+          <a:p>
+            <a:pPr algn="ctr"/>
+            <a:endParaRPr lang="en-US" sz="1400" dirty="0"/>
+          </a:p>
+        </p:txBody>
+      </p:sp>
+      <p:sp>
+        <p:nvSpPr>
+          <p:cNvPr id="40" name="TextBox 39"/>
+          <p:cNvSpPr txBox="1"/>
+          <p:nvPr/>
+        </p:nvSpPr>
+        <p:spPr>
+          <a:xfrm>
+            <a:off x="7310740" y="4729154"/>
+            <a:ext cx="1399373" cy="338554"/>
+          </a:xfrm>
+          <a:prstGeom prst="rect">
+            <a:avLst/>
+          </a:prstGeom>
+          <a:noFill/>
+        </p:spPr>
+        <p:txBody>
+          <a:bodyPr wrap="square" rtlCol="0">
+            <a:spAutoFit/>
+          </a:bodyPr>
+          <a:lstStyle/>
+          <a:p>
+            <a:r>
+              <a:rPr lang="en-US" sz="1600" dirty="0"/>
+              <a:t>Output</a:t>
+            </a:r>
+          </a:p>
+        </p:txBody>
+      </p:sp>
+      <p:sp>
+        <p:nvSpPr>
+          <p:cNvPr id="41" name="Right Arrow 5">
+            <a:extLst/>
+          </p:cNvPr>
+          <p:cNvSpPr/>
+          <p:nvPr/>
+        </p:nvSpPr>
+        <p:spPr>
+          <a:xfrm rot="16200000">
+            <a:off x="9394368" y="4327782"/>
+            <a:ext cx="329791" cy="1157079"/>
+          </a:xfrm>
+          <a:prstGeom prst="rightArrow">
+            <a:avLst/>
+          </a:prstGeom>
+        </p:spPr>
+        <p:style>
+          <a:lnRef idx="2">
+            <a:schemeClr val="accent1">
+              <a:shade val="50000"/>
+            </a:schemeClr>
+          </a:lnRef>
+          <a:fillRef idx="1">
+            <a:schemeClr val="accent1"/>
+          </a:fillRef>
+          <a:effectRef idx="0">
+            <a:schemeClr val="accent1"/>
+          </a:effectRef>
+          <a:fontRef idx="minor">
+            <a:schemeClr val="lt1"/>
+          </a:fontRef>
+        </p:style>
+        <p:txBody>
+          <a:bodyPr rtlCol="0" anchor="ctr">
+            <a:scene3d>
+              <a:camera prst="orthographicFront">
+                <a:rot lat="0" lon="0" rev="5400000"/>
+              </a:camera>
+              <a:lightRig rig="threePt" dir="t"/>
+            </a:scene3d>
+          </a:bodyPr>
+          <a:lstStyle/>
+          <a:p>
+            <a:pPr algn="ctr"/>
+            <a:endParaRPr lang="en-US" sz="1400" dirty="0"/>
+          </a:p>
+        </p:txBody>
+      </p:sp>
+      <p:sp>
+        <p:nvSpPr>
+          <p:cNvPr id="42" name="TextBox 41"/>
+          <p:cNvSpPr txBox="1"/>
+          <p:nvPr/>
+        </p:nvSpPr>
+        <p:spPr>
+          <a:xfrm>
+            <a:off x="9101151" y="4750295"/>
+            <a:ext cx="1251871" cy="338554"/>
+          </a:xfrm>
+          <a:prstGeom prst="rect">
+            <a:avLst/>
+          </a:prstGeom>
+          <a:noFill/>
+        </p:spPr>
+        <p:txBody>
+          <a:bodyPr wrap="square" rtlCol="0">
+            <a:spAutoFit/>
+          </a:bodyPr>
+          <a:lstStyle/>
+          <a:p>
+            <a:r>
+              <a:rPr lang="en-US" sz="1600" dirty="0"/>
+              <a:t>Maximize</a:t>
+            </a:r>
+          </a:p>
+        </p:txBody>
+      </p:sp>
+      <p:sp>
+        <p:nvSpPr>
+          <p:cNvPr id="58" name="Process 14">
+            <a:extLst/>
+          </p:cNvPr>
+          <p:cNvSpPr/>
+          <p:nvPr/>
+        </p:nvSpPr>
+        <p:spPr>
+          <a:xfrm>
+            <a:off x="1762881" y="2080619"/>
+            <a:ext cx="3108960" cy="1097280"/>
+          </a:xfrm>
+          <a:prstGeom prst="flowChartProcess">
+            <a:avLst/>
+          </a:prstGeom>
+          <a:ln/>
+        </p:spPr>
+        <p:style>
+          <a:lnRef idx="2">
+            <a:schemeClr val="accent5">
+              <a:shade val="50000"/>
+            </a:schemeClr>
+          </a:lnRef>
+          <a:fillRef idx="1">
+            <a:schemeClr val="accent5"/>
+          </a:fillRef>
+          <a:effectRef idx="0">
+            <a:schemeClr val="accent5"/>
+          </a:effectRef>
+          <a:fontRef idx="minor">
+            <a:schemeClr val="lt1"/>
+          </a:fontRef>
+        </p:style>
+        <p:txBody>
+          <a:bodyPr rtlCol="0" anchor="ctr"/>
+          <a:lstStyle/>
+          <a:p>
+            <a:pPr algn="ctr"/>
+            <a:r>
+              <a:rPr lang="en-US" sz="2000" dirty="0"/>
+              <a:t>Generator Network</a:t>
+            </a:r>
+          </a:p>
+          <a:p>
+            <a:pPr algn="ctr"/>
+            <a:r>
+              <a:rPr lang="en-US" sz="1400" dirty="0"/>
+              <a:t>Makes fake spectrograms; trained to ”trick” the generator network</a:t>
+            </a:r>
+          </a:p>
+        </p:txBody>
+      </p:sp>
+      <p:sp>
+        <p:nvSpPr>
+          <p:cNvPr id="59" name="Alternate Process 15">
+            <a:extLst/>
+          </p:cNvPr>
+          <p:cNvSpPr/>
+          <p:nvPr/>
+        </p:nvSpPr>
+        <p:spPr>
+          <a:xfrm>
+            <a:off x="2617787" y="1149740"/>
+            <a:ext cx="1371600" cy="457200"/>
+          </a:xfrm>
+          <a:prstGeom prst="flowChartAlternateProcess">
+            <a:avLst/>
+          </a:prstGeom>
+          <a:ln/>
+        </p:spPr>
+        <p:style>
+          <a:lnRef idx="2">
+            <a:schemeClr val="accent5">
+              <a:shade val="50000"/>
+            </a:schemeClr>
+          </a:lnRef>
+          <a:fillRef idx="1">
+            <a:schemeClr val="accent5"/>
+          </a:fillRef>
+          <a:effectRef idx="0">
+            <a:schemeClr val="accent5"/>
+          </a:effectRef>
+          <a:fontRef idx="minor">
+            <a:schemeClr val="lt1"/>
+          </a:fontRef>
+        </p:style>
+        <p:txBody>
+          <a:bodyPr rtlCol="0" anchor="ctr"/>
+          <a:lstStyle/>
+          <a:p>
+            <a:pPr algn="ctr"/>
+            <a:r>
+              <a:rPr lang="en-US" sz="1400" dirty="0"/>
+              <a:t>Random noise vectors</a:t>
+            </a:r>
+          </a:p>
+        </p:txBody>
+      </p:sp>
+      <p:sp>
+        <p:nvSpPr>
+          <p:cNvPr id="69" name="Right Arrow 5">
+            <a:extLst/>
+          </p:cNvPr>
+          <p:cNvSpPr/>
+          <p:nvPr/>
+        </p:nvSpPr>
+        <p:spPr>
+          <a:xfrm rot="5400000">
+            <a:off x="3152466" y="1259218"/>
+            <a:ext cx="329791" cy="1157079"/>
+          </a:xfrm>
+          <a:prstGeom prst="rightArrow">
+            <a:avLst/>
+          </a:prstGeom>
+          <a:ln/>
+        </p:spPr>
+        <p:style>
+          <a:lnRef idx="2">
+            <a:schemeClr val="accent5">
+              <a:shade val="50000"/>
+            </a:schemeClr>
+          </a:lnRef>
+          <a:fillRef idx="1">
+            <a:schemeClr val="accent5"/>
+          </a:fillRef>
+          <a:effectRef idx="0">
+            <a:schemeClr val="accent5"/>
+          </a:effectRef>
+          <a:fontRef idx="minor">
+            <a:schemeClr val="lt1"/>
+          </a:fontRef>
+        </p:style>
+        <p:txBody>
+          <a:bodyPr rtlCol="0" anchor="ctr">
+            <a:scene3d>
+              <a:camera prst="orthographicFront">
+                <a:rot lat="0" lon="0" rev="5400000"/>
+              </a:camera>
+              <a:lightRig rig="threePt" dir="t"/>
+            </a:scene3d>
+          </a:bodyPr>
+          <a:lstStyle/>
+          <a:p>
+            <a:pPr algn="ctr"/>
+            <a:endParaRPr lang="en-US" sz="1400" dirty="0"/>
+          </a:p>
+        </p:txBody>
+      </p:sp>
+      <p:sp>
+        <p:nvSpPr>
+          <p:cNvPr id="70" name="TextBox 69"/>
+          <p:cNvSpPr txBox="1"/>
+          <p:nvPr/>
+        </p:nvSpPr>
+        <p:spPr>
+          <a:xfrm>
+            <a:off x="3053771" y="1649074"/>
+            <a:ext cx="1399373" cy="338554"/>
+          </a:xfrm>
+          <a:prstGeom prst="rect">
+            <a:avLst/>
+          </a:prstGeom>
+          <a:noFill/>
+          <a:ln>
+            <a:noFill/>
+          </a:ln>
+        </p:spPr>
+        <p:style>
+          <a:lnRef idx="2">
+            <a:schemeClr val="accent5">
+              <a:shade val="50000"/>
+            </a:schemeClr>
+          </a:lnRef>
+          <a:fillRef idx="1">
+            <a:schemeClr val="accent5"/>
+          </a:fillRef>
+          <a:effectRef idx="0">
+            <a:schemeClr val="accent5"/>
+          </a:effectRef>
+          <a:fontRef idx="minor">
+            <a:schemeClr val="lt1"/>
+          </a:fontRef>
+        </p:style>
+        <p:txBody>
+          <a:bodyPr wrap="square" rtlCol="0">
+            <a:spAutoFit/>
+          </a:bodyPr>
+          <a:lstStyle/>
+          <a:p>
+            <a:r>
+              <a:rPr lang="en-US" sz="1600" dirty="0"/>
+              <a:t>Input</a:t>
+            </a:r>
+          </a:p>
+        </p:txBody>
+      </p:sp>
+      <p:sp>
+        <p:nvSpPr>
+          <p:cNvPr id="72" name="Alternate Process 12">
+            <a:extLst/>
+          </p:cNvPr>
+          <p:cNvSpPr/>
+          <p:nvPr/>
+        </p:nvSpPr>
+        <p:spPr>
+          <a:xfrm>
+            <a:off x="3488649" y="3666035"/>
+            <a:ext cx="1280160" cy="731520"/>
+          </a:xfrm>
+          <a:prstGeom prst="flowChartAlternateProcess">
+            <a:avLst/>
+          </a:prstGeom>
+        </p:spPr>
+        <p:style>
+          <a:lnRef idx="2">
+            <a:schemeClr val="accent5">
+              <a:shade val="50000"/>
+            </a:schemeClr>
+          </a:lnRef>
+          <a:fillRef idx="1">
+            <a:schemeClr val="accent5"/>
+          </a:fillRef>
+          <a:effectRef idx="0">
+            <a:schemeClr val="accent5"/>
+          </a:effectRef>
+          <a:fontRef idx="minor">
+            <a:schemeClr val="lt1"/>
+          </a:fontRef>
+        </p:style>
+        <p:txBody>
+          <a:bodyPr rtlCol="0" anchor="ctr"/>
+          <a:lstStyle/>
+          <a:p>
+            <a:pPr algn="ctr"/>
+            <a:r>
+              <a:rPr lang="en-US" sz="1400" dirty="0"/>
+              <a:t>Generated</a:t>
+            </a:r>
+          </a:p>
+          <a:p>
+            <a:pPr algn="ctr"/>
+            <a:r>
+              <a:rPr lang="en-US" sz="1400" dirty="0"/>
+              <a:t>spectrograms</a:t>
+            </a:r>
+          </a:p>
+          <a:p>
+            <a:pPr algn="ctr"/>
+            <a:r>
+              <a:rPr lang="en-US" sz="1400" dirty="0"/>
+              <a:t>“Fake” data</a:t>
+            </a:r>
+          </a:p>
+        </p:txBody>
+      </p:sp>
+      <p:sp>
+        <p:nvSpPr>
+          <p:cNvPr id="74" name="Right Arrow 5">
+            <a:extLst/>
+          </p:cNvPr>
+          <p:cNvSpPr/>
+          <p:nvPr/>
+        </p:nvSpPr>
+        <p:spPr>
+          <a:xfrm rot="5400000">
+            <a:off x="3963834" y="2853938"/>
+            <a:ext cx="329791" cy="1157079"/>
+          </a:xfrm>
+          <a:prstGeom prst="rightArrow">
+            <a:avLst/>
+          </a:prstGeom>
+        </p:spPr>
+        <p:style>
+          <a:lnRef idx="2">
+            <a:schemeClr val="accent5">
+              <a:shade val="50000"/>
+            </a:schemeClr>
+          </a:lnRef>
+          <a:fillRef idx="1">
+            <a:schemeClr val="accent5"/>
+          </a:fillRef>
+          <a:effectRef idx="0">
+            <a:schemeClr val="accent5"/>
+          </a:effectRef>
+          <a:fontRef idx="minor">
+            <a:schemeClr val="lt1"/>
+          </a:fontRef>
+        </p:style>
+        <p:txBody>
+          <a:bodyPr rtlCol="0" anchor="ctr">
+            <a:scene3d>
+              <a:camera prst="orthographicFront">
+                <a:rot lat="0" lon="0" rev="5400000"/>
+              </a:camera>
+              <a:lightRig rig="threePt" dir="t"/>
+            </a:scene3d>
+          </a:bodyPr>
+          <a:lstStyle/>
+          <a:p>
+            <a:pPr algn="ctr"/>
+            <a:endParaRPr lang="en-US" sz="1400" dirty="0"/>
+          </a:p>
+        </p:txBody>
+      </p:sp>
+      <p:sp>
+        <p:nvSpPr>
+          <p:cNvPr id="75" name="TextBox 74"/>
+          <p:cNvSpPr txBox="1"/>
+          <p:nvPr/>
+        </p:nvSpPr>
+        <p:spPr>
+          <a:xfrm>
+            <a:off x="3757924" y="3247303"/>
+            <a:ext cx="1399373" cy="338554"/>
+          </a:xfrm>
+          <a:prstGeom prst="rect">
+            <a:avLst/>
+          </a:prstGeom>
+          <a:noFill/>
+        </p:spPr>
+        <p:txBody>
+          <a:bodyPr wrap="square" rtlCol="0">
+            <a:spAutoFit/>
+          </a:bodyPr>
+          <a:lstStyle/>
+          <a:p>
+            <a:r>
+              <a:rPr lang="en-US" sz="1600" dirty="0"/>
+              <a:t>Output</a:t>
+            </a:r>
+          </a:p>
+        </p:txBody>
+      </p:sp>
+      <p:sp>
+        <p:nvSpPr>
+          <p:cNvPr id="80" name="Alternate Process 24">
+            <a:extLst/>
+          </p:cNvPr>
+          <p:cNvSpPr/>
+          <p:nvPr/>
+        </p:nvSpPr>
+        <p:spPr>
+          <a:xfrm>
+            <a:off x="1785022" y="3666035"/>
+            <a:ext cx="1280160" cy="731520"/>
+          </a:xfrm>
+          <a:prstGeom prst="flowChartAlternateProcess">
+            <a:avLst/>
+          </a:prstGeom>
+        </p:spPr>
+        <p:style>
+          <a:lnRef idx="2">
+            <a:schemeClr val="accent1">
+              <a:shade val="50000"/>
+            </a:schemeClr>
+          </a:lnRef>
+          <a:fillRef idx="1">
+            <a:schemeClr val="accent1"/>
+          </a:fillRef>
+          <a:effectRef idx="0">
+            <a:schemeClr val="accent1"/>
+          </a:effectRef>
+          <a:fontRef idx="minor">
+            <a:schemeClr val="lt1"/>
+          </a:fontRef>
+        </p:style>
+        <p:txBody>
+          <a:bodyPr rtlCol="0" anchor="ctr"/>
+          <a:lstStyle/>
+          <a:p>
+            <a:pPr algn="ctr"/>
+            <a:r>
+              <a:rPr lang="en-US" sz="1400" dirty="0"/>
+              <a:t>log(1-D(generated))</a:t>
+            </a:r>
+          </a:p>
+        </p:txBody>
+      </p:sp>
+      <p:sp>
+        <p:nvSpPr>
+          <p:cNvPr id="81" name="Right Arrow 5">
+            <a:extLst/>
+          </p:cNvPr>
+          <p:cNvSpPr/>
+          <p:nvPr/>
+        </p:nvSpPr>
+        <p:spPr>
+          <a:xfrm rot="16200000">
+            <a:off x="2255361" y="2824790"/>
+            <a:ext cx="329791" cy="1157079"/>
+          </a:xfrm>
+          <a:prstGeom prst="rightArrow">
+            <a:avLst/>
+          </a:prstGeom>
+        </p:spPr>
+        <p:style>
+          <a:lnRef idx="2">
+            <a:schemeClr val="accent1">
+              <a:shade val="50000"/>
+            </a:schemeClr>
+          </a:lnRef>
+          <a:fillRef idx="1">
+            <a:schemeClr val="accent1"/>
+          </a:fillRef>
+          <a:effectRef idx="0">
+            <a:schemeClr val="accent1"/>
+          </a:effectRef>
+          <a:fontRef idx="minor">
+            <a:schemeClr val="lt1"/>
+          </a:fontRef>
+        </p:style>
+        <p:txBody>
+          <a:bodyPr rtlCol="0" anchor="ctr">
+            <a:scene3d>
+              <a:camera prst="orthographicFront">
+                <a:rot lat="0" lon="0" rev="5400000"/>
+              </a:camera>
+              <a:lightRig rig="threePt" dir="t"/>
+            </a:scene3d>
+          </a:bodyPr>
+          <a:lstStyle/>
+          <a:p>
+            <a:pPr algn="ctr"/>
+            <a:endParaRPr lang="en-US" sz="1400" dirty="0"/>
+          </a:p>
+        </p:txBody>
+      </p:sp>
+      <p:sp>
+        <p:nvSpPr>
+          <p:cNvPr id="82" name="TextBox 81"/>
+          <p:cNvSpPr txBox="1"/>
+          <p:nvPr/>
+        </p:nvSpPr>
+        <p:spPr>
+          <a:xfrm>
+            <a:off x="1991852" y="3247303"/>
+            <a:ext cx="1251871" cy="338554"/>
+          </a:xfrm>
+          <a:prstGeom prst="rect">
+            <a:avLst/>
+          </a:prstGeom>
+          <a:noFill/>
+          <a:ln>
+            <a:noFill/>
+          </a:ln>
+        </p:spPr>
+        <p:style>
+          <a:lnRef idx="2">
+            <a:schemeClr val="accent2">
+              <a:shade val="50000"/>
+            </a:schemeClr>
+          </a:lnRef>
+          <a:fillRef idx="1">
+            <a:schemeClr val="accent2"/>
+          </a:fillRef>
+          <a:effectRef idx="0">
+            <a:schemeClr val="accent2"/>
+          </a:effectRef>
+          <a:fontRef idx="minor">
+            <a:schemeClr val="lt1"/>
+          </a:fontRef>
+        </p:style>
+        <p:txBody>
+          <a:bodyPr wrap="square" rtlCol="0">
+            <a:spAutoFit/>
+          </a:bodyPr>
+          <a:lstStyle/>
+          <a:p>
+            <a:r>
+              <a:rPr lang="en-US" sz="1600" dirty="0"/>
+              <a:t>Minimize</a:t>
+            </a:r>
+          </a:p>
+        </p:txBody>
+      </p:sp>
+      <p:cxnSp>
+        <p:nvCxnSpPr>
+          <p:cNvPr id="3" name="Elbow Connector 2">
+            <a:extLst>
+              <a:ext uri="{FF2B5EF4-FFF2-40B4-BE49-F238E27FC236}">
+                <a16:creationId xmlns:a16="http://schemas.microsoft.com/office/drawing/2014/main" id="{F26777D5-9351-7A46-9B1D-3CE89E551928}"/>
+              </a:ext>
+            </a:extLst>
+          </p:cNvPr>
+          <p:cNvCxnSpPr>
+            <a:cxnSpLocks/>
+          </p:cNvCxnSpPr>
+          <p:nvPr/>
+        </p:nvCxnSpPr>
+        <p:spPr>
+          <a:xfrm flipV="1">
+            <a:off x="4996355" y="2625564"/>
+            <a:ext cx="1848476" cy="1452744"/>
+          </a:xfrm>
+          <a:prstGeom prst="bentConnector3">
+            <a:avLst>
+              <a:gd name="adj1" fmla="val 45141"/>
+            </a:avLst>
+          </a:prstGeom>
+          <a:ln w="139700">
+            <a:solidFill>
+              <a:schemeClr val="accent5"/>
+            </a:solidFill>
+            <a:headEnd type="none"/>
+            <a:tailEnd type="triangle"/>
+          </a:ln>
+        </p:spPr>
+        <p:style>
+          <a:lnRef idx="1">
+            <a:schemeClr val="accent1"/>
+          </a:lnRef>
+          <a:fillRef idx="0">
+            <a:schemeClr val="accent1"/>
+          </a:fillRef>
+          <a:effectRef idx="0">
+            <a:schemeClr val="accent1"/>
+          </a:effectRef>
+          <a:fontRef idx="minor">
+            <a:schemeClr val="tx1"/>
+          </a:fontRef>
+        </p:style>
+      </p:cxnSp>
+      <p:sp>
+        <p:nvSpPr>
+          <p:cNvPr id="7" name="Bent Arrow 6">
+            <a:extLst>
+              <a:ext uri="{FF2B5EF4-FFF2-40B4-BE49-F238E27FC236}">
+                <a16:creationId xmlns:a16="http://schemas.microsoft.com/office/drawing/2014/main" id="{AD915EF2-A706-1D49-B100-415995D566FB}"/>
+              </a:ext>
+            </a:extLst>
+          </p:cNvPr>
+          <p:cNvSpPr/>
+          <p:nvPr/>
+        </p:nvSpPr>
+        <p:spPr>
+          <a:xfrm rot="16200000">
+            <a:off x="3929564" y="2758912"/>
+            <a:ext cx="1149243" cy="4681294"/>
+          </a:xfrm>
+          <a:prstGeom prst="bentArrow">
+            <a:avLst>
+              <a:gd name="adj1" fmla="val 15676"/>
+              <a:gd name="adj2" fmla="val 22729"/>
+              <a:gd name="adj3" fmla="val 26504"/>
+              <a:gd name="adj4" fmla="val 43750"/>
+            </a:avLst>
+          </a:prstGeom>
+        </p:spPr>
+        <p:style>
+          <a:lnRef idx="2">
+            <a:schemeClr val="accent1">
+              <a:shade val="50000"/>
+            </a:schemeClr>
+          </a:lnRef>
+          <a:fillRef idx="1">
+            <a:schemeClr val="accent1"/>
+          </a:fillRef>
+          <a:effectRef idx="0">
+            <a:schemeClr val="accent1"/>
+          </a:effectRef>
+          <a:fontRef idx="minor">
+            <a:schemeClr val="lt1"/>
+          </a:fontRef>
+        </p:style>
+        <p:txBody>
+          <a:bodyPr rtlCol="0" anchor="ctr"/>
+          <a:lstStyle/>
+          <a:p>
+            <a:pPr algn="ctr"/>
+            <a:endParaRPr lang="en-US">
+              <a:solidFill>
+                <a:schemeClr val="tx1"/>
+              </a:solidFill>
+            </a:endParaRPr>
+          </a:p>
+        </p:txBody>
+      </p:sp>
+      <p:sp>
+        <p:nvSpPr>
+          <p:cNvPr id="35" name="Rectangle 34">
+            <a:extLst>
+              <a:ext uri="{FF2B5EF4-FFF2-40B4-BE49-F238E27FC236}">
+                <a16:creationId xmlns:a16="http://schemas.microsoft.com/office/drawing/2014/main" id="{A405BBD9-16C2-F140-B127-BCD19BAF51A8}"/>
+              </a:ext>
+            </a:extLst>
+          </p:cNvPr>
+          <p:cNvSpPr/>
+          <p:nvPr/>
+        </p:nvSpPr>
+        <p:spPr>
+          <a:xfrm>
+            <a:off x="3784576" y="4517396"/>
+            <a:ext cx="2901760" cy="830997"/>
+          </a:xfrm>
+          <a:prstGeom prst="rect">
+            <a:avLst/>
+          </a:prstGeom>
+        </p:spPr>
+        <p:txBody>
+          <a:bodyPr wrap="square">
+            <a:spAutoFit/>
+          </a:bodyPr>
+          <a:lstStyle/>
+          <a:p>
+            <a:pPr algn="ctr"/>
+            <a:r>
+              <a:rPr lang="en-US" sz="1600" dirty="0"/>
+              <a:t>Minimax adversarial competition</a:t>
+            </a:r>
+          </a:p>
+          <a:p>
+            <a:pPr algn="ctr"/>
+            <a:r>
+              <a:rPr lang="en-US" sz="1600" dirty="0"/>
+              <a:t>Train discriminator </a:t>
+            </a:r>
+            <a:r>
+              <a:rPr lang="en-US" sz="1600" i="1" dirty="0"/>
+              <a:t>k</a:t>
+            </a:r>
+            <a:r>
+              <a:rPr lang="en-US" sz="1600" dirty="0"/>
+              <a:t> times, then train generator once</a:t>
+            </a:r>
+          </a:p>
+        </p:txBody>
+      </p:sp>
+      <p:cxnSp>
+        <p:nvCxnSpPr>
+          <p:cNvPr id="43" name="Straight Arrow Connector 42">
+            <a:extLst>
+              <a:ext uri="{FF2B5EF4-FFF2-40B4-BE49-F238E27FC236}">
+                <a16:creationId xmlns:a16="http://schemas.microsoft.com/office/drawing/2014/main" id="{D7551D70-D46B-C54C-A7EB-804B13A72334}"/>
+              </a:ext>
+            </a:extLst>
+          </p:cNvPr>
+          <p:cNvCxnSpPr>
+            <a:cxnSpLocks/>
+          </p:cNvCxnSpPr>
+          <p:nvPr/>
+        </p:nvCxnSpPr>
+        <p:spPr>
+          <a:xfrm flipV="1">
+            <a:off x="5825969" y="1706336"/>
+            <a:ext cx="0" cy="1471563"/>
+          </a:xfrm>
+          <a:prstGeom prst="straightConnector1">
+            <a:avLst/>
+          </a:prstGeom>
+          <a:ln w="139700">
+            <a:gradFill>
+              <a:gsLst>
+                <a:gs pos="0">
+                  <a:schemeClr val="accent5"/>
+                </a:gs>
+                <a:gs pos="21000">
+                  <a:schemeClr val="accent5"/>
+                </a:gs>
+                <a:gs pos="100000">
+                  <a:schemeClr val="accent2">
+                    <a:lumMod val="100000"/>
+                  </a:schemeClr>
+                </a:gs>
+              </a:gsLst>
+              <a:lin ang="5400000" scaled="1"/>
+            </a:gradFill>
+            <a:tailEnd type="triangle"/>
+          </a:ln>
+        </p:spPr>
+        <p:style>
+          <a:lnRef idx="1">
+            <a:schemeClr val="accent1"/>
+          </a:lnRef>
+          <a:fillRef idx="0">
+            <a:schemeClr val="accent1"/>
+          </a:fillRef>
+          <a:effectRef idx="0">
+            <a:schemeClr val="accent1"/>
+          </a:effectRef>
+          <a:fontRef idx="minor">
+            <a:schemeClr val="tx1"/>
+          </a:fontRef>
+        </p:style>
+      </p:cxnSp>
+      <p:sp>
+        <p:nvSpPr>
+          <p:cNvPr id="63" name="TextBox 62">
+            <a:extLst>
+              <a:ext uri="{FF2B5EF4-FFF2-40B4-BE49-F238E27FC236}">
+                <a16:creationId xmlns:a16="http://schemas.microsoft.com/office/drawing/2014/main" id="{087AFB59-9FDE-744B-96AF-B3DFAA1E975A}"/>
+              </a:ext>
+            </a:extLst>
+          </p:cNvPr>
+          <p:cNvSpPr txBox="1"/>
+          <p:nvPr/>
+        </p:nvSpPr>
+        <p:spPr>
+          <a:xfrm>
+            <a:off x="5444305" y="1845677"/>
+            <a:ext cx="812312" cy="584775"/>
+          </a:xfrm>
+          <a:prstGeom prst="rect">
+            <a:avLst/>
+          </a:prstGeom>
+          <a:noFill/>
+        </p:spPr>
+        <p:txBody>
+          <a:bodyPr wrap="square" rtlCol="0">
+            <a:spAutoFit/>
+          </a:bodyPr>
+          <a:lstStyle/>
+          <a:p>
+            <a:pPr algn="ctr"/>
+            <a:r>
+              <a:rPr lang="en-US" sz="1600" dirty="0"/>
+              <a:t>Post-</a:t>
+            </a:r>
+          </a:p>
+          <a:p>
+            <a:pPr algn="ctr"/>
+            <a:r>
+              <a:rPr lang="en-US" sz="1600" dirty="0"/>
+              <a:t>process</a:t>
+            </a:r>
+          </a:p>
+        </p:txBody>
+      </p:sp>
+      <p:sp>
+        <p:nvSpPr>
+          <p:cNvPr id="65" name="Alternate Process 3">
+            <a:extLst>
+              <a:ext uri="{FF2B5EF4-FFF2-40B4-BE49-F238E27FC236}">
+                <a16:creationId xmlns:a16="http://schemas.microsoft.com/office/drawing/2014/main" id="{189C1672-0D6A-DA49-8A4E-46D72B6889E4}"/>
+              </a:ext>
+            </a:extLst>
+          </p:cNvPr>
+          <p:cNvSpPr/>
+          <p:nvPr/>
+        </p:nvSpPr>
+        <p:spPr>
+          <a:xfrm>
+            <a:off x="5143841" y="1076468"/>
+            <a:ext cx="1371600" cy="548640"/>
+          </a:xfrm>
+          <a:prstGeom prst="flowChartAlternateProcess">
+            <a:avLst/>
+          </a:prstGeom>
+          <a:ln/>
+        </p:spPr>
+        <p:style>
+          <a:lnRef idx="2">
+            <a:schemeClr val="accent2">
+              <a:shade val="50000"/>
+            </a:schemeClr>
+          </a:lnRef>
+          <a:fillRef idx="1">
+            <a:schemeClr val="accent2"/>
+          </a:fillRef>
+          <a:effectRef idx="0">
+            <a:schemeClr val="accent2"/>
+          </a:effectRef>
+          <a:fontRef idx="minor">
+            <a:schemeClr val="lt1"/>
+          </a:fontRef>
+        </p:style>
+        <p:txBody>
+          <a:bodyPr rtlCol="0" anchor="ctr"/>
+          <a:lstStyle/>
+          <a:p>
+            <a:pPr algn="ctr"/>
+            <a:r>
+              <a:rPr lang="en-US" sz="1600" dirty="0"/>
+              <a:t>Generated</a:t>
+            </a:r>
+          </a:p>
+          <a:p>
+            <a:pPr algn="ctr"/>
+            <a:r>
+              <a:rPr lang="en-US" sz="1600" dirty="0"/>
+              <a:t>audio</a:t>
+            </a:r>
+          </a:p>
+        </p:txBody>
+      </p:sp>
+    </p:spTree>
+    <p:extLst>
+      <p:ext uri="{BB962C8B-B14F-4D97-AF65-F5344CB8AC3E}">
+        <p14:creationId xmlns:p14="http://schemas.microsoft.com/office/powerpoint/2010/main" val="2544214301"/>
+      </p:ext>
+    </p:extLst>
+  </p:cSld>
+  <p:clrMapOvr>
+    <a:masterClrMapping/>
+  </p:clrMapOvr>
+</p:sld>
+</file>
+
+<file path=ppt/slides/slide7.xml><?xml version="1.0" encoding="utf-8"?>
+<p:sld xmlns:a="http://schemas.openxmlformats.org/drawingml/2006/main" xmlns:r="http://schemas.openxmlformats.org/officeDocument/2006/relationships" xmlns:p="http://schemas.openxmlformats.org/presentationml/2006/main">
+  <p:cSld>
+    <p:spTree>
+      <p:nvGrpSpPr>
+        <p:cNvPr id="1" name=""/>
+        <p:cNvGrpSpPr/>
+        <p:nvPr/>
+      </p:nvGrpSpPr>
+      <p:grpSpPr>
+        <a:xfrm>
+          <a:off x="0" y="0"/>
+          <a:ext cx="0" cy="0"/>
+          <a:chOff x="0" y="0"/>
+          <a:chExt cx="0" cy="0"/>
+        </a:xfrm>
+      </p:grpSpPr>
+      <p:sp>
+        <p:nvSpPr>
+          <p:cNvPr id="2" name="Title 1">
+            <a:extLst>
+              <a:ext uri="{FF2B5EF4-FFF2-40B4-BE49-F238E27FC236}">
+                <a16:creationId xmlns:a16="http://schemas.microsoft.com/office/drawing/2014/main" id="{D39D1ABA-B930-2340-95B0-598BEDAA9647}"/>
+              </a:ext>
+            </a:extLst>
+          </p:cNvPr>
+          <p:cNvSpPr>
+            <a:spLocks noGrp="1"/>
+          </p:cNvSpPr>
+          <p:nvPr>
+            <p:ph type="title"/>
+          </p:nvPr>
+        </p:nvSpPr>
+        <p:spPr/>
+        <p:txBody>
+          <a:bodyPr/>
+          <a:lstStyle/>
+          <a:p>
+            <a:r>
+              <a:rPr lang="en-US" dirty="0"/>
+              <a:t>References</a:t>
+            </a:r>
+          </a:p>
+        </p:txBody>
+      </p:sp>
+      <p:sp>
+        <p:nvSpPr>
+          <p:cNvPr id="3" name="Content Placeholder 2">
+            <a:extLst>
+              <a:ext uri="{FF2B5EF4-FFF2-40B4-BE49-F238E27FC236}">
+                <a16:creationId xmlns:a16="http://schemas.microsoft.com/office/drawing/2014/main" id="{950E3DB2-D4F4-3E4F-8AA5-46AAB42E9AFE}"/>
+              </a:ext>
+            </a:extLst>
+          </p:cNvPr>
+          <p:cNvSpPr>
+            <a:spLocks noGrp="1"/>
+          </p:cNvSpPr>
+          <p:nvPr>
+            <p:ph idx="1"/>
+          </p:nvPr>
+        </p:nvSpPr>
+        <p:spPr/>
+        <p:txBody>
+          <a:bodyPr/>
+          <a:lstStyle/>
+          <a:p>
+            <a:endParaRPr lang="en-US" dirty="0"/>
+          </a:p>
+        </p:txBody>
+      </p:sp>
+    </p:spTree>
+    <p:extLst>
+      <p:ext uri="{BB962C8B-B14F-4D97-AF65-F5344CB8AC3E}">
+        <p14:creationId xmlns:p14="http://schemas.microsoft.com/office/powerpoint/2010/main" val="3782749584"/>
+      </p:ext>
+    </p:extLst>
+  </p:cSld>
+  <p:clrMapOvr>
+    <a:masterClrMapping/>
+  </p:clrMapOvr>
+</p:sld>
+</file>
+
+<file path=ppt/slides/slide8.xml><?xml version="1.0" encoding="utf-8"?>
 <p:sld xmlns:a="http://schemas.openxmlformats.org/drawingml/2006/main" xmlns:r="http://schemas.openxmlformats.org/officeDocument/2006/relationships" xmlns:p="http://schemas.openxmlformats.org/presentationml/2006/main">
   <p:cSld>
     <p:spTree>
@@ -14523,644 +16493,22 @@
           </a:p>
         </p:txBody>
       </p:sp>
-    </p:spTree>
-    <p:extLst>
-      <p:ext uri="{BB962C8B-B14F-4D97-AF65-F5344CB8AC3E}">
-        <p14:creationId xmlns:p14="http://schemas.microsoft.com/office/powerpoint/2010/main" val="1749861572"/>
-      </p:ext>
-    </p:extLst>
-  </p:cSld>
-  <p:clrMapOvr>
-    <a:masterClrMapping/>
-  </p:clrMapOvr>
-</p:sld>
-</file>
-
-<file path=ppt/slides/slide7.xml><?xml version="1.0" encoding="utf-8"?>
-<p:sld xmlns:a="http://schemas.openxmlformats.org/drawingml/2006/main" xmlns:r="http://schemas.openxmlformats.org/officeDocument/2006/relationships" xmlns:p="http://schemas.openxmlformats.org/presentationml/2006/main">
-  <p:cSld>
-    <p:spTree>
-      <p:nvGrpSpPr>
-        <p:cNvPr id="1" name=""/>
-        <p:cNvGrpSpPr/>
-        <p:nvPr/>
-      </p:nvGrpSpPr>
-      <p:grpSpPr>
-        <a:xfrm>
-          <a:off x="0" y="0"/>
-          <a:ext cx="0" cy="0"/>
-          <a:chOff x="0" y="0"/>
-          <a:chExt cx="0" cy="0"/>
-        </a:xfrm>
-      </p:grpSpPr>
-      <p:sp>
-        <p:nvSpPr>
-          <p:cNvPr id="67" name="Alternate Process 15">
-            <a:extLst/>
-          </p:cNvPr>
-          <p:cNvSpPr/>
-          <p:nvPr/>
-        </p:nvSpPr>
-        <p:spPr>
-          <a:xfrm>
-            <a:off x="3224950" y="854104"/>
-            <a:ext cx="1371600" cy="457200"/>
-          </a:xfrm>
-          <a:prstGeom prst="flowChartAlternateProcess">
-            <a:avLst/>
-          </a:prstGeom>
-          <a:solidFill>
-            <a:schemeClr val="accent5"/>
-          </a:solidFill>
-          <a:ln>
-            <a:solidFill>
-              <a:schemeClr val="accent5">
-                <a:lumMod val="75000"/>
-              </a:schemeClr>
-            </a:solidFill>
-          </a:ln>
-        </p:spPr>
-        <p:style>
-          <a:lnRef idx="2">
-            <a:schemeClr val="accent1">
-              <a:shade val="50000"/>
-            </a:schemeClr>
-          </a:lnRef>
-          <a:fillRef idx="1">
-            <a:schemeClr val="accent1"/>
-          </a:fillRef>
-          <a:effectRef idx="0">
-            <a:schemeClr val="accent1"/>
-          </a:effectRef>
-          <a:fontRef idx="minor">
-            <a:schemeClr val="lt1"/>
-          </a:fontRef>
-        </p:style>
-        <p:txBody>
-          <a:bodyPr rtlCol="0" anchor="ctr"/>
-          <a:lstStyle/>
-          <a:p>
-            <a:pPr algn="ctr"/>
-            <a:endParaRPr lang="en-US" sz="1400" dirty="0"/>
-          </a:p>
-        </p:txBody>
-      </p:sp>
-      <p:sp>
-        <p:nvSpPr>
-          <p:cNvPr id="68" name="Alternate Process 15">
-            <a:extLst/>
-          </p:cNvPr>
-          <p:cNvSpPr/>
-          <p:nvPr/>
-        </p:nvSpPr>
-        <p:spPr>
-          <a:xfrm>
-            <a:off x="3149887" y="926073"/>
-            <a:ext cx="1371600" cy="457200"/>
-          </a:xfrm>
-          <a:prstGeom prst="flowChartAlternateProcess">
-            <a:avLst/>
-          </a:prstGeom>
-          <a:solidFill>
-            <a:schemeClr val="accent5"/>
-          </a:solidFill>
-          <a:ln>
-            <a:solidFill>
-              <a:schemeClr val="accent5">
-                <a:lumMod val="75000"/>
-              </a:schemeClr>
-            </a:solidFill>
-          </a:ln>
-        </p:spPr>
-        <p:style>
-          <a:lnRef idx="2">
-            <a:schemeClr val="accent1">
-              <a:shade val="50000"/>
-            </a:schemeClr>
-          </a:lnRef>
-          <a:fillRef idx="1">
-            <a:schemeClr val="accent1"/>
-          </a:fillRef>
-          <a:effectRef idx="0">
-            <a:schemeClr val="accent1"/>
-          </a:effectRef>
-          <a:fontRef idx="minor">
-            <a:schemeClr val="lt1"/>
-          </a:fontRef>
-        </p:style>
-        <p:txBody>
-          <a:bodyPr rtlCol="0" anchor="ctr"/>
-          <a:lstStyle/>
-          <a:p>
-            <a:pPr algn="ctr"/>
-            <a:endParaRPr lang="en-US" sz="1400" dirty="0"/>
-          </a:p>
-        </p:txBody>
-      </p:sp>
-      <p:sp>
-        <p:nvSpPr>
-          <p:cNvPr id="29" name="TextBox 28">
-            <a:extLst/>
+      <p:sp>
+        <p:nvSpPr>
+          <p:cNvPr id="5" name="TextBox 4">
+            <a:extLst>
+              <a:ext uri="{FF2B5EF4-FFF2-40B4-BE49-F238E27FC236}">
+                <a16:creationId xmlns:a16="http://schemas.microsoft.com/office/drawing/2014/main" id="{EE671A4B-BE68-FB45-911F-04FE15EDAAE3}"/>
+              </a:ext>
+            </a:extLst>
           </p:cNvPr>
           <p:cNvSpPr txBox="1"/>
           <p:nvPr/>
         </p:nvSpPr>
         <p:spPr>
           <a:xfrm>
-            <a:off x="7435522" y="935630"/>
-            <a:ext cx="3474720" cy="640080"/>
-          </a:xfrm>
-          <a:prstGeom prst="rect">
-            <a:avLst/>
-          </a:prstGeom>
-          <a:noFill/>
-          <a:ln w="38100">
-            <a:solidFill>
-              <a:schemeClr val="tx1"/>
-            </a:solidFill>
-            <a:prstDash val="dash"/>
-          </a:ln>
-        </p:spPr>
-        <p:txBody>
-          <a:bodyPr wrap="square" rtlCol="0">
-            <a:spAutoFit/>
-          </a:bodyPr>
-          <a:lstStyle/>
-          <a:p>
-            <a:endParaRPr lang="en-US" dirty="0"/>
-          </a:p>
-        </p:txBody>
-      </p:sp>
-      <p:sp>
-        <p:nvSpPr>
-          <p:cNvPr id="4" name="TextBox 3">
-            <a:extLst/>
-          </p:cNvPr>
-          <p:cNvSpPr txBox="1"/>
-          <p:nvPr/>
-        </p:nvSpPr>
-        <p:spPr>
-          <a:xfrm>
-            <a:off x="7435522" y="2088280"/>
-            <a:ext cx="3474720" cy="914400"/>
-          </a:xfrm>
-          <a:prstGeom prst="rect">
-            <a:avLst/>
-          </a:prstGeom>
-          <a:noFill/>
-          <a:ln w="38100">
-            <a:solidFill>
-              <a:schemeClr val="tx1"/>
-            </a:solidFill>
-            <a:prstDash val="dash"/>
-          </a:ln>
-        </p:spPr>
-        <p:txBody>
-          <a:bodyPr wrap="square" rtlCol="0">
-            <a:spAutoFit/>
-          </a:bodyPr>
-          <a:lstStyle/>
-          <a:p>
-            <a:endParaRPr lang="en-US" dirty="0"/>
-          </a:p>
-        </p:txBody>
-      </p:sp>
-      <p:sp>
-        <p:nvSpPr>
-          <p:cNvPr id="5" name="Alternate Process 3">
-            <a:extLst/>
-          </p:cNvPr>
-          <p:cNvSpPr/>
-          <p:nvPr/>
-        </p:nvSpPr>
-        <p:spPr>
-          <a:xfrm>
-            <a:off x="7527307" y="2179384"/>
-            <a:ext cx="1371600" cy="731520"/>
-          </a:xfrm>
-          <a:prstGeom prst="flowChartAlternateProcess">
-            <a:avLst/>
-          </a:prstGeom>
-          <a:solidFill>
-            <a:schemeClr val="accent5"/>
-          </a:solidFill>
-          <a:ln>
-            <a:solidFill>
-              <a:schemeClr val="accent5">
-                <a:lumMod val="75000"/>
-              </a:schemeClr>
-            </a:solidFill>
-          </a:ln>
-        </p:spPr>
-        <p:style>
-          <a:lnRef idx="2">
-            <a:schemeClr val="accent1">
-              <a:shade val="50000"/>
-            </a:schemeClr>
-          </a:lnRef>
-          <a:fillRef idx="1">
-            <a:schemeClr val="accent1"/>
-          </a:fillRef>
-          <a:effectRef idx="0">
-            <a:schemeClr val="accent1"/>
-          </a:effectRef>
-          <a:fontRef idx="minor">
-            <a:schemeClr val="lt1"/>
-          </a:fontRef>
-        </p:style>
-        <p:txBody>
-          <a:bodyPr rtlCol="0" anchor="ctr"/>
-          <a:lstStyle/>
-          <a:p>
-            <a:pPr algn="ctr"/>
-            <a:r>
-              <a:rPr lang="en-US" sz="1400" dirty="0"/>
-              <a:t>Generated</a:t>
-            </a:r>
-          </a:p>
-          <a:p>
-            <a:pPr algn="ctr"/>
-            <a:r>
-              <a:rPr lang="en-US" sz="1400" dirty="0"/>
-              <a:t>spectrograms</a:t>
-            </a:r>
-          </a:p>
-          <a:p>
-            <a:pPr algn="ctr"/>
-            <a:r>
-              <a:rPr lang="en-US" sz="1400" dirty="0"/>
-              <a:t>“Fake” data</a:t>
-            </a:r>
-          </a:p>
-        </p:txBody>
-      </p:sp>
-      <p:sp>
-        <p:nvSpPr>
-          <p:cNvPr id="8" name="Process 7">
-            <a:extLst/>
-          </p:cNvPr>
-          <p:cNvSpPr/>
-          <p:nvPr/>
-        </p:nvSpPr>
-        <p:spPr>
-          <a:xfrm>
-            <a:off x="7601847" y="3498902"/>
-            <a:ext cx="3111344" cy="1097280"/>
-          </a:xfrm>
-          <a:prstGeom prst="flowChartProcess">
-            <a:avLst/>
-          </a:prstGeom>
-        </p:spPr>
-        <p:style>
-          <a:lnRef idx="2">
-            <a:schemeClr val="accent1">
-              <a:shade val="50000"/>
-            </a:schemeClr>
-          </a:lnRef>
-          <a:fillRef idx="1">
-            <a:schemeClr val="accent1"/>
-          </a:fillRef>
-          <a:effectRef idx="0">
-            <a:schemeClr val="accent1"/>
-          </a:effectRef>
-          <a:fontRef idx="minor">
-            <a:schemeClr val="lt1"/>
-          </a:fontRef>
-        </p:style>
-        <p:txBody>
-          <a:bodyPr rtlCol="0" anchor="ctr"/>
-          <a:lstStyle/>
-          <a:p>
-            <a:pPr algn="ctr"/>
-            <a:r>
-              <a:rPr lang="en-US" sz="2000" dirty="0"/>
-              <a:t>Discriminator Network (D(x))</a:t>
-            </a:r>
-          </a:p>
-          <a:p>
-            <a:pPr algn="ctr"/>
-            <a:r>
-              <a:rPr lang="en-US" sz="1400" dirty="0"/>
-              <a:t>Trained to decipher between real and fake spectrograms</a:t>
-            </a:r>
-          </a:p>
-        </p:txBody>
-      </p:sp>
-      <p:sp>
-        <p:nvSpPr>
-          <p:cNvPr id="9" name="Alternate Process 8">
-            <a:extLst/>
-          </p:cNvPr>
-          <p:cNvSpPr/>
-          <p:nvPr/>
-        </p:nvSpPr>
-        <p:spPr>
-          <a:xfrm>
-            <a:off x="9408512" y="2183681"/>
-            <a:ext cx="1371600" cy="731520"/>
-          </a:xfrm>
-          <a:prstGeom prst="flowChartAlternateProcess">
-            <a:avLst/>
-          </a:prstGeom>
-          <a:ln/>
-        </p:spPr>
-        <p:style>
-          <a:lnRef idx="2">
-            <a:schemeClr val="accent1">
-              <a:shade val="50000"/>
-            </a:schemeClr>
-          </a:lnRef>
-          <a:fillRef idx="1">
-            <a:schemeClr val="accent1"/>
-          </a:fillRef>
-          <a:effectRef idx="0">
-            <a:schemeClr val="accent1"/>
-          </a:effectRef>
-          <a:fontRef idx="minor">
-            <a:schemeClr val="lt1"/>
-          </a:fontRef>
-        </p:style>
-        <p:txBody>
-          <a:bodyPr rtlCol="0" anchor="ctr"/>
-          <a:lstStyle/>
-          <a:p>
-            <a:pPr algn="ctr"/>
-            <a:r>
-              <a:rPr lang="en-US" sz="1400" dirty="0"/>
-              <a:t>Training</a:t>
-            </a:r>
-          </a:p>
-          <a:p>
-            <a:pPr algn="ctr"/>
-            <a:r>
-              <a:rPr lang="en-US" sz="1400" dirty="0"/>
-              <a:t>spectrograms</a:t>
-            </a:r>
-          </a:p>
-          <a:p>
-            <a:pPr algn="ctr"/>
-            <a:r>
-              <a:rPr lang="en-US" sz="1400" dirty="0"/>
-              <a:t>“Real” data</a:t>
-            </a:r>
-          </a:p>
-        </p:txBody>
-      </p:sp>
-      <p:sp>
-        <p:nvSpPr>
-          <p:cNvPr id="10" name="Right Arrow 11">
-            <a:extLst/>
-          </p:cNvPr>
-          <p:cNvSpPr/>
-          <p:nvPr/>
-        </p:nvSpPr>
-        <p:spPr>
-          <a:xfrm>
-            <a:off x="8907110" y="5196151"/>
-            <a:ext cx="433162" cy="405191"/>
-          </a:xfrm>
-          <a:prstGeom prst="rightArrow">
-            <a:avLst/>
-          </a:prstGeom>
-        </p:spPr>
-        <p:style>
-          <a:lnRef idx="2">
-            <a:schemeClr val="accent1">
-              <a:shade val="50000"/>
-            </a:schemeClr>
-          </a:lnRef>
-          <a:fillRef idx="1">
-            <a:schemeClr val="accent1"/>
-          </a:fillRef>
-          <a:effectRef idx="0">
-            <a:schemeClr val="accent1"/>
-          </a:effectRef>
-          <a:fontRef idx="minor">
-            <a:schemeClr val="lt1"/>
-          </a:fontRef>
-        </p:style>
-        <p:txBody>
-          <a:bodyPr rtlCol="0" anchor="ctr"/>
-          <a:lstStyle/>
-          <a:p>
-            <a:pPr algn="ctr"/>
-            <a:endParaRPr lang="en-US" sz="1200" dirty="0"/>
-          </a:p>
-        </p:txBody>
-      </p:sp>
-      <p:sp>
-        <p:nvSpPr>
-          <p:cNvPr id="11" name="Alternate Process 12">
-            <a:extLst/>
-          </p:cNvPr>
-          <p:cNvSpPr/>
-          <p:nvPr/>
-        </p:nvSpPr>
-        <p:spPr>
-          <a:xfrm>
-            <a:off x="7556212" y="5104925"/>
-            <a:ext cx="1280160" cy="731520"/>
-          </a:xfrm>
-          <a:prstGeom prst="flowChartAlternateProcess">
-            <a:avLst/>
-          </a:prstGeom>
-        </p:spPr>
-        <p:style>
-          <a:lnRef idx="2">
-            <a:schemeClr val="accent1">
-              <a:shade val="50000"/>
-            </a:schemeClr>
-          </a:lnRef>
-          <a:fillRef idx="1">
-            <a:schemeClr val="accent1"/>
-          </a:fillRef>
-          <a:effectRef idx="0">
-            <a:schemeClr val="accent1"/>
-          </a:effectRef>
-          <a:fontRef idx="minor">
-            <a:schemeClr val="lt1"/>
-          </a:fontRef>
-        </p:style>
-        <p:txBody>
-          <a:bodyPr rtlCol="0" anchor="ctr"/>
-          <a:lstStyle/>
-          <a:p>
-            <a:pPr algn="ctr"/>
-            <a:r>
-              <a:rPr lang="en-US" sz="1400" dirty="0"/>
-              <a:t># within 0-1</a:t>
-            </a:r>
-          </a:p>
-          <a:p>
-            <a:pPr algn="ctr"/>
-            <a:r>
-              <a:rPr lang="en-US" sz="1400" dirty="0"/>
-              <a:t>0 = fake</a:t>
-            </a:r>
-          </a:p>
-          <a:p>
-            <a:pPr algn="ctr"/>
-            <a:r>
-              <a:rPr lang="en-US" sz="1400" dirty="0"/>
-              <a:t>1= real</a:t>
-            </a:r>
-          </a:p>
-        </p:txBody>
-      </p:sp>
-      <p:sp>
-        <p:nvSpPr>
-          <p:cNvPr id="19" name="Alternate Process 24">
-            <a:extLst/>
-          </p:cNvPr>
-          <p:cNvSpPr/>
-          <p:nvPr/>
-        </p:nvSpPr>
-        <p:spPr>
-          <a:xfrm>
-            <a:off x="9411010" y="5104925"/>
-            <a:ext cx="1280160" cy="731520"/>
-          </a:xfrm>
-          <a:prstGeom prst="flowChartAlternateProcess">
-            <a:avLst/>
-          </a:prstGeom>
-        </p:spPr>
-        <p:style>
-          <a:lnRef idx="2">
-            <a:schemeClr val="accent1">
-              <a:shade val="50000"/>
-            </a:schemeClr>
-          </a:lnRef>
-          <a:fillRef idx="1">
-            <a:schemeClr val="accent1"/>
-          </a:fillRef>
-          <a:effectRef idx="0">
-            <a:schemeClr val="accent1"/>
-          </a:effectRef>
-          <a:fontRef idx="minor">
-            <a:schemeClr val="lt1"/>
-          </a:fontRef>
-        </p:style>
-        <p:txBody>
-          <a:bodyPr rtlCol="0" anchor="ctr"/>
-          <a:lstStyle/>
-          <a:p>
-            <a:pPr algn="ctr"/>
-            <a:r>
-              <a:rPr lang="en-US" sz="1400" dirty="0"/>
-              <a:t>log(D(real)) + </a:t>
-            </a:r>
-          </a:p>
-          <a:p>
-            <a:pPr algn="ctr"/>
-            <a:r>
-              <a:rPr lang="en-US" sz="1400" dirty="0"/>
-              <a:t>log(1-D(generated))</a:t>
-            </a:r>
-          </a:p>
-        </p:txBody>
-      </p:sp>
-      <p:sp>
-        <p:nvSpPr>
-          <p:cNvPr id="26" name="Alternate Process 2">
-            <a:extLst/>
-          </p:cNvPr>
-          <p:cNvSpPr/>
-          <p:nvPr/>
-        </p:nvSpPr>
-        <p:spPr>
-          <a:xfrm>
-            <a:off x="7532719" y="1016255"/>
-            <a:ext cx="1371600" cy="457200"/>
-          </a:xfrm>
-          <a:prstGeom prst="flowChartAlternateProcess">
-            <a:avLst/>
-          </a:prstGeom>
-        </p:spPr>
-        <p:style>
-          <a:lnRef idx="2">
-            <a:schemeClr val="accent1">
-              <a:shade val="50000"/>
-            </a:schemeClr>
-          </a:lnRef>
-          <a:fillRef idx="1">
-            <a:schemeClr val="accent1"/>
-          </a:fillRef>
-          <a:effectRef idx="0">
-            <a:schemeClr val="accent1"/>
-          </a:effectRef>
-          <a:fontRef idx="minor">
-            <a:schemeClr val="lt1"/>
-          </a:fontRef>
-        </p:style>
-        <p:txBody>
-          <a:bodyPr rtlCol="0" anchor="ctr"/>
-          <a:lstStyle/>
-          <a:p>
-            <a:pPr algn="ctr"/>
-            <a:r>
-              <a:rPr lang="en-US" sz="1400" dirty="0"/>
-              <a:t>Record clarinet playing</a:t>
-            </a:r>
-          </a:p>
-        </p:txBody>
-      </p:sp>
-      <p:sp>
-        <p:nvSpPr>
-          <p:cNvPr id="27" name="Alternate Process 2">
-            <a:extLst/>
-          </p:cNvPr>
-          <p:cNvSpPr/>
-          <p:nvPr/>
-        </p:nvSpPr>
-        <p:spPr>
-          <a:xfrm>
-            <a:off x="9435016" y="1016255"/>
-            <a:ext cx="1371600" cy="455327"/>
-          </a:xfrm>
-          <a:prstGeom prst="flowChartAlternateProcess">
-            <a:avLst/>
-          </a:prstGeom>
-        </p:spPr>
-        <p:style>
-          <a:lnRef idx="2">
-            <a:schemeClr val="accent1">
-              <a:shade val="50000"/>
-            </a:schemeClr>
-          </a:lnRef>
-          <a:fillRef idx="1">
-            <a:schemeClr val="accent1"/>
-          </a:fillRef>
-          <a:effectRef idx="0">
-            <a:schemeClr val="accent1"/>
-          </a:effectRef>
-          <a:fontRef idx="minor">
-            <a:schemeClr val="lt1"/>
-          </a:fontRef>
-        </p:style>
-        <p:txBody>
-          <a:bodyPr rtlCol="0" anchor="ctr"/>
-          <a:lstStyle/>
-          <a:p>
-            <a:pPr algn="ctr"/>
-            <a:r>
-              <a:rPr lang="en-US" sz="1400" dirty="0"/>
-              <a:t>Extract from database</a:t>
-            </a:r>
-          </a:p>
-        </p:txBody>
-      </p:sp>
-      <p:sp>
-        <p:nvSpPr>
-          <p:cNvPr id="28" name="TextBox 27">
-            <a:extLst/>
-          </p:cNvPr>
-          <p:cNvSpPr txBox="1"/>
-          <p:nvPr/>
-        </p:nvSpPr>
-        <p:spPr>
-          <a:xfrm>
-            <a:off x="9016823" y="1102338"/>
-            <a:ext cx="391689" cy="276999"/>
+            <a:off x="165765" y="1687877"/>
+            <a:ext cx="11517696" cy="3046988"/>
           </a:xfrm>
           <a:prstGeom prst="rect">
             <a:avLst/>
@@ -15173,1007 +16521,24 @@
           </a:bodyPr>
           <a:lstStyle/>
           <a:p>
-            <a:r>
-              <a:rPr lang="en-US" sz="1200" dirty="0"/>
-              <a:t>or</a:t>
-            </a:r>
-          </a:p>
-        </p:txBody>
-      </p:sp>
-      <p:sp>
-        <p:nvSpPr>
-          <p:cNvPr id="30" name="Right Arrow 5">
-            <a:extLst/>
-          </p:cNvPr>
-          <p:cNvSpPr/>
-          <p:nvPr/>
-        </p:nvSpPr>
-        <p:spPr>
-          <a:xfrm rot="5400000">
-            <a:off x="9007986" y="1278369"/>
-            <a:ext cx="329791" cy="1157079"/>
-          </a:xfrm>
-          <a:prstGeom prst="rightArrow">
-            <a:avLst/>
-          </a:prstGeom>
-        </p:spPr>
-        <p:style>
-          <a:lnRef idx="2">
-            <a:schemeClr val="accent1">
-              <a:shade val="50000"/>
-            </a:schemeClr>
-          </a:lnRef>
-          <a:fillRef idx="1">
-            <a:schemeClr val="accent1"/>
-          </a:fillRef>
-          <a:effectRef idx="0">
-            <a:schemeClr val="accent1"/>
-          </a:effectRef>
-          <a:fontRef idx="minor">
-            <a:schemeClr val="lt1"/>
-          </a:fontRef>
-        </p:style>
-        <p:txBody>
-          <a:bodyPr rtlCol="0" anchor="ctr">
-            <a:scene3d>
-              <a:camera prst="orthographicFront">
-                <a:rot lat="0" lon="0" rev="5400000"/>
-              </a:camera>
-              <a:lightRig rig="threePt" dir="t"/>
-            </a:scene3d>
-          </a:bodyPr>
-          <a:lstStyle/>
-          <a:p>
             <a:pPr algn="ctr"/>
-            <a:endParaRPr lang="en-US" sz="1400" dirty="0"/>
-          </a:p>
-        </p:txBody>
-      </p:sp>
-      <p:sp>
-        <p:nvSpPr>
-          <p:cNvPr id="33" name="TextBox 32"/>
-          <p:cNvSpPr txBox="1"/>
-          <p:nvPr/>
-        </p:nvSpPr>
-        <p:spPr>
-          <a:xfrm>
-            <a:off x="8639084" y="1656335"/>
-            <a:ext cx="1399373" cy="338554"/>
-          </a:xfrm>
-          <a:prstGeom prst="rect">
-            <a:avLst/>
-          </a:prstGeom>
-          <a:noFill/>
-        </p:spPr>
-        <p:txBody>
-          <a:bodyPr wrap="square" rtlCol="0">
-            <a:spAutoFit/>
-          </a:bodyPr>
-          <a:lstStyle/>
-          <a:p>
-            <a:r>
-              <a:rPr lang="en-US" sz="1600" dirty="0"/>
-              <a:t>Pre-process</a:t>
-            </a:r>
-          </a:p>
-        </p:txBody>
-      </p:sp>
-      <p:sp>
-        <p:nvSpPr>
-          <p:cNvPr id="34" name="TextBox 33">
-            <a:extLst/>
-          </p:cNvPr>
-          <p:cNvSpPr txBox="1"/>
-          <p:nvPr/>
-        </p:nvSpPr>
-        <p:spPr>
-          <a:xfrm>
-            <a:off x="8947485" y="2360924"/>
-            <a:ext cx="430850" cy="276999"/>
-          </a:xfrm>
-          <a:prstGeom prst="rect">
-            <a:avLst/>
-          </a:prstGeom>
-          <a:noFill/>
-        </p:spPr>
-        <p:txBody>
-          <a:bodyPr wrap="square" rtlCol="0">
-            <a:spAutoFit/>
-          </a:bodyPr>
-          <a:lstStyle/>
-          <a:p>
-            <a:r>
-              <a:rPr lang="en-US" sz="1200" dirty="0"/>
-              <a:t>and</a:t>
-            </a:r>
-          </a:p>
-        </p:txBody>
-      </p:sp>
-      <p:sp>
-        <p:nvSpPr>
-          <p:cNvPr id="37" name="Right Arrow 5">
-            <a:extLst/>
-          </p:cNvPr>
-          <p:cNvSpPr/>
-          <p:nvPr/>
-        </p:nvSpPr>
-        <p:spPr>
-          <a:xfrm rot="5400000">
-            <a:off x="9003014" y="2695457"/>
-            <a:ext cx="329791" cy="1157079"/>
-          </a:xfrm>
-          <a:prstGeom prst="rightArrow">
-            <a:avLst/>
-          </a:prstGeom>
-        </p:spPr>
-        <p:style>
-          <a:lnRef idx="2">
-            <a:schemeClr val="accent1">
-              <a:shade val="50000"/>
-            </a:schemeClr>
-          </a:lnRef>
-          <a:fillRef idx="1">
-            <a:schemeClr val="accent1"/>
-          </a:fillRef>
-          <a:effectRef idx="0">
-            <a:schemeClr val="accent1"/>
-          </a:effectRef>
-          <a:fontRef idx="minor">
-            <a:schemeClr val="lt1"/>
-          </a:fontRef>
-        </p:style>
-        <p:txBody>
-          <a:bodyPr rtlCol="0" anchor="ctr">
-            <a:scene3d>
-              <a:camera prst="orthographicFront">
-                <a:rot lat="0" lon="0" rev="5400000"/>
-              </a:camera>
-              <a:lightRig rig="threePt" dir="t"/>
-            </a:scene3d>
-          </a:bodyPr>
-          <a:lstStyle/>
-          <a:p>
-            <a:pPr algn="ctr"/>
-            <a:endParaRPr lang="en-US" sz="1400" dirty="0"/>
-          </a:p>
-        </p:txBody>
-      </p:sp>
-      <p:sp>
-        <p:nvSpPr>
-          <p:cNvPr id="38" name="TextBox 37"/>
-          <p:cNvSpPr txBox="1"/>
-          <p:nvPr/>
-        </p:nvSpPr>
-        <p:spPr>
-          <a:xfrm>
-            <a:off x="8904319" y="3085313"/>
-            <a:ext cx="1399373" cy="338554"/>
-          </a:xfrm>
-          <a:prstGeom prst="rect">
-            <a:avLst/>
-          </a:prstGeom>
-          <a:noFill/>
-        </p:spPr>
-        <p:txBody>
-          <a:bodyPr wrap="square" rtlCol="0">
-            <a:spAutoFit/>
-          </a:bodyPr>
-          <a:lstStyle/>
-          <a:p>
-            <a:r>
-              <a:rPr lang="en-US" sz="1600" dirty="0"/>
-              <a:t>Input</a:t>
-            </a:r>
-          </a:p>
-        </p:txBody>
-      </p:sp>
-      <p:sp>
-        <p:nvSpPr>
-          <p:cNvPr id="39" name="Right Arrow 5">
-            <a:extLst/>
-          </p:cNvPr>
-          <p:cNvSpPr/>
-          <p:nvPr/>
-        </p:nvSpPr>
-        <p:spPr>
-          <a:xfrm rot="5400000">
-            <a:off x="8008205" y="4265934"/>
-            <a:ext cx="329791" cy="1157079"/>
-          </a:xfrm>
-          <a:prstGeom prst="rightArrow">
-            <a:avLst/>
-          </a:prstGeom>
-        </p:spPr>
-        <p:style>
-          <a:lnRef idx="2">
-            <a:schemeClr val="accent1">
-              <a:shade val="50000"/>
-            </a:schemeClr>
-          </a:lnRef>
-          <a:fillRef idx="1">
-            <a:schemeClr val="accent1"/>
-          </a:fillRef>
-          <a:effectRef idx="0">
-            <a:schemeClr val="accent1"/>
-          </a:effectRef>
-          <a:fontRef idx="minor">
-            <a:schemeClr val="lt1"/>
-          </a:fontRef>
-        </p:style>
-        <p:txBody>
-          <a:bodyPr rtlCol="0" anchor="ctr">
-            <a:scene3d>
-              <a:camera prst="orthographicFront">
-                <a:rot lat="0" lon="0" rev="5400000"/>
-              </a:camera>
-              <a:lightRig rig="threePt" dir="t"/>
-            </a:scene3d>
-          </a:bodyPr>
-          <a:lstStyle/>
-          <a:p>
-            <a:pPr algn="ctr"/>
-            <a:endParaRPr lang="en-US" sz="1400" dirty="0"/>
-          </a:p>
-        </p:txBody>
-      </p:sp>
-      <p:sp>
-        <p:nvSpPr>
-          <p:cNvPr id="40" name="TextBox 39"/>
-          <p:cNvSpPr txBox="1"/>
-          <p:nvPr/>
-        </p:nvSpPr>
-        <p:spPr>
-          <a:xfrm>
-            <a:off x="7799720" y="4655790"/>
-            <a:ext cx="1399373" cy="338554"/>
-          </a:xfrm>
-          <a:prstGeom prst="rect">
-            <a:avLst/>
-          </a:prstGeom>
-          <a:noFill/>
-        </p:spPr>
-        <p:txBody>
-          <a:bodyPr wrap="square" rtlCol="0">
-            <a:spAutoFit/>
-          </a:bodyPr>
-          <a:lstStyle/>
-          <a:p>
-            <a:r>
-              <a:rPr lang="en-US" sz="1600" dirty="0"/>
-              <a:t>Output</a:t>
-            </a:r>
-          </a:p>
-        </p:txBody>
-      </p:sp>
-      <p:sp>
-        <p:nvSpPr>
-          <p:cNvPr id="41" name="Right Arrow 5">
-            <a:extLst/>
-          </p:cNvPr>
-          <p:cNvSpPr/>
-          <p:nvPr/>
-        </p:nvSpPr>
-        <p:spPr>
-          <a:xfrm rot="16200000">
-            <a:off x="9883348" y="4254418"/>
-            <a:ext cx="329791" cy="1157079"/>
-          </a:xfrm>
-          <a:prstGeom prst="rightArrow">
-            <a:avLst/>
-          </a:prstGeom>
-        </p:spPr>
-        <p:style>
-          <a:lnRef idx="2">
-            <a:schemeClr val="accent1">
-              <a:shade val="50000"/>
-            </a:schemeClr>
-          </a:lnRef>
-          <a:fillRef idx="1">
-            <a:schemeClr val="accent1"/>
-          </a:fillRef>
-          <a:effectRef idx="0">
-            <a:schemeClr val="accent1"/>
-          </a:effectRef>
-          <a:fontRef idx="minor">
-            <a:schemeClr val="lt1"/>
-          </a:fontRef>
-        </p:style>
-        <p:txBody>
-          <a:bodyPr rtlCol="0" anchor="ctr">
-            <a:scene3d>
-              <a:camera prst="orthographicFront">
-                <a:rot lat="0" lon="0" rev="5400000"/>
-              </a:camera>
-              <a:lightRig rig="threePt" dir="t"/>
-            </a:scene3d>
-          </a:bodyPr>
-          <a:lstStyle/>
-          <a:p>
-            <a:pPr algn="ctr"/>
-            <a:endParaRPr lang="en-US" sz="1400" dirty="0"/>
-          </a:p>
-        </p:txBody>
-      </p:sp>
-      <p:sp>
-        <p:nvSpPr>
-          <p:cNvPr id="42" name="TextBox 41"/>
-          <p:cNvSpPr txBox="1"/>
-          <p:nvPr/>
-        </p:nvSpPr>
-        <p:spPr>
-          <a:xfrm>
-            <a:off x="9590131" y="4676931"/>
-            <a:ext cx="1251871" cy="338554"/>
-          </a:xfrm>
-          <a:prstGeom prst="rect">
-            <a:avLst/>
-          </a:prstGeom>
-          <a:noFill/>
-        </p:spPr>
-        <p:txBody>
-          <a:bodyPr wrap="square" rtlCol="0">
-            <a:spAutoFit/>
-          </a:bodyPr>
-          <a:lstStyle/>
-          <a:p>
-            <a:r>
-              <a:rPr lang="en-US" sz="1600" dirty="0"/>
-              <a:t>Maximize</a:t>
-            </a:r>
-          </a:p>
-        </p:txBody>
-      </p:sp>
-      <p:sp>
-        <p:nvSpPr>
-          <p:cNvPr id="58" name="Process 14">
-            <a:extLst/>
-          </p:cNvPr>
-          <p:cNvSpPr/>
-          <p:nvPr/>
-        </p:nvSpPr>
-        <p:spPr>
-          <a:xfrm>
-            <a:off x="2318052" y="1949991"/>
-            <a:ext cx="3108960" cy="1097280"/>
-          </a:xfrm>
-          <a:prstGeom prst="flowChartProcess">
-            <a:avLst/>
-          </a:prstGeom>
-          <a:solidFill>
-            <a:schemeClr val="accent5"/>
-          </a:solidFill>
-          <a:ln>
-            <a:solidFill>
-              <a:schemeClr val="accent5">
-                <a:lumMod val="75000"/>
-              </a:schemeClr>
-            </a:solidFill>
-          </a:ln>
-        </p:spPr>
-        <p:style>
-          <a:lnRef idx="2">
-            <a:schemeClr val="accent1">
-              <a:shade val="50000"/>
-            </a:schemeClr>
-          </a:lnRef>
-          <a:fillRef idx="1">
-            <a:schemeClr val="accent1"/>
-          </a:fillRef>
-          <a:effectRef idx="0">
-            <a:schemeClr val="accent1"/>
-          </a:effectRef>
-          <a:fontRef idx="minor">
-            <a:schemeClr val="lt1"/>
-          </a:fontRef>
-        </p:style>
-        <p:txBody>
-          <a:bodyPr rtlCol="0" anchor="ctr"/>
-          <a:lstStyle/>
-          <a:p>
-            <a:pPr algn="ctr"/>
-            <a:r>
-              <a:rPr lang="en-US" sz="2000" dirty="0"/>
-              <a:t>Generator Network</a:t>
-            </a:r>
-          </a:p>
-          <a:p>
-            <a:pPr algn="ctr"/>
-            <a:r>
-              <a:rPr lang="en-US" sz="1400" dirty="0"/>
-              <a:t>Makes fake spectrograms; trained to ”trick” the generator network</a:t>
-            </a:r>
-          </a:p>
-        </p:txBody>
-      </p:sp>
-      <p:sp>
-        <p:nvSpPr>
-          <p:cNvPr id="59" name="Alternate Process 15">
-            <a:extLst/>
-          </p:cNvPr>
-          <p:cNvSpPr/>
-          <p:nvPr/>
-        </p:nvSpPr>
-        <p:spPr>
-          <a:xfrm>
-            <a:off x="3061176" y="1010214"/>
-            <a:ext cx="1371600" cy="457200"/>
-          </a:xfrm>
-          <a:prstGeom prst="flowChartAlternateProcess">
-            <a:avLst/>
-          </a:prstGeom>
-          <a:solidFill>
-            <a:schemeClr val="accent5"/>
-          </a:solidFill>
-          <a:ln>
-            <a:solidFill>
-              <a:schemeClr val="accent5">
-                <a:lumMod val="75000"/>
-              </a:schemeClr>
-            </a:solidFill>
-          </a:ln>
-        </p:spPr>
-        <p:style>
-          <a:lnRef idx="2">
-            <a:schemeClr val="accent1">
-              <a:shade val="50000"/>
-            </a:schemeClr>
-          </a:lnRef>
-          <a:fillRef idx="1">
-            <a:schemeClr val="accent1"/>
-          </a:fillRef>
-          <a:effectRef idx="0">
-            <a:schemeClr val="accent1"/>
-          </a:effectRef>
-          <a:fontRef idx="minor">
-            <a:schemeClr val="lt1"/>
-          </a:fontRef>
-        </p:style>
-        <p:txBody>
-          <a:bodyPr rtlCol="0" anchor="ctr"/>
-          <a:lstStyle/>
-          <a:p>
-            <a:pPr algn="ctr"/>
-            <a:r>
-              <a:rPr lang="en-US" sz="1400" dirty="0"/>
-              <a:t>Random noise vectors</a:t>
-            </a:r>
-          </a:p>
-        </p:txBody>
-      </p:sp>
-      <p:sp>
-        <p:nvSpPr>
-          <p:cNvPr id="69" name="Right Arrow 5">
-            <a:extLst/>
-          </p:cNvPr>
-          <p:cNvSpPr/>
-          <p:nvPr/>
-        </p:nvSpPr>
-        <p:spPr>
-          <a:xfrm rot="5400000">
-            <a:off x="3707637" y="1128590"/>
-            <a:ext cx="329791" cy="1157079"/>
-          </a:xfrm>
-          <a:prstGeom prst="rightArrow">
-            <a:avLst/>
-          </a:prstGeom>
-          <a:solidFill>
-            <a:schemeClr val="accent5"/>
-          </a:solidFill>
-          <a:ln>
-            <a:solidFill>
-              <a:schemeClr val="accent5">
-                <a:lumMod val="75000"/>
-              </a:schemeClr>
-            </a:solidFill>
-          </a:ln>
-        </p:spPr>
-        <p:style>
-          <a:lnRef idx="2">
-            <a:schemeClr val="accent1">
-              <a:shade val="50000"/>
-            </a:schemeClr>
-          </a:lnRef>
-          <a:fillRef idx="1">
-            <a:schemeClr val="accent1"/>
-          </a:fillRef>
-          <a:effectRef idx="0">
-            <a:schemeClr val="accent1"/>
-          </a:effectRef>
-          <a:fontRef idx="minor">
-            <a:schemeClr val="lt1"/>
-          </a:fontRef>
-        </p:style>
-        <p:txBody>
-          <a:bodyPr rtlCol="0" anchor="ctr">
-            <a:scene3d>
-              <a:camera prst="orthographicFront">
-                <a:rot lat="0" lon="0" rev="5400000"/>
-              </a:camera>
-              <a:lightRig rig="threePt" dir="t"/>
-            </a:scene3d>
-          </a:bodyPr>
-          <a:lstStyle/>
-          <a:p>
-            <a:pPr algn="ctr"/>
-            <a:endParaRPr lang="en-US" sz="1400" dirty="0"/>
-          </a:p>
-        </p:txBody>
-      </p:sp>
-      <p:sp>
-        <p:nvSpPr>
-          <p:cNvPr id="70" name="TextBox 69"/>
-          <p:cNvSpPr txBox="1"/>
-          <p:nvPr/>
-        </p:nvSpPr>
-        <p:spPr>
-          <a:xfrm>
-            <a:off x="3608942" y="1518446"/>
-            <a:ext cx="1399373" cy="338554"/>
-          </a:xfrm>
-          <a:prstGeom prst="rect">
-            <a:avLst/>
-          </a:prstGeom>
-          <a:noFill/>
-        </p:spPr>
-        <p:txBody>
-          <a:bodyPr wrap="square" rtlCol="0">
-            <a:spAutoFit/>
-          </a:bodyPr>
-          <a:lstStyle/>
-          <a:p>
-            <a:r>
-              <a:rPr lang="en-US" sz="1600" dirty="0"/>
-              <a:t>Input</a:t>
-            </a:r>
-          </a:p>
-        </p:txBody>
-      </p:sp>
-      <p:sp>
-        <p:nvSpPr>
-          <p:cNvPr id="72" name="Alternate Process 12">
-            <a:extLst/>
-          </p:cNvPr>
-          <p:cNvSpPr/>
-          <p:nvPr/>
-        </p:nvSpPr>
-        <p:spPr>
-          <a:xfrm>
-            <a:off x="4043820" y="3535407"/>
-            <a:ext cx="1280160" cy="731520"/>
-          </a:xfrm>
-          <a:prstGeom prst="flowChartAlternateProcess">
-            <a:avLst/>
-          </a:prstGeom>
-        </p:spPr>
-        <p:style>
-          <a:lnRef idx="2">
-            <a:schemeClr val="accent5">
-              <a:shade val="50000"/>
-            </a:schemeClr>
-          </a:lnRef>
-          <a:fillRef idx="1">
-            <a:schemeClr val="accent5"/>
-          </a:fillRef>
-          <a:effectRef idx="0">
-            <a:schemeClr val="accent5"/>
-          </a:effectRef>
-          <a:fontRef idx="minor">
-            <a:schemeClr val="lt1"/>
-          </a:fontRef>
-        </p:style>
-        <p:txBody>
-          <a:bodyPr rtlCol="0" anchor="ctr"/>
-          <a:lstStyle/>
-          <a:p>
-            <a:pPr algn="ctr"/>
-            <a:r>
-              <a:rPr lang="en-US" sz="1400" dirty="0"/>
-              <a:t>Generated</a:t>
-            </a:r>
-          </a:p>
-          <a:p>
-            <a:pPr algn="ctr"/>
-            <a:r>
-              <a:rPr lang="en-US" sz="1400" dirty="0"/>
-              <a:t>spectrograms</a:t>
-            </a:r>
-          </a:p>
-          <a:p>
-            <a:pPr algn="ctr"/>
-            <a:r>
-              <a:rPr lang="en-US" sz="1400" dirty="0"/>
-              <a:t>“Fake” data</a:t>
-            </a:r>
-          </a:p>
-        </p:txBody>
-      </p:sp>
-      <p:sp>
-        <p:nvSpPr>
-          <p:cNvPr id="74" name="Right Arrow 5">
-            <a:extLst/>
-          </p:cNvPr>
-          <p:cNvSpPr/>
-          <p:nvPr/>
-        </p:nvSpPr>
-        <p:spPr>
-          <a:xfrm rot="5400000">
-            <a:off x="4519005" y="2723310"/>
-            <a:ext cx="329791" cy="1157079"/>
-          </a:xfrm>
-          <a:prstGeom prst="rightArrow">
-            <a:avLst/>
-          </a:prstGeom>
-        </p:spPr>
-        <p:style>
-          <a:lnRef idx="2">
-            <a:schemeClr val="accent5">
-              <a:shade val="50000"/>
-            </a:schemeClr>
-          </a:lnRef>
-          <a:fillRef idx="1">
-            <a:schemeClr val="accent5"/>
-          </a:fillRef>
-          <a:effectRef idx="0">
-            <a:schemeClr val="accent5"/>
-          </a:effectRef>
-          <a:fontRef idx="minor">
-            <a:schemeClr val="lt1"/>
-          </a:fontRef>
-        </p:style>
-        <p:txBody>
-          <a:bodyPr rtlCol="0" anchor="ctr">
-            <a:scene3d>
-              <a:camera prst="orthographicFront">
-                <a:rot lat="0" lon="0" rev="5400000"/>
-              </a:camera>
-              <a:lightRig rig="threePt" dir="t"/>
-            </a:scene3d>
-          </a:bodyPr>
-          <a:lstStyle/>
-          <a:p>
-            <a:pPr algn="ctr"/>
-            <a:endParaRPr lang="en-US" sz="1400" dirty="0"/>
-          </a:p>
-        </p:txBody>
-      </p:sp>
-      <p:sp>
-        <p:nvSpPr>
-          <p:cNvPr id="75" name="TextBox 74"/>
-          <p:cNvSpPr txBox="1"/>
-          <p:nvPr/>
-        </p:nvSpPr>
-        <p:spPr>
-          <a:xfrm>
-            <a:off x="4313095" y="3116675"/>
-            <a:ext cx="1399373" cy="338554"/>
-          </a:xfrm>
-          <a:prstGeom prst="rect">
-            <a:avLst/>
-          </a:prstGeom>
-          <a:noFill/>
-        </p:spPr>
-        <p:txBody>
-          <a:bodyPr wrap="square" rtlCol="0">
-            <a:spAutoFit/>
-          </a:bodyPr>
-          <a:lstStyle/>
-          <a:p>
-            <a:r>
-              <a:rPr lang="en-US" sz="1600" dirty="0"/>
-              <a:t>Output</a:t>
-            </a:r>
-          </a:p>
-        </p:txBody>
-      </p:sp>
-      <p:sp>
-        <p:nvSpPr>
-          <p:cNvPr id="78" name="Arrow: Right 77"/>
-          <p:cNvSpPr/>
-          <p:nvPr/>
-        </p:nvSpPr>
-        <p:spPr>
-          <a:xfrm rot="19491813">
-            <a:off x="5523066" y="3053768"/>
-            <a:ext cx="1771735" cy="401644"/>
-          </a:xfrm>
-          <a:prstGeom prst="rightArrow">
-            <a:avLst/>
-          </a:prstGeom>
-        </p:spPr>
-        <p:style>
-          <a:lnRef idx="2">
-            <a:schemeClr val="accent5">
-              <a:shade val="50000"/>
-            </a:schemeClr>
-          </a:lnRef>
-          <a:fillRef idx="1">
-            <a:schemeClr val="accent5"/>
-          </a:fillRef>
-          <a:effectRef idx="0">
-            <a:schemeClr val="accent5"/>
-          </a:effectRef>
-          <a:fontRef idx="minor">
-            <a:schemeClr val="lt1"/>
-          </a:fontRef>
-        </p:style>
-        <p:txBody>
-          <a:bodyPr rtlCol="0" anchor="ctr"/>
-          <a:lstStyle/>
-          <a:p>
-            <a:pPr algn="ctr"/>
-            <a:endParaRPr lang="en-US"/>
-          </a:p>
-        </p:txBody>
-      </p:sp>
-      <p:sp>
-        <p:nvSpPr>
-          <p:cNvPr id="80" name="Alternate Process 24">
-            <a:extLst/>
-          </p:cNvPr>
-          <p:cNvSpPr/>
-          <p:nvPr/>
-        </p:nvSpPr>
-        <p:spPr>
-          <a:xfrm>
-            <a:off x="2340193" y="3535407"/>
-            <a:ext cx="1280160" cy="731520"/>
-          </a:xfrm>
-          <a:prstGeom prst="flowChartAlternateProcess">
-            <a:avLst/>
-          </a:prstGeom>
-        </p:spPr>
-        <p:style>
-          <a:lnRef idx="2">
-            <a:schemeClr val="accent5">
-              <a:shade val="50000"/>
-            </a:schemeClr>
-          </a:lnRef>
-          <a:fillRef idx="1">
-            <a:schemeClr val="accent5"/>
-          </a:fillRef>
-          <a:effectRef idx="0">
-            <a:schemeClr val="accent5"/>
-          </a:effectRef>
-          <a:fontRef idx="minor">
-            <a:schemeClr val="lt1"/>
-          </a:fontRef>
-        </p:style>
-        <p:txBody>
-          <a:bodyPr rtlCol="0" anchor="ctr"/>
-          <a:lstStyle/>
-          <a:p>
-            <a:pPr algn="ctr"/>
-            <a:r>
-              <a:rPr lang="en-US" sz="1400" dirty="0"/>
-              <a:t>log(1-D(generated))</a:t>
-            </a:r>
-          </a:p>
-        </p:txBody>
-      </p:sp>
-      <p:sp>
-        <p:nvSpPr>
-          <p:cNvPr id="81" name="Right Arrow 5">
-            <a:extLst/>
-          </p:cNvPr>
-          <p:cNvSpPr/>
-          <p:nvPr/>
-        </p:nvSpPr>
-        <p:spPr>
-          <a:xfrm rot="16200000">
-            <a:off x="2810532" y="2694162"/>
-            <a:ext cx="329791" cy="1157079"/>
-          </a:xfrm>
-          <a:prstGeom prst="rightArrow">
-            <a:avLst/>
-          </a:prstGeom>
-        </p:spPr>
-        <p:style>
-          <a:lnRef idx="2">
-            <a:schemeClr val="accent5">
-              <a:shade val="50000"/>
-            </a:schemeClr>
-          </a:lnRef>
-          <a:fillRef idx="1">
-            <a:schemeClr val="accent5"/>
-          </a:fillRef>
-          <a:effectRef idx="0">
-            <a:schemeClr val="accent5"/>
-          </a:effectRef>
-          <a:fontRef idx="minor">
-            <a:schemeClr val="lt1"/>
-          </a:fontRef>
-        </p:style>
-        <p:txBody>
-          <a:bodyPr rtlCol="0" anchor="ctr">
-            <a:scene3d>
-              <a:camera prst="orthographicFront">
-                <a:rot lat="0" lon="0" rev="5400000"/>
-              </a:camera>
-              <a:lightRig rig="threePt" dir="t"/>
-            </a:scene3d>
-          </a:bodyPr>
-          <a:lstStyle/>
-          <a:p>
-            <a:pPr algn="ctr"/>
-            <a:endParaRPr lang="en-US" sz="1400" dirty="0"/>
-          </a:p>
-        </p:txBody>
-      </p:sp>
-      <p:sp>
-        <p:nvSpPr>
-          <p:cNvPr id="82" name="TextBox 81"/>
-          <p:cNvSpPr txBox="1"/>
-          <p:nvPr/>
-        </p:nvSpPr>
-        <p:spPr>
-          <a:xfrm>
-            <a:off x="2547023" y="3116675"/>
-            <a:ext cx="1251871" cy="338554"/>
-          </a:xfrm>
-          <a:prstGeom prst="rect">
-            <a:avLst/>
-          </a:prstGeom>
-          <a:noFill/>
-        </p:spPr>
-        <p:txBody>
-          <a:bodyPr wrap="square" rtlCol="0">
-            <a:spAutoFit/>
-          </a:bodyPr>
-          <a:lstStyle/>
-          <a:p>
-            <a:r>
-              <a:rPr lang="en-US" sz="1600" dirty="0"/>
-              <a:t>Minimize</a:t>
-            </a:r>
-          </a:p>
-        </p:txBody>
-      </p:sp>
-      <p:sp>
-        <p:nvSpPr>
-          <p:cNvPr id="83" name="Arrow: Right 82"/>
-          <p:cNvSpPr/>
-          <p:nvPr/>
-        </p:nvSpPr>
-        <p:spPr>
-          <a:xfrm rot="11793274">
-            <a:off x="3609194" y="4845394"/>
-            <a:ext cx="3307702" cy="401644"/>
-          </a:xfrm>
-          <a:prstGeom prst="rightArrow">
-            <a:avLst/>
-          </a:prstGeom>
-        </p:spPr>
-        <p:style>
-          <a:lnRef idx="2">
-            <a:schemeClr val="accent5">
-              <a:shade val="50000"/>
-            </a:schemeClr>
-          </a:lnRef>
-          <a:fillRef idx="1">
-            <a:schemeClr val="accent5"/>
-          </a:fillRef>
-          <a:effectRef idx="0">
-            <a:schemeClr val="accent5"/>
-          </a:effectRef>
-          <a:fontRef idx="minor">
-            <a:schemeClr val="lt1"/>
-          </a:fontRef>
-        </p:style>
-        <p:txBody>
-          <a:bodyPr rtlCol="0" anchor="ctr"/>
-          <a:lstStyle/>
-          <a:p>
-            <a:pPr algn="ctr"/>
-            <a:endParaRPr lang="en-US"/>
+            <a:r>
+              <a:rPr lang="en-US" sz="9600" dirty="0">
+                <a:solidFill>
+                  <a:schemeClr val="tx1">
+                    <a:alpha val="36000"/>
+                  </a:schemeClr>
+                </a:solidFill>
+              </a:rPr>
+              <a:t>Digitalized previous iteration flowchart</a:t>
+            </a:r>
           </a:p>
         </p:txBody>
       </p:sp>
     </p:spTree>
     <p:extLst>
       <p:ext uri="{BB962C8B-B14F-4D97-AF65-F5344CB8AC3E}">
-        <p14:creationId xmlns:p14="http://schemas.microsoft.com/office/powerpoint/2010/main" val="2544214301"/>
-      </p:ext>
-    </p:extLst>
-  </p:cSld>
-  <p:clrMapOvr>
-    <a:masterClrMapping/>
-  </p:clrMapOvr>
-</p:sld>
-</file>
-
-<file path=ppt/slides/slide8.xml><?xml version="1.0" encoding="utf-8"?>
-<p:sld xmlns:a="http://schemas.openxmlformats.org/drawingml/2006/main" xmlns:r="http://schemas.openxmlformats.org/officeDocument/2006/relationships" xmlns:p="http://schemas.openxmlformats.org/presentationml/2006/main">
-  <p:cSld>
-    <p:spTree>
-      <p:nvGrpSpPr>
-        <p:cNvPr id="1" name=""/>
-        <p:cNvGrpSpPr/>
-        <p:nvPr/>
-      </p:nvGrpSpPr>
-      <p:grpSpPr>
-        <a:xfrm>
-          <a:off x="0" y="0"/>
-          <a:ext cx="0" cy="0"/>
-          <a:chOff x="0" y="0"/>
-          <a:chExt cx="0" cy="0"/>
-        </a:xfrm>
-      </p:grpSpPr>
-      <p:sp>
-        <p:nvSpPr>
-          <p:cNvPr id="2" name="Title 1"/>
-          <p:cNvSpPr>
-            <a:spLocks noGrp="1"/>
-          </p:cNvSpPr>
-          <p:nvPr>
-            <p:ph type="title"/>
-          </p:nvPr>
-        </p:nvSpPr>
-        <p:spPr/>
-        <p:txBody>
-          <a:bodyPr/>
-          <a:lstStyle/>
-          <a:p>
-            <a:r>
-              <a:rPr lang="en-US" dirty="0"/>
-              <a:t>Training</a:t>
-            </a:r>
-          </a:p>
-        </p:txBody>
-      </p:sp>
-      <p:sp>
-        <p:nvSpPr>
-          <p:cNvPr id="3" name="Content Placeholder 2"/>
-          <p:cNvSpPr>
-            <a:spLocks noGrp="1"/>
-          </p:cNvSpPr>
-          <p:nvPr>
-            <p:ph idx="1"/>
-          </p:nvPr>
-        </p:nvSpPr>
-        <p:spPr/>
-        <p:txBody>
-          <a:bodyPr>
-            <a:normAutofit/>
-          </a:bodyPr>
-          <a:lstStyle/>
-          <a:p>
-            <a:r>
-              <a:rPr lang="en-US" dirty="0"/>
-              <a:t>GANs generate images given a set of correct or ideal images</a:t>
-            </a:r>
-          </a:p>
-          <a:p>
-            <a:r>
-              <a:rPr lang="en-US" dirty="0"/>
-              <a:t>Two networks compete against each other</a:t>
-            </a:r>
-            <a:endParaRPr lang="en-US" dirty="0"/>
-          </a:p>
-          <a:p>
-            <a:r>
-              <a:rPr lang="en-US" dirty="0"/>
-              <a:t>For every time the generator is trained, the discriminator needs to be trained multiple times</a:t>
-            </a:r>
-          </a:p>
-          <a:p>
-            <a:pPr lvl="1"/>
-            <a:r>
-              <a:rPr lang="en-US" dirty="0"/>
-              <a:t>The discriminator trains and converges more slowly than the generator</a:t>
-            </a:r>
-          </a:p>
-          <a:p>
-            <a:r>
-              <a:rPr lang="en-US" dirty="0"/>
-              <a:t>The gradient is of all of the parameters</a:t>
-            </a:r>
-          </a:p>
-        </p:txBody>
-      </p:sp>
-    </p:spTree>
-    <p:extLst>
-      <p:ext uri="{BB962C8B-B14F-4D97-AF65-F5344CB8AC3E}">
-        <p14:creationId xmlns:p14="http://schemas.microsoft.com/office/powerpoint/2010/main" val="1761552910"/>
+        <p14:creationId xmlns:p14="http://schemas.microsoft.com/office/powerpoint/2010/main" val="1749861572"/>
       </p:ext>
     </p:extLst>
   </p:cSld>
